--- a/DMA Course Project.pptx
+++ b/DMA Course Project.pptx
@@ -13,36 +13,32 @@
     <p:sldId id="258" r:id="rId6"/>
     <p:sldId id="259" r:id="rId7"/>
     <p:sldId id="276" r:id="rId8"/>
-    <p:sldId id="260" r:id="rId9"/>
-    <p:sldId id="261" r:id="rId10"/>
-    <p:sldId id="262" r:id="rId11"/>
-    <p:sldId id="263" r:id="rId12"/>
-    <p:sldId id="264" r:id="rId13"/>
-    <p:sldId id="265" r:id="rId14"/>
-    <p:sldId id="266" r:id="rId15"/>
-    <p:sldId id="267" r:id="rId16"/>
-    <p:sldId id="268" r:id="rId17"/>
-    <p:sldId id="269" r:id="rId18"/>
-    <p:sldId id="270" r:id="rId19"/>
-    <p:sldId id="271" r:id="rId20"/>
-    <p:sldId id="272" r:id="rId21"/>
-    <p:sldId id="273" r:id="rId22"/>
-    <p:sldId id="274" r:id="rId23"/>
-    <p:sldId id="275" r:id="rId24"/>
+    <p:sldId id="264" r:id="rId9"/>
+    <p:sldId id="265" r:id="rId10"/>
+    <p:sldId id="266" r:id="rId11"/>
+    <p:sldId id="267" r:id="rId12"/>
+    <p:sldId id="268" r:id="rId13"/>
+    <p:sldId id="269" r:id="rId14"/>
+    <p:sldId id="270" r:id="rId15"/>
+    <p:sldId id="271" r:id="rId16"/>
+    <p:sldId id="272" r:id="rId17"/>
+    <p:sldId id="273" r:id="rId18"/>
+    <p:sldId id="274" r:id="rId19"/>
+    <p:sldId id="275" r:id="rId20"/>
   </p:sldIdLst>
   <p:sldSz cx="9144000" cy="5143500"/>
   <p:notesSz cx="6858000" cy="9144000"/>
   <p:embeddedFontLst>
     <p:embeddedFont>
       <p:font typeface="Old Standard TT" panose="00000500000000000000"/>
-      <p:regular r:id="rId28"/>
+      <p:regular r:id="rId24"/>
     </p:embeddedFont>
     <p:embeddedFont>
       <p:font typeface="Cambria" panose="02040503050406030204" charset="0"/>
-      <p:regular r:id="rId29"/>
-      <p:bold r:id="rId30"/>
-      <p:italic r:id="rId31"/>
-      <p:boldItalic r:id="rId32"/>
+      <p:regular r:id="rId25"/>
+      <p:bold r:id="rId26"/>
+      <p:italic r:id="rId27"/>
+      <p:boldItalic r:id="rId28"/>
     </p:embeddedFont>
   </p:embeddedFontLst>
   <p:defaultTextStyle>
@@ -816,402 +812,6 @@
   <p:cSld>
     <p:spTree>
       <p:nvGrpSpPr>
-        <p:cNvPr id="109" name="Shape 109"/>
-        <p:cNvGrpSpPr/>
-        <p:nvPr/>
-      </p:nvGrpSpPr>
-      <p:grpSpPr>
-        <a:xfrm>
-          <a:off x="0" y="0"/>
-          <a:ext cx="0" cy="0"/>
-          <a:chOff x="0" y="0"/>
-          <a:chExt cx="0" cy="0"/>
-        </a:xfrm>
-      </p:grpSpPr>
-      <p:sp>
-        <p:nvSpPr>
-          <p:cNvPr id="110" name="Google Shape;110;g9ed7346816_0_125:notes"/>
-          <p:cNvSpPr/>
-          <p:nvPr>
-            <p:ph type="sldImg" idx="2"/>
-          </p:nvPr>
-        </p:nvSpPr>
-        <p:spPr>
-          <a:xfrm>
-            <a:off x="381300" y="685800"/>
-            <a:ext cx="6096000" cy="3429000"/>
-          </a:xfrm>
-          <a:custGeom>
-            <a:avLst/>
-            <a:gdLst/>
-            <a:ahLst/>
-            <a:cxnLst/>
-            <a:rect l="l" t="t" r="r" b="b"/>
-            <a:pathLst>
-              <a:path w="120000" h="120000" extrusionOk="0">
-                <a:moveTo>
-                  <a:pt x="0" y="0"/>
-                </a:moveTo>
-                <a:lnTo>
-                  <a:pt x="120000" y="0"/>
-                </a:lnTo>
-                <a:lnTo>
-                  <a:pt x="120000" y="120000"/>
-                </a:lnTo>
-                <a:lnTo>
-                  <a:pt x="0" y="120000"/>
-                </a:lnTo>
-                <a:close/>
-              </a:path>
-            </a:pathLst>
-          </a:custGeom>
-        </p:spPr>
-      </p:sp>
-      <p:sp>
-        <p:nvSpPr>
-          <p:cNvPr id="111" name="Google Shape;111;g9ed7346816_0_125:notes"/>
-          <p:cNvSpPr txBox="1"/>
-          <p:nvPr>
-            <p:ph type="body" idx="1"/>
-          </p:nvPr>
-        </p:nvSpPr>
-        <p:spPr>
-          <a:xfrm>
-            <a:off x="685800" y="4343400"/>
-            <a:ext cx="5486400" cy="4114800"/>
-          </a:xfrm>
-          <a:prstGeom prst="rect">
-            <a:avLst/>
-          </a:prstGeom>
-        </p:spPr>
-        <p:txBody>
-          <a:bodyPr spcFirstLastPara="1" wrap="square" lIns="91425" tIns="91425" rIns="91425" bIns="91425" anchor="t" anchorCtr="0">
-            <a:noAutofit/>
-          </a:bodyPr>
-          <a:lstStyle/>
-          <a:p>
-            <a:pPr marL="0" lvl="0" indent="0" algn="l" rtl="0">
-              <a:spcBef>
-                <a:spcPts val="0"/>
-              </a:spcBef>
-              <a:spcAft>
-                <a:spcPts val="0"/>
-              </a:spcAft>
-              <a:buNone/>
-            </a:pPr>
-          </a:p>
-        </p:txBody>
-      </p:sp>
-    </p:spTree>
-  </p:cSld>
-  <p:clrMapOvr>
-    <a:masterClrMapping/>
-  </p:clrMapOvr>
-</p:notes>
-</file>
-
-<file path=ppt/notesSlides/notesSlide11.xml><?xml version="1.0" encoding="utf-8"?>
-<p:notes xmlns:a="http://schemas.openxmlformats.org/drawingml/2006/main" xmlns:r="http://schemas.openxmlformats.org/officeDocument/2006/relationships" xmlns:p="http://schemas.openxmlformats.org/presentationml/2006/main" showMasterPhAnim="0" showMasterSp="0">
-  <p:cSld>
-    <p:spTree>
-      <p:nvGrpSpPr>
-        <p:cNvPr id="115" name="Shape 115"/>
-        <p:cNvGrpSpPr/>
-        <p:nvPr/>
-      </p:nvGrpSpPr>
-      <p:grpSpPr>
-        <a:xfrm>
-          <a:off x="0" y="0"/>
-          <a:ext cx="0" cy="0"/>
-          <a:chOff x="0" y="0"/>
-          <a:chExt cx="0" cy="0"/>
-        </a:xfrm>
-      </p:grpSpPr>
-      <p:sp>
-        <p:nvSpPr>
-          <p:cNvPr id="116" name="Google Shape;116;g9ed7346816_0_130:notes"/>
-          <p:cNvSpPr/>
-          <p:nvPr>
-            <p:ph type="sldImg" idx="2"/>
-          </p:nvPr>
-        </p:nvSpPr>
-        <p:spPr>
-          <a:xfrm>
-            <a:off x="381300" y="685800"/>
-            <a:ext cx="6096000" cy="3429000"/>
-          </a:xfrm>
-          <a:custGeom>
-            <a:avLst/>
-            <a:gdLst/>
-            <a:ahLst/>
-            <a:cxnLst/>
-            <a:rect l="l" t="t" r="r" b="b"/>
-            <a:pathLst>
-              <a:path w="120000" h="120000" extrusionOk="0">
-                <a:moveTo>
-                  <a:pt x="0" y="0"/>
-                </a:moveTo>
-                <a:lnTo>
-                  <a:pt x="120000" y="0"/>
-                </a:lnTo>
-                <a:lnTo>
-                  <a:pt x="120000" y="120000"/>
-                </a:lnTo>
-                <a:lnTo>
-                  <a:pt x="0" y="120000"/>
-                </a:lnTo>
-                <a:close/>
-              </a:path>
-            </a:pathLst>
-          </a:custGeom>
-        </p:spPr>
-      </p:sp>
-      <p:sp>
-        <p:nvSpPr>
-          <p:cNvPr id="117" name="Google Shape;117;g9ed7346816_0_130:notes"/>
-          <p:cNvSpPr txBox="1"/>
-          <p:nvPr>
-            <p:ph type="body" idx="1"/>
-          </p:nvPr>
-        </p:nvSpPr>
-        <p:spPr>
-          <a:xfrm>
-            <a:off x="685800" y="4343400"/>
-            <a:ext cx="5486400" cy="4114800"/>
-          </a:xfrm>
-          <a:prstGeom prst="rect">
-            <a:avLst/>
-          </a:prstGeom>
-        </p:spPr>
-        <p:txBody>
-          <a:bodyPr spcFirstLastPara="1" wrap="square" lIns="91425" tIns="91425" rIns="91425" bIns="91425" anchor="t" anchorCtr="0">
-            <a:noAutofit/>
-          </a:bodyPr>
-          <a:lstStyle/>
-          <a:p>
-            <a:pPr marL="0" lvl="0" indent="0" algn="l" rtl="0">
-              <a:spcBef>
-                <a:spcPts val="0"/>
-              </a:spcBef>
-              <a:spcAft>
-                <a:spcPts val="0"/>
-              </a:spcAft>
-              <a:buNone/>
-            </a:pPr>
-          </a:p>
-        </p:txBody>
-      </p:sp>
-    </p:spTree>
-  </p:cSld>
-  <p:clrMapOvr>
-    <a:masterClrMapping/>
-  </p:clrMapOvr>
-</p:notes>
-</file>
-
-<file path=ppt/notesSlides/notesSlide12.xml><?xml version="1.0" encoding="utf-8"?>
-<p:notes xmlns:a="http://schemas.openxmlformats.org/drawingml/2006/main" xmlns:r="http://schemas.openxmlformats.org/officeDocument/2006/relationships" xmlns:p="http://schemas.openxmlformats.org/presentationml/2006/main" showMasterPhAnim="0" showMasterSp="0">
-  <p:cSld>
-    <p:spTree>
-      <p:nvGrpSpPr>
-        <p:cNvPr id="121" name="Shape 121"/>
-        <p:cNvGrpSpPr/>
-        <p:nvPr/>
-      </p:nvGrpSpPr>
-      <p:grpSpPr>
-        <a:xfrm>
-          <a:off x="0" y="0"/>
-          <a:ext cx="0" cy="0"/>
-          <a:chOff x="0" y="0"/>
-          <a:chExt cx="0" cy="0"/>
-        </a:xfrm>
-      </p:grpSpPr>
-      <p:sp>
-        <p:nvSpPr>
-          <p:cNvPr id="122" name="Google Shape;122;g9ed7346816_0_135:notes"/>
-          <p:cNvSpPr/>
-          <p:nvPr>
-            <p:ph type="sldImg" idx="2"/>
-          </p:nvPr>
-        </p:nvSpPr>
-        <p:spPr>
-          <a:xfrm>
-            <a:off x="381300" y="685800"/>
-            <a:ext cx="6096000" cy="3429000"/>
-          </a:xfrm>
-          <a:custGeom>
-            <a:avLst/>
-            <a:gdLst/>
-            <a:ahLst/>
-            <a:cxnLst/>
-            <a:rect l="l" t="t" r="r" b="b"/>
-            <a:pathLst>
-              <a:path w="120000" h="120000" extrusionOk="0">
-                <a:moveTo>
-                  <a:pt x="0" y="0"/>
-                </a:moveTo>
-                <a:lnTo>
-                  <a:pt x="120000" y="0"/>
-                </a:lnTo>
-                <a:lnTo>
-                  <a:pt x="120000" y="120000"/>
-                </a:lnTo>
-                <a:lnTo>
-                  <a:pt x="0" y="120000"/>
-                </a:lnTo>
-                <a:close/>
-              </a:path>
-            </a:pathLst>
-          </a:custGeom>
-        </p:spPr>
-      </p:sp>
-      <p:sp>
-        <p:nvSpPr>
-          <p:cNvPr id="123" name="Google Shape;123;g9ed7346816_0_135:notes"/>
-          <p:cNvSpPr txBox="1"/>
-          <p:nvPr>
-            <p:ph type="body" idx="1"/>
-          </p:nvPr>
-        </p:nvSpPr>
-        <p:spPr>
-          <a:xfrm>
-            <a:off x="685800" y="4343400"/>
-            <a:ext cx="5486400" cy="4114800"/>
-          </a:xfrm>
-          <a:prstGeom prst="rect">
-            <a:avLst/>
-          </a:prstGeom>
-        </p:spPr>
-        <p:txBody>
-          <a:bodyPr spcFirstLastPara="1" wrap="square" lIns="91425" tIns="91425" rIns="91425" bIns="91425" anchor="t" anchorCtr="0">
-            <a:noAutofit/>
-          </a:bodyPr>
-          <a:lstStyle/>
-          <a:p>
-            <a:pPr marL="0" lvl="0" indent="0" algn="l" rtl="0">
-              <a:spcBef>
-                <a:spcPts val="0"/>
-              </a:spcBef>
-              <a:spcAft>
-                <a:spcPts val="0"/>
-              </a:spcAft>
-              <a:buNone/>
-            </a:pPr>
-          </a:p>
-        </p:txBody>
-      </p:sp>
-    </p:spTree>
-  </p:cSld>
-  <p:clrMapOvr>
-    <a:masterClrMapping/>
-  </p:clrMapOvr>
-</p:notes>
-</file>
-
-<file path=ppt/notesSlides/notesSlide13.xml><?xml version="1.0" encoding="utf-8"?>
-<p:notes xmlns:a="http://schemas.openxmlformats.org/drawingml/2006/main" xmlns:r="http://schemas.openxmlformats.org/officeDocument/2006/relationships" xmlns:p="http://schemas.openxmlformats.org/presentationml/2006/main" showMasterPhAnim="0" showMasterSp="0">
-  <p:cSld>
-    <p:spTree>
-      <p:nvGrpSpPr>
-        <p:cNvPr id="127" name="Shape 127"/>
-        <p:cNvGrpSpPr/>
-        <p:nvPr/>
-      </p:nvGrpSpPr>
-      <p:grpSpPr>
-        <a:xfrm>
-          <a:off x="0" y="0"/>
-          <a:ext cx="0" cy="0"/>
-          <a:chOff x="0" y="0"/>
-          <a:chExt cx="0" cy="0"/>
-        </a:xfrm>
-      </p:grpSpPr>
-      <p:sp>
-        <p:nvSpPr>
-          <p:cNvPr id="128" name="Google Shape;128;g9ed7346816_0_140:notes"/>
-          <p:cNvSpPr/>
-          <p:nvPr>
-            <p:ph type="sldImg" idx="2"/>
-          </p:nvPr>
-        </p:nvSpPr>
-        <p:spPr>
-          <a:xfrm>
-            <a:off x="381300" y="685800"/>
-            <a:ext cx="6096000" cy="3429000"/>
-          </a:xfrm>
-          <a:custGeom>
-            <a:avLst/>
-            <a:gdLst/>
-            <a:ahLst/>
-            <a:cxnLst/>
-            <a:rect l="l" t="t" r="r" b="b"/>
-            <a:pathLst>
-              <a:path w="120000" h="120000" extrusionOk="0">
-                <a:moveTo>
-                  <a:pt x="0" y="0"/>
-                </a:moveTo>
-                <a:lnTo>
-                  <a:pt x="120000" y="0"/>
-                </a:lnTo>
-                <a:lnTo>
-                  <a:pt x="120000" y="120000"/>
-                </a:lnTo>
-                <a:lnTo>
-                  <a:pt x="0" y="120000"/>
-                </a:lnTo>
-                <a:close/>
-              </a:path>
-            </a:pathLst>
-          </a:custGeom>
-        </p:spPr>
-      </p:sp>
-      <p:sp>
-        <p:nvSpPr>
-          <p:cNvPr id="129" name="Google Shape;129;g9ed7346816_0_140:notes"/>
-          <p:cNvSpPr txBox="1"/>
-          <p:nvPr>
-            <p:ph type="body" idx="1"/>
-          </p:nvPr>
-        </p:nvSpPr>
-        <p:spPr>
-          <a:xfrm>
-            <a:off x="685800" y="4343400"/>
-            <a:ext cx="5486400" cy="4114800"/>
-          </a:xfrm>
-          <a:prstGeom prst="rect">
-            <a:avLst/>
-          </a:prstGeom>
-        </p:spPr>
-        <p:txBody>
-          <a:bodyPr spcFirstLastPara="1" wrap="square" lIns="91425" tIns="91425" rIns="91425" bIns="91425" anchor="t" anchorCtr="0">
-            <a:noAutofit/>
-          </a:bodyPr>
-          <a:lstStyle/>
-          <a:p>
-            <a:pPr marL="0" lvl="0" indent="0" algn="l" rtl="0">
-              <a:spcBef>
-                <a:spcPts val="0"/>
-              </a:spcBef>
-              <a:spcAft>
-                <a:spcPts val="0"/>
-              </a:spcAft>
-              <a:buNone/>
-            </a:pPr>
-          </a:p>
-        </p:txBody>
-      </p:sp>
-    </p:spTree>
-  </p:cSld>
-  <p:clrMapOvr>
-    <a:masterClrMapping/>
-  </p:clrMapOvr>
-</p:notes>
-</file>
-
-<file path=ppt/notesSlides/notesSlide14.xml><?xml version="1.0" encoding="utf-8"?>
-<p:notes xmlns:a="http://schemas.openxmlformats.org/drawingml/2006/main" xmlns:r="http://schemas.openxmlformats.org/officeDocument/2006/relationships" xmlns:p="http://schemas.openxmlformats.org/presentationml/2006/main" showMasterPhAnim="0" showMasterSp="0">
-  <p:cSld>
-    <p:spTree>
-      <p:nvGrpSpPr>
         <p:cNvPr id="133" name="Shape 133"/>
         <p:cNvGrpSpPr/>
         <p:nvPr/>
@@ -1306,7 +906,7 @@
 </p:notes>
 </file>
 
-<file path=ppt/notesSlides/notesSlide15.xml><?xml version="1.0" encoding="utf-8"?>
+<file path=ppt/notesSlides/notesSlide11.xml><?xml version="1.0" encoding="utf-8"?>
 <p:notes xmlns:a="http://schemas.openxmlformats.org/drawingml/2006/main" xmlns:r="http://schemas.openxmlformats.org/officeDocument/2006/relationships" xmlns:p="http://schemas.openxmlformats.org/presentationml/2006/main" showMasterPhAnim="0" showMasterSp="0">
   <p:cSld>
     <p:spTree>
@@ -1405,7 +1005,7 @@
 </p:notes>
 </file>
 
-<file path=ppt/notesSlides/notesSlide16.xml><?xml version="1.0" encoding="utf-8"?>
+<file path=ppt/notesSlides/notesSlide12.xml><?xml version="1.0" encoding="utf-8"?>
 <p:notes xmlns:a="http://schemas.openxmlformats.org/drawingml/2006/main" xmlns:r="http://schemas.openxmlformats.org/officeDocument/2006/relationships" xmlns:p="http://schemas.openxmlformats.org/presentationml/2006/main" showMasterPhAnim="0" showMasterSp="0">
   <p:cSld>
     <p:spTree>
@@ -1504,7 +1104,7 @@
 </p:notes>
 </file>
 
-<file path=ppt/notesSlides/notesSlide17.xml><?xml version="1.0" encoding="utf-8"?>
+<file path=ppt/notesSlides/notesSlide13.xml><?xml version="1.0" encoding="utf-8"?>
 <p:notes xmlns:a="http://schemas.openxmlformats.org/drawingml/2006/main" xmlns:r="http://schemas.openxmlformats.org/officeDocument/2006/relationships" xmlns:p="http://schemas.openxmlformats.org/presentationml/2006/main" showMasterPhAnim="0" showMasterSp="0">
   <p:cSld>
     <p:spTree>
@@ -1603,7 +1203,7 @@
 </p:notes>
 </file>
 
-<file path=ppt/notesSlides/notesSlide18.xml><?xml version="1.0" encoding="utf-8"?>
+<file path=ppt/notesSlides/notesSlide14.xml><?xml version="1.0" encoding="utf-8"?>
 <p:notes xmlns:a="http://schemas.openxmlformats.org/drawingml/2006/main" xmlns:r="http://schemas.openxmlformats.org/officeDocument/2006/relationships" xmlns:p="http://schemas.openxmlformats.org/presentationml/2006/main" showMasterPhAnim="0" showMasterSp="0">
   <p:cSld>
     <p:spTree>
@@ -1702,7 +1302,7 @@
 </p:notes>
 </file>
 
-<file path=ppt/notesSlides/notesSlide19.xml><?xml version="1.0" encoding="utf-8"?>
+<file path=ppt/notesSlides/notesSlide15.xml><?xml version="1.0" encoding="utf-8"?>
 <p:notes xmlns:a="http://schemas.openxmlformats.org/drawingml/2006/main" xmlns:r="http://schemas.openxmlformats.org/officeDocument/2006/relationships" xmlns:p="http://schemas.openxmlformats.org/presentationml/2006/main" showMasterPhAnim="0" showMasterSp="0">
   <p:cSld>
     <p:spTree>
@@ -1761,6 +1361,105 @@
       <p:sp>
         <p:nvSpPr>
           <p:cNvPr id="165" name="Google Shape;165;g9ed7346816_0_170:notes"/>
+          <p:cNvSpPr txBox="1"/>
+          <p:nvPr>
+            <p:ph type="body" idx="1"/>
+          </p:nvPr>
+        </p:nvSpPr>
+        <p:spPr>
+          <a:xfrm>
+            <a:off x="685800" y="4343400"/>
+            <a:ext cx="5486400" cy="4114800"/>
+          </a:xfrm>
+          <a:prstGeom prst="rect">
+            <a:avLst/>
+          </a:prstGeom>
+        </p:spPr>
+        <p:txBody>
+          <a:bodyPr spcFirstLastPara="1" wrap="square" lIns="91425" tIns="91425" rIns="91425" bIns="91425" anchor="t" anchorCtr="0">
+            <a:noAutofit/>
+          </a:bodyPr>
+          <a:lstStyle/>
+          <a:p>
+            <a:pPr marL="0" lvl="0" indent="0" algn="l" rtl="0">
+              <a:spcBef>
+                <a:spcPts val="0"/>
+              </a:spcBef>
+              <a:spcAft>
+                <a:spcPts val="0"/>
+              </a:spcAft>
+              <a:buNone/>
+            </a:pPr>
+          </a:p>
+        </p:txBody>
+      </p:sp>
+    </p:spTree>
+  </p:cSld>
+  <p:clrMapOvr>
+    <a:masterClrMapping/>
+  </p:clrMapOvr>
+</p:notes>
+</file>
+
+<file path=ppt/notesSlides/notesSlide16.xml><?xml version="1.0" encoding="utf-8"?>
+<p:notes xmlns:a="http://schemas.openxmlformats.org/drawingml/2006/main" xmlns:r="http://schemas.openxmlformats.org/officeDocument/2006/relationships" xmlns:p="http://schemas.openxmlformats.org/presentationml/2006/main" showMasterPhAnim="0" showMasterSp="0">
+  <p:cSld>
+    <p:spTree>
+      <p:nvGrpSpPr>
+        <p:cNvPr id="169" name="Shape 169"/>
+        <p:cNvGrpSpPr/>
+        <p:nvPr/>
+      </p:nvGrpSpPr>
+      <p:grpSpPr>
+        <a:xfrm>
+          <a:off x="0" y="0"/>
+          <a:ext cx="0" cy="0"/>
+          <a:chOff x="0" y="0"/>
+          <a:chExt cx="0" cy="0"/>
+        </a:xfrm>
+      </p:grpSpPr>
+      <p:sp>
+        <p:nvSpPr>
+          <p:cNvPr id="170" name="Google Shape;170;g9ed7346816_0_175:notes"/>
+          <p:cNvSpPr/>
+          <p:nvPr>
+            <p:ph type="sldImg" idx="2"/>
+          </p:nvPr>
+        </p:nvSpPr>
+        <p:spPr>
+          <a:xfrm>
+            <a:off x="381300" y="685800"/>
+            <a:ext cx="6096000" cy="3429000"/>
+          </a:xfrm>
+          <a:custGeom>
+            <a:avLst/>
+            <a:gdLst/>
+            <a:ahLst/>
+            <a:cxnLst/>
+            <a:rect l="l" t="t" r="r" b="b"/>
+            <a:pathLst>
+              <a:path w="120000" h="120000" extrusionOk="0">
+                <a:moveTo>
+                  <a:pt x="0" y="0"/>
+                </a:moveTo>
+                <a:lnTo>
+                  <a:pt x="120000" y="0"/>
+                </a:lnTo>
+                <a:lnTo>
+                  <a:pt x="120000" y="120000"/>
+                </a:lnTo>
+                <a:lnTo>
+                  <a:pt x="0" y="120000"/>
+                </a:lnTo>
+                <a:close/>
+              </a:path>
+            </a:pathLst>
+          </a:custGeom>
+        </p:spPr>
+      </p:sp>
+      <p:sp>
+        <p:nvSpPr>
+          <p:cNvPr id="171" name="Google Shape;171;g9ed7346816_0_175:notes"/>
           <p:cNvSpPr txBox="1"/>
           <p:nvPr>
             <p:ph type="body" idx="1"/>
@@ -1900,105 +1599,6 @@
 </p:notes>
 </file>
 
-<file path=ppt/notesSlides/notesSlide20.xml><?xml version="1.0" encoding="utf-8"?>
-<p:notes xmlns:a="http://schemas.openxmlformats.org/drawingml/2006/main" xmlns:r="http://schemas.openxmlformats.org/officeDocument/2006/relationships" xmlns:p="http://schemas.openxmlformats.org/presentationml/2006/main" showMasterPhAnim="0" showMasterSp="0">
-  <p:cSld>
-    <p:spTree>
-      <p:nvGrpSpPr>
-        <p:cNvPr id="169" name="Shape 169"/>
-        <p:cNvGrpSpPr/>
-        <p:nvPr/>
-      </p:nvGrpSpPr>
-      <p:grpSpPr>
-        <a:xfrm>
-          <a:off x="0" y="0"/>
-          <a:ext cx="0" cy="0"/>
-          <a:chOff x="0" y="0"/>
-          <a:chExt cx="0" cy="0"/>
-        </a:xfrm>
-      </p:grpSpPr>
-      <p:sp>
-        <p:nvSpPr>
-          <p:cNvPr id="170" name="Google Shape;170;g9ed7346816_0_175:notes"/>
-          <p:cNvSpPr/>
-          <p:nvPr>
-            <p:ph type="sldImg" idx="2"/>
-          </p:nvPr>
-        </p:nvSpPr>
-        <p:spPr>
-          <a:xfrm>
-            <a:off x="381300" y="685800"/>
-            <a:ext cx="6096000" cy="3429000"/>
-          </a:xfrm>
-          <a:custGeom>
-            <a:avLst/>
-            <a:gdLst/>
-            <a:ahLst/>
-            <a:cxnLst/>
-            <a:rect l="l" t="t" r="r" b="b"/>
-            <a:pathLst>
-              <a:path w="120000" h="120000" extrusionOk="0">
-                <a:moveTo>
-                  <a:pt x="0" y="0"/>
-                </a:moveTo>
-                <a:lnTo>
-                  <a:pt x="120000" y="0"/>
-                </a:lnTo>
-                <a:lnTo>
-                  <a:pt x="120000" y="120000"/>
-                </a:lnTo>
-                <a:lnTo>
-                  <a:pt x="0" y="120000"/>
-                </a:lnTo>
-                <a:close/>
-              </a:path>
-            </a:pathLst>
-          </a:custGeom>
-        </p:spPr>
-      </p:sp>
-      <p:sp>
-        <p:nvSpPr>
-          <p:cNvPr id="171" name="Google Shape;171;g9ed7346816_0_175:notes"/>
-          <p:cNvSpPr txBox="1"/>
-          <p:nvPr>
-            <p:ph type="body" idx="1"/>
-          </p:nvPr>
-        </p:nvSpPr>
-        <p:spPr>
-          <a:xfrm>
-            <a:off x="685800" y="4343400"/>
-            <a:ext cx="5486400" cy="4114800"/>
-          </a:xfrm>
-          <a:prstGeom prst="rect">
-            <a:avLst/>
-          </a:prstGeom>
-        </p:spPr>
-        <p:txBody>
-          <a:bodyPr spcFirstLastPara="1" wrap="square" lIns="91425" tIns="91425" rIns="91425" bIns="91425" anchor="t" anchorCtr="0">
-            <a:noAutofit/>
-          </a:bodyPr>
-          <a:lstStyle/>
-          <a:p>
-            <a:pPr marL="0" lvl="0" indent="0" algn="l" rtl="0">
-              <a:spcBef>
-                <a:spcPts val="0"/>
-              </a:spcBef>
-              <a:spcAft>
-                <a:spcPts val="0"/>
-              </a:spcAft>
-              <a:buNone/>
-            </a:pPr>
-          </a:p>
-        </p:txBody>
-      </p:sp>
-    </p:spTree>
-  </p:cSld>
-  <p:clrMapOvr>
-    <a:masterClrMapping/>
-  </p:clrMapOvr>
-</p:notes>
-</file>
-
 <file path=ppt/notesSlides/notesSlide3.xml><?xml version="1.0" encoding="utf-8"?>
 <p:notes xmlns:a="http://schemas.openxmlformats.org/drawingml/2006/main" xmlns:r="http://schemas.openxmlformats.org/officeDocument/2006/relationships" xmlns:p="http://schemas.openxmlformats.org/presentationml/2006/main" showMasterPhAnim="0" showMasterSp="0">
   <p:cSld>
@@ -2202,402 +1802,6 @@
   <p:cSld>
     <p:spTree>
       <p:nvGrpSpPr>
-        <p:cNvPr id="79" name="Shape 79"/>
-        <p:cNvGrpSpPr/>
-        <p:nvPr/>
-      </p:nvGrpSpPr>
-      <p:grpSpPr>
-        <a:xfrm>
-          <a:off x="0" y="0"/>
-          <a:ext cx="0" cy="0"/>
-          <a:chOff x="0" y="0"/>
-          <a:chExt cx="0" cy="0"/>
-        </a:xfrm>
-      </p:grpSpPr>
-      <p:sp>
-        <p:nvSpPr>
-          <p:cNvPr id="80" name="Google Shape;80;g9ed7346816_0_195:notes"/>
-          <p:cNvSpPr/>
-          <p:nvPr>
-            <p:ph type="sldImg" idx="2"/>
-          </p:nvPr>
-        </p:nvSpPr>
-        <p:spPr>
-          <a:xfrm>
-            <a:off x="381300" y="685800"/>
-            <a:ext cx="6096000" cy="3429000"/>
-          </a:xfrm>
-          <a:custGeom>
-            <a:avLst/>
-            <a:gdLst/>
-            <a:ahLst/>
-            <a:cxnLst/>
-            <a:rect l="l" t="t" r="r" b="b"/>
-            <a:pathLst>
-              <a:path w="120000" h="120000" extrusionOk="0">
-                <a:moveTo>
-                  <a:pt x="0" y="0"/>
-                </a:moveTo>
-                <a:lnTo>
-                  <a:pt x="120000" y="0"/>
-                </a:lnTo>
-                <a:lnTo>
-                  <a:pt x="120000" y="120000"/>
-                </a:lnTo>
-                <a:lnTo>
-                  <a:pt x="0" y="120000"/>
-                </a:lnTo>
-                <a:close/>
-              </a:path>
-            </a:pathLst>
-          </a:custGeom>
-        </p:spPr>
-      </p:sp>
-      <p:sp>
-        <p:nvSpPr>
-          <p:cNvPr id="81" name="Google Shape;81;g9ed7346816_0_195:notes"/>
-          <p:cNvSpPr txBox="1"/>
-          <p:nvPr>
-            <p:ph type="body" idx="1"/>
-          </p:nvPr>
-        </p:nvSpPr>
-        <p:spPr>
-          <a:xfrm>
-            <a:off x="685800" y="4343400"/>
-            <a:ext cx="5486400" cy="4114800"/>
-          </a:xfrm>
-          <a:prstGeom prst="rect">
-            <a:avLst/>
-          </a:prstGeom>
-        </p:spPr>
-        <p:txBody>
-          <a:bodyPr spcFirstLastPara="1" wrap="square" lIns="91425" tIns="91425" rIns="91425" bIns="91425" anchor="t" anchorCtr="0">
-            <a:noAutofit/>
-          </a:bodyPr>
-          <a:lstStyle/>
-          <a:p>
-            <a:pPr marL="0" lvl="0" indent="0" algn="l" rtl="0">
-              <a:spcBef>
-                <a:spcPts val="0"/>
-              </a:spcBef>
-              <a:spcAft>
-                <a:spcPts val="0"/>
-              </a:spcAft>
-              <a:buNone/>
-            </a:pPr>
-          </a:p>
-        </p:txBody>
-      </p:sp>
-    </p:spTree>
-  </p:cSld>
-  <p:clrMapOvr>
-    <a:masterClrMapping/>
-  </p:clrMapOvr>
-</p:notes>
-</file>
-
-<file path=ppt/notesSlides/notesSlide6.xml><?xml version="1.0" encoding="utf-8"?>
-<p:notes xmlns:a="http://schemas.openxmlformats.org/drawingml/2006/main" xmlns:r="http://schemas.openxmlformats.org/officeDocument/2006/relationships" xmlns:p="http://schemas.openxmlformats.org/presentationml/2006/main" showMasterPhAnim="0" showMasterSp="0">
-  <p:cSld>
-    <p:spTree>
-      <p:nvGrpSpPr>
-        <p:cNvPr id="85" name="Shape 85"/>
-        <p:cNvGrpSpPr/>
-        <p:nvPr/>
-      </p:nvGrpSpPr>
-      <p:grpSpPr>
-        <a:xfrm>
-          <a:off x="0" y="0"/>
-          <a:ext cx="0" cy="0"/>
-          <a:chOff x="0" y="0"/>
-          <a:chExt cx="0" cy="0"/>
-        </a:xfrm>
-      </p:grpSpPr>
-      <p:sp>
-        <p:nvSpPr>
-          <p:cNvPr id="86" name="Google Shape;86;g9ed7346816_0_105:notes"/>
-          <p:cNvSpPr/>
-          <p:nvPr>
-            <p:ph type="sldImg" idx="2"/>
-          </p:nvPr>
-        </p:nvSpPr>
-        <p:spPr>
-          <a:xfrm>
-            <a:off x="381300" y="685800"/>
-            <a:ext cx="6096000" cy="3429000"/>
-          </a:xfrm>
-          <a:custGeom>
-            <a:avLst/>
-            <a:gdLst/>
-            <a:ahLst/>
-            <a:cxnLst/>
-            <a:rect l="l" t="t" r="r" b="b"/>
-            <a:pathLst>
-              <a:path w="120000" h="120000" extrusionOk="0">
-                <a:moveTo>
-                  <a:pt x="0" y="0"/>
-                </a:moveTo>
-                <a:lnTo>
-                  <a:pt x="120000" y="0"/>
-                </a:lnTo>
-                <a:lnTo>
-                  <a:pt x="120000" y="120000"/>
-                </a:lnTo>
-                <a:lnTo>
-                  <a:pt x="0" y="120000"/>
-                </a:lnTo>
-                <a:close/>
-              </a:path>
-            </a:pathLst>
-          </a:custGeom>
-        </p:spPr>
-      </p:sp>
-      <p:sp>
-        <p:nvSpPr>
-          <p:cNvPr id="87" name="Google Shape;87;g9ed7346816_0_105:notes"/>
-          <p:cNvSpPr txBox="1"/>
-          <p:nvPr>
-            <p:ph type="body" idx="1"/>
-          </p:nvPr>
-        </p:nvSpPr>
-        <p:spPr>
-          <a:xfrm>
-            <a:off x="685800" y="4343400"/>
-            <a:ext cx="5486400" cy="4114800"/>
-          </a:xfrm>
-          <a:prstGeom prst="rect">
-            <a:avLst/>
-          </a:prstGeom>
-        </p:spPr>
-        <p:txBody>
-          <a:bodyPr spcFirstLastPara="1" wrap="square" lIns="91425" tIns="91425" rIns="91425" bIns="91425" anchor="t" anchorCtr="0">
-            <a:noAutofit/>
-          </a:bodyPr>
-          <a:lstStyle/>
-          <a:p>
-            <a:pPr marL="0" lvl="0" indent="0" algn="l" rtl="0">
-              <a:spcBef>
-                <a:spcPts val="0"/>
-              </a:spcBef>
-              <a:spcAft>
-                <a:spcPts val="0"/>
-              </a:spcAft>
-              <a:buNone/>
-            </a:pPr>
-          </a:p>
-        </p:txBody>
-      </p:sp>
-    </p:spTree>
-  </p:cSld>
-  <p:clrMapOvr>
-    <a:masterClrMapping/>
-  </p:clrMapOvr>
-</p:notes>
-</file>
-
-<file path=ppt/notesSlides/notesSlide7.xml><?xml version="1.0" encoding="utf-8"?>
-<p:notes xmlns:a="http://schemas.openxmlformats.org/drawingml/2006/main" xmlns:r="http://schemas.openxmlformats.org/officeDocument/2006/relationships" xmlns:p="http://schemas.openxmlformats.org/presentationml/2006/main" showMasterPhAnim="0" showMasterSp="0">
-  <p:cSld>
-    <p:spTree>
-      <p:nvGrpSpPr>
-        <p:cNvPr id="91" name="Shape 91"/>
-        <p:cNvGrpSpPr/>
-        <p:nvPr/>
-      </p:nvGrpSpPr>
-      <p:grpSpPr>
-        <a:xfrm>
-          <a:off x="0" y="0"/>
-          <a:ext cx="0" cy="0"/>
-          <a:chOff x="0" y="0"/>
-          <a:chExt cx="0" cy="0"/>
-        </a:xfrm>
-      </p:grpSpPr>
-      <p:sp>
-        <p:nvSpPr>
-          <p:cNvPr id="92" name="Google Shape;92;g9ed7346816_0_110:notes"/>
-          <p:cNvSpPr/>
-          <p:nvPr>
-            <p:ph type="sldImg" idx="2"/>
-          </p:nvPr>
-        </p:nvSpPr>
-        <p:spPr>
-          <a:xfrm>
-            <a:off x="381300" y="685800"/>
-            <a:ext cx="6096000" cy="3429000"/>
-          </a:xfrm>
-          <a:custGeom>
-            <a:avLst/>
-            <a:gdLst/>
-            <a:ahLst/>
-            <a:cxnLst/>
-            <a:rect l="l" t="t" r="r" b="b"/>
-            <a:pathLst>
-              <a:path w="120000" h="120000" extrusionOk="0">
-                <a:moveTo>
-                  <a:pt x="0" y="0"/>
-                </a:moveTo>
-                <a:lnTo>
-                  <a:pt x="120000" y="0"/>
-                </a:lnTo>
-                <a:lnTo>
-                  <a:pt x="120000" y="120000"/>
-                </a:lnTo>
-                <a:lnTo>
-                  <a:pt x="0" y="120000"/>
-                </a:lnTo>
-                <a:close/>
-              </a:path>
-            </a:pathLst>
-          </a:custGeom>
-        </p:spPr>
-      </p:sp>
-      <p:sp>
-        <p:nvSpPr>
-          <p:cNvPr id="93" name="Google Shape;93;g9ed7346816_0_110:notes"/>
-          <p:cNvSpPr txBox="1"/>
-          <p:nvPr>
-            <p:ph type="body" idx="1"/>
-          </p:nvPr>
-        </p:nvSpPr>
-        <p:spPr>
-          <a:xfrm>
-            <a:off x="685800" y="4343400"/>
-            <a:ext cx="5486400" cy="4114800"/>
-          </a:xfrm>
-          <a:prstGeom prst="rect">
-            <a:avLst/>
-          </a:prstGeom>
-        </p:spPr>
-        <p:txBody>
-          <a:bodyPr spcFirstLastPara="1" wrap="square" lIns="91425" tIns="91425" rIns="91425" bIns="91425" anchor="t" anchorCtr="0">
-            <a:noAutofit/>
-          </a:bodyPr>
-          <a:lstStyle/>
-          <a:p>
-            <a:pPr marL="0" lvl="0" indent="0" algn="l" rtl="0">
-              <a:spcBef>
-                <a:spcPts val="0"/>
-              </a:spcBef>
-              <a:spcAft>
-                <a:spcPts val="0"/>
-              </a:spcAft>
-              <a:buNone/>
-            </a:pPr>
-          </a:p>
-        </p:txBody>
-      </p:sp>
-    </p:spTree>
-  </p:cSld>
-  <p:clrMapOvr>
-    <a:masterClrMapping/>
-  </p:clrMapOvr>
-</p:notes>
-</file>
-
-<file path=ppt/notesSlides/notesSlide8.xml><?xml version="1.0" encoding="utf-8"?>
-<p:notes xmlns:a="http://schemas.openxmlformats.org/drawingml/2006/main" xmlns:r="http://schemas.openxmlformats.org/officeDocument/2006/relationships" xmlns:p="http://schemas.openxmlformats.org/presentationml/2006/main" showMasterPhAnim="0" showMasterSp="0">
-  <p:cSld>
-    <p:spTree>
-      <p:nvGrpSpPr>
-        <p:cNvPr id="97" name="Shape 97"/>
-        <p:cNvGrpSpPr/>
-        <p:nvPr/>
-      </p:nvGrpSpPr>
-      <p:grpSpPr>
-        <a:xfrm>
-          <a:off x="0" y="0"/>
-          <a:ext cx="0" cy="0"/>
-          <a:chOff x="0" y="0"/>
-          <a:chExt cx="0" cy="0"/>
-        </a:xfrm>
-      </p:grpSpPr>
-      <p:sp>
-        <p:nvSpPr>
-          <p:cNvPr id="98" name="Google Shape;98;g9ed7346816_0_115:notes"/>
-          <p:cNvSpPr/>
-          <p:nvPr>
-            <p:ph type="sldImg" idx="2"/>
-          </p:nvPr>
-        </p:nvSpPr>
-        <p:spPr>
-          <a:xfrm>
-            <a:off x="381300" y="685800"/>
-            <a:ext cx="6096000" cy="3429000"/>
-          </a:xfrm>
-          <a:custGeom>
-            <a:avLst/>
-            <a:gdLst/>
-            <a:ahLst/>
-            <a:cxnLst/>
-            <a:rect l="l" t="t" r="r" b="b"/>
-            <a:pathLst>
-              <a:path w="120000" h="120000" extrusionOk="0">
-                <a:moveTo>
-                  <a:pt x="0" y="0"/>
-                </a:moveTo>
-                <a:lnTo>
-                  <a:pt x="120000" y="0"/>
-                </a:lnTo>
-                <a:lnTo>
-                  <a:pt x="120000" y="120000"/>
-                </a:lnTo>
-                <a:lnTo>
-                  <a:pt x="0" y="120000"/>
-                </a:lnTo>
-                <a:close/>
-              </a:path>
-            </a:pathLst>
-          </a:custGeom>
-        </p:spPr>
-      </p:sp>
-      <p:sp>
-        <p:nvSpPr>
-          <p:cNvPr id="99" name="Google Shape;99;g9ed7346816_0_115:notes"/>
-          <p:cNvSpPr txBox="1"/>
-          <p:nvPr>
-            <p:ph type="body" idx="1"/>
-          </p:nvPr>
-        </p:nvSpPr>
-        <p:spPr>
-          <a:xfrm>
-            <a:off x="685800" y="4343400"/>
-            <a:ext cx="5486400" cy="4114800"/>
-          </a:xfrm>
-          <a:prstGeom prst="rect">
-            <a:avLst/>
-          </a:prstGeom>
-        </p:spPr>
-        <p:txBody>
-          <a:bodyPr spcFirstLastPara="1" wrap="square" lIns="91425" tIns="91425" rIns="91425" bIns="91425" anchor="t" anchorCtr="0">
-            <a:noAutofit/>
-          </a:bodyPr>
-          <a:lstStyle/>
-          <a:p>
-            <a:pPr marL="0" lvl="0" indent="0" algn="l" rtl="0">
-              <a:spcBef>
-                <a:spcPts val="0"/>
-              </a:spcBef>
-              <a:spcAft>
-                <a:spcPts val="0"/>
-              </a:spcAft>
-              <a:buNone/>
-            </a:pPr>
-          </a:p>
-        </p:txBody>
-      </p:sp>
-    </p:spTree>
-  </p:cSld>
-  <p:clrMapOvr>
-    <a:masterClrMapping/>
-  </p:clrMapOvr>
-</p:notes>
-</file>
-
-<file path=ppt/notesSlides/notesSlide9.xml><?xml version="1.0" encoding="utf-8"?>
-<p:notes xmlns:a="http://schemas.openxmlformats.org/drawingml/2006/main" xmlns:r="http://schemas.openxmlformats.org/officeDocument/2006/relationships" xmlns:p="http://schemas.openxmlformats.org/presentationml/2006/main" showMasterPhAnim="0" showMasterSp="0">
-  <p:cSld>
-    <p:spTree>
-      <p:nvGrpSpPr>
         <p:cNvPr id="103" name="Shape 103"/>
         <p:cNvGrpSpPr/>
         <p:nvPr/>
@@ -2652,6 +1856,402 @@
       <p:sp>
         <p:nvSpPr>
           <p:cNvPr id="105" name="Google Shape;105;g9ed7346816_0_120:notes"/>
+          <p:cNvSpPr txBox="1"/>
+          <p:nvPr>
+            <p:ph type="body" idx="1"/>
+          </p:nvPr>
+        </p:nvSpPr>
+        <p:spPr>
+          <a:xfrm>
+            <a:off x="685800" y="4343400"/>
+            <a:ext cx="5486400" cy="4114800"/>
+          </a:xfrm>
+          <a:prstGeom prst="rect">
+            <a:avLst/>
+          </a:prstGeom>
+        </p:spPr>
+        <p:txBody>
+          <a:bodyPr spcFirstLastPara="1" wrap="square" lIns="91425" tIns="91425" rIns="91425" bIns="91425" anchor="t" anchorCtr="0">
+            <a:noAutofit/>
+          </a:bodyPr>
+          <a:lstStyle/>
+          <a:p>
+            <a:pPr marL="0" lvl="0" indent="0" algn="l" rtl="0">
+              <a:spcBef>
+                <a:spcPts val="0"/>
+              </a:spcBef>
+              <a:spcAft>
+                <a:spcPts val="0"/>
+              </a:spcAft>
+              <a:buNone/>
+            </a:pPr>
+          </a:p>
+        </p:txBody>
+      </p:sp>
+    </p:spTree>
+  </p:cSld>
+  <p:clrMapOvr>
+    <a:masterClrMapping/>
+  </p:clrMapOvr>
+</p:notes>
+</file>
+
+<file path=ppt/notesSlides/notesSlide6.xml><?xml version="1.0" encoding="utf-8"?>
+<p:notes xmlns:a="http://schemas.openxmlformats.org/drawingml/2006/main" xmlns:r="http://schemas.openxmlformats.org/officeDocument/2006/relationships" xmlns:p="http://schemas.openxmlformats.org/presentationml/2006/main" showMasterPhAnim="0" showMasterSp="0">
+  <p:cSld>
+    <p:spTree>
+      <p:nvGrpSpPr>
+        <p:cNvPr id="109" name="Shape 109"/>
+        <p:cNvGrpSpPr/>
+        <p:nvPr/>
+      </p:nvGrpSpPr>
+      <p:grpSpPr>
+        <a:xfrm>
+          <a:off x="0" y="0"/>
+          <a:ext cx="0" cy="0"/>
+          <a:chOff x="0" y="0"/>
+          <a:chExt cx="0" cy="0"/>
+        </a:xfrm>
+      </p:grpSpPr>
+      <p:sp>
+        <p:nvSpPr>
+          <p:cNvPr id="110" name="Google Shape;110;g9ed7346816_0_125:notes"/>
+          <p:cNvSpPr/>
+          <p:nvPr>
+            <p:ph type="sldImg" idx="2"/>
+          </p:nvPr>
+        </p:nvSpPr>
+        <p:spPr>
+          <a:xfrm>
+            <a:off x="381300" y="685800"/>
+            <a:ext cx="6096000" cy="3429000"/>
+          </a:xfrm>
+          <a:custGeom>
+            <a:avLst/>
+            <a:gdLst/>
+            <a:ahLst/>
+            <a:cxnLst/>
+            <a:rect l="l" t="t" r="r" b="b"/>
+            <a:pathLst>
+              <a:path w="120000" h="120000" extrusionOk="0">
+                <a:moveTo>
+                  <a:pt x="0" y="0"/>
+                </a:moveTo>
+                <a:lnTo>
+                  <a:pt x="120000" y="0"/>
+                </a:lnTo>
+                <a:lnTo>
+                  <a:pt x="120000" y="120000"/>
+                </a:lnTo>
+                <a:lnTo>
+                  <a:pt x="0" y="120000"/>
+                </a:lnTo>
+                <a:close/>
+              </a:path>
+            </a:pathLst>
+          </a:custGeom>
+        </p:spPr>
+      </p:sp>
+      <p:sp>
+        <p:nvSpPr>
+          <p:cNvPr id="111" name="Google Shape;111;g9ed7346816_0_125:notes"/>
+          <p:cNvSpPr txBox="1"/>
+          <p:nvPr>
+            <p:ph type="body" idx="1"/>
+          </p:nvPr>
+        </p:nvSpPr>
+        <p:spPr>
+          <a:xfrm>
+            <a:off x="685800" y="4343400"/>
+            <a:ext cx="5486400" cy="4114800"/>
+          </a:xfrm>
+          <a:prstGeom prst="rect">
+            <a:avLst/>
+          </a:prstGeom>
+        </p:spPr>
+        <p:txBody>
+          <a:bodyPr spcFirstLastPara="1" wrap="square" lIns="91425" tIns="91425" rIns="91425" bIns="91425" anchor="t" anchorCtr="0">
+            <a:noAutofit/>
+          </a:bodyPr>
+          <a:lstStyle/>
+          <a:p>
+            <a:pPr marL="0" lvl="0" indent="0" algn="l" rtl="0">
+              <a:spcBef>
+                <a:spcPts val="0"/>
+              </a:spcBef>
+              <a:spcAft>
+                <a:spcPts val="0"/>
+              </a:spcAft>
+              <a:buNone/>
+            </a:pPr>
+          </a:p>
+        </p:txBody>
+      </p:sp>
+    </p:spTree>
+  </p:cSld>
+  <p:clrMapOvr>
+    <a:masterClrMapping/>
+  </p:clrMapOvr>
+</p:notes>
+</file>
+
+<file path=ppt/notesSlides/notesSlide7.xml><?xml version="1.0" encoding="utf-8"?>
+<p:notes xmlns:a="http://schemas.openxmlformats.org/drawingml/2006/main" xmlns:r="http://schemas.openxmlformats.org/officeDocument/2006/relationships" xmlns:p="http://schemas.openxmlformats.org/presentationml/2006/main" showMasterPhAnim="0" showMasterSp="0">
+  <p:cSld>
+    <p:spTree>
+      <p:nvGrpSpPr>
+        <p:cNvPr id="115" name="Shape 115"/>
+        <p:cNvGrpSpPr/>
+        <p:nvPr/>
+      </p:nvGrpSpPr>
+      <p:grpSpPr>
+        <a:xfrm>
+          <a:off x="0" y="0"/>
+          <a:ext cx="0" cy="0"/>
+          <a:chOff x="0" y="0"/>
+          <a:chExt cx="0" cy="0"/>
+        </a:xfrm>
+      </p:grpSpPr>
+      <p:sp>
+        <p:nvSpPr>
+          <p:cNvPr id="116" name="Google Shape;116;g9ed7346816_0_130:notes"/>
+          <p:cNvSpPr/>
+          <p:nvPr>
+            <p:ph type="sldImg" idx="2"/>
+          </p:nvPr>
+        </p:nvSpPr>
+        <p:spPr>
+          <a:xfrm>
+            <a:off x="381300" y="685800"/>
+            <a:ext cx="6096000" cy="3429000"/>
+          </a:xfrm>
+          <a:custGeom>
+            <a:avLst/>
+            <a:gdLst/>
+            <a:ahLst/>
+            <a:cxnLst/>
+            <a:rect l="l" t="t" r="r" b="b"/>
+            <a:pathLst>
+              <a:path w="120000" h="120000" extrusionOk="0">
+                <a:moveTo>
+                  <a:pt x="0" y="0"/>
+                </a:moveTo>
+                <a:lnTo>
+                  <a:pt x="120000" y="0"/>
+                </a:lnTo>
+                <a:lnTo>
+                  <a:pt x="120000" y="120000"/>
+                </a:lnTo>
+                <a:lnTo>
+                  <a:pt x="0" y="120000"/>
+                </a:lnTo>
+                <a:close/>
+              </a:path>
+            </a:pathLst>
+          </a:custGeom>
+        </p:spPr>
+      </p:sp>
+      <p:sp>
+        <p:nvSpPr>
+          <p:cNvPr id="117" name="Google Shape;117;g9ed7346816_0_130:notes"/>
+          <p:cNvSpPr txBox="1"/>
+          <p:nvPr>
+            <p:ph type="body" idx="1"/>
+          </p:nvPr>
+        </p:nvSpPr>
+        <p:spPr>
+          <a:xfrm>
+            <a:off x="685800" y="4343400"/>
+            <a:ext cx="5486400" cy="4114800"/>
+          </a:xfrm>
+          <a:prstGeom prst="rect">
+            <a:avLst/>
+          </a:prstGeom>
+        </p:spPr>
+        <p:txBody>
+          <a:bodyPr spcFirstLastPara="1" wrap="square" lIns="91425" tIns="91425" rIns="91425" bIns="91425" anchor="t" anchorCtr="0">
+            <a:noAutofit/>
+          </a:bodyPr>
+          <a:lstStyle/>
+          <a:p>
+            <a:pPr marL="0" lvl="0" indent="0" algn="l" rtl="0">
+              <a:spcBef>
+                <a:spcPts val="0"/>
+              </a:spcBef>
+              <a:spcAft>
+                <a:spcPts val="0"/>
+              </a:spcAft>
+              <a:buNone/>
+            </a:pPr>
+          </a:p>
+        </p:txBody>
+      </p:sp>
+    </p:spTree>
+  </p:cSld>
+  <p:clrMapOvr>
+    <a:masterClrMapping/>
+  </p:clrMapOvr>
+</p:notes>
+</file>
+
+<file path=ppt/notesSlides/notesSlide8.xml><?xml version="1.0" encoding="utf-8"?>
+<p:notes xmlns:a="http://schemas.openxmlformats.org/drawingml/2006/main" xmlns:r="http://schemas.openxmlformats.org/officeDocument/2006/relationships" xmlns:p="http://schemas.openxmlformats.org/presentationml/2006/main" showMasterPhAnim="0" showMasterSp="0">
+  <p:cSld>
+    <p:spTree>
+      <p:nvGrpSpPr>
+        <p:cNvPr id="121" name="Shape 121"/>
+        <p:cNvGrpSpPr/>
+        <p:nvPr/>
+      </p:nvGrpSpPr>
+      <p:grpSpPr>
+        <a:xfrm>
+          <a:off x="0" y="0"/>
+          <a:ext cx="0" cy="0"/>
+          <a:chOff x="0" y="0"/>
+          <a:chExt cx="0" cy="0"/>
+        </a:xfrm>
+      </p:grpSpPr>
+      <p:sp>
+        <p:nvSpPr>
+          <p:cNvPr id="122" name="Google Shape;122;g9ed7346816_0_135:notes"/>
+          <p:cNvSpPr/>
+          <p:nvPr>
+            <p:ph type="sldImg" idx="2"/>
+          </p:nvPr>
+        </p:nvSpPr>
+        <p:spPr>
+          <a:xfrm>
+            <a:off x="381300" y="685800"/>
+            <a:ext cx="6096000" cy="3429000"/>
+          </a:xfrm>
+          <a:custGeom>
+            <a:avLst/>
+            <a:gdLst/>
+            <a:ahLst/>
+            <a:cxnLst/>
+            <a:rect l="l" t="t" r="r" b="b"/>
+            <a:pathLst>
+              <a:path w="120000" h="120000" extrusionOk="0">
+                <a:moveTo>
+                  <a:pt x="0" y="0"/>
+                </a:moveTo>
+                <a:lnTo>
+                  <a:pt x="120000" y="0"/>
+                </a:lnTo>
+                <a:lnTo>
+                  <a:pt x="120000" y="120000"/>
+                </a:lnTo>
+                <a:lnTo>
+                  <a:pt x="0" y="120000"/>
+                </a:lnTo>
+                <a:close/>
+              </a:path>
+            </a:pathLst>
+          </a:custGeom>
+        </p:spPr>
+      </p:sp>
+      <p:sp>
+        <p:nvSpPr>
+          <p:cNvPr id="123" name="Google Shape;123;g9ed7346816_0_135:notes"/>
+          <p:cNvSpPr txBox="1"/>
+          <p:nvPr>
+            <p:ph type="body" idx="1"/>
+          </p:nvPr>
+        </p:nvSpPr>
+        <p:spPr>
+          <a:xfrm>
+            <a:off x="685800" y="4343400"/>
+            <a:ext cx="5486400" cy="4114800"/>
+          </a:xfrm>
+          <a:prstGeom prst="rect">
+            <a:avLst/>
+          </a:prstGeom>
+        </p:spPr>
+        <p:txBody>
+          <a:bodyPr spcFirstLastPara="1" wrap="square" lIns="91425" tIns="91425" rIns="91425" bIns="91425" anchor="t" anchorCtr="0">
+            <a:noAutofit/>
+          </a:bodyPr>
+          <a:lstStyle/>
+          <a:p>
+            <a:pPr marL="0" lvl="0" indent="0" algn="l" rtl="0">
+              <a:spcBef>
+                <a:spcPts val="0"/>
+              </a:spcBef>
+              <a:spcAft>
+                <a:spcPts val="0"/>
+              </a:spcAft>
+              <a:buNone/>
+            </a:pPr>
+          </a:p>
+        </p:txBody>
+      </p:sp>
+    </p:spTree>
+  </p:cSld>
+  <p:clrMapOvr>
+    <a:masterClrMapping/>
+  </p:clrMapOvr>
+</p:notes>
+</file>
+
+<file path=ppt/notesSlides/notesSlide9.xml><?xml version="1.0" encoding="utf-8"?>
+<p:notes xmlns:a="http://schemas.openxmlformats.org/drawingml/2006/main" xmlns:r="http://schemas.openxmlformats.org/officeDocument/2006/relationships" xmlns:p="http://schemas.openxmlformats.org/presentationml/2006/main" showMasterPhAnim="0" showMasterSp="0">
+  <p:cSld>
+    <p:spTree>
+      <p:nvGrpSpPr>
+        <p:cNvPr id="127" name="Shape 127"/>
+        <p:cNvGrpSpPr/>
+        <p:nvPr/>
+      </p:nvGrpSpPr>
+      <p:grpSpPr>
+        <a:xfrm>
+          <a:off x="0" y="0"/>
+          <a:ext cx="0" cy="0"/>
+          <a:chOff x="0" y="0"/>
+          <a:chExt cx="0" cy="0"/>
+        </a:xfrm>
+      </p:grpSpPr>
+      <p:sp>
+        <p:nvSpPr>
+          <p:cNvPr id="128" name="Google Shape;128;g9ed7346816_0_140:notes"/>
+          <p:cNvSpPr/>
+          <p:nvPr>
+            <p:ph type="sldImg" idx="2"/>
+          </p:nvPr>
+        </p:nvSpPr>
+        <p:spPr>
+          <a:xfrm>
+            <a:off x="381300" y="685800"/>
+            <a:ext cx="6096000" cy="3429000"/>
+          </a:xfrm>
+          <a:custGeom>
+            <a:avLst/>
+            <a:gdLst/>
+            <a:ahLst/>
+            <a:cxnLst/>
+            <a:rect l="l" t="t" r="r" b="b"/>
+            <a:pathLst>
+              <a:path w="120000" h="120000" extrusionOk="0">
+                <a:moveTo>
+                  <a:pt x="0" y="0"/>
+                </a:moveTo>
+                <a:lnTo>
+                  <a:pt x="120000" y="0"/>
+                </a:lnTo>
+                <a:lnTo>
+                  <a:pt x="120000" y="120000"/>
+                </a:lnTo>
+                <a:lnTo>
+                  <a:pt x="0" y="120000"/>
+                </a:lnTo>
+                <a:close/>
+              </a:path>
+            </a:pathLst>
+          </a:custGeom>
+        </p:spPr>
+      </p:sp>
+      <p:sp>
+        <p:nvSpPr>
+          <p:cNvPr id="129" name="Google Shape;129;g9ed7346816_0_140:notes"/>
           <p:cNvSpPr txBox="1"/>
           <p:nvPr>
             <p:ph type="body" idx="1"/>
@@ -8485,386 +8085,6 @@
   <p:cSld>
     <p:spTree>
       <p:nvGrpSpPr>
-        <p:cNvPr id="106" name="Shape 106"/>
-        <p:cNvGrpSpPr/>
-        <p:nvPr/>
-      </p:nvGrpSpPr>
-      <p:grpSpPr>
-        <a:xfrm>
-          <a:off x="0" y="0"/>
-          <a:ext cx="0" cy="0"/>
-          <a:chOff x="0" y="0"/>
-          <a:chExt cx="0" cy="0"/>
-        </a:xfrm>
-      </p:grpSpPr>
-      <p:sp>
-        <p:nvSpPr>
-          <p:cNvPr id="107" name="Google Shape;107;p21"/>
-          <p:cNvSpPr txBox="1"/>
-          <p:nvPr>
-            <p:ph type="title"/>
-          </p:nvPr>
-        </p:nvSpPr>
-        <p:spPr>
-          <a:xfrm>
-            <a:off x="311700" y="445025"/>
-            <a:ext cx="8520600" cy="613200"/>
-          </a:xfrm>
-          <a:prstGeom prst="rect">
-            <a:avLst/>
-          </a:prstGeom>
-        </p:spPr>
-        <p:txBody>
-          <a:bodyPr spcFirstLastPara="1" wrap="square" lIns="91425" tIns="91425" rIns="91425" bIns="91425" anchor="t" anchorCtr="0">
-            <a:noAutofit/>
-          </a:bodyPr>
-          <a:lstStyle/>
-          <a:p>
-            <a:pPr marL="0" lvl="0" indent="0" algn="l" rtl="0">
-              <a:spcBef>
-                <a:spcPts val="0"/>
-              </a:spcBef>
-              <a:spcAft>
-                <a:spcPts val="0"/>
-              </a:spcAft>
-              <a:buNone/>
-            </a:pPr>
-          </a:p>
-        </p:txBody>
-      </p:sp>
-      <p:sp>
-        <p:nvSpPr>
-          <p:cNvPr id="108" name="Google Shape;108;p21"/>
-          <p:cNvSpPr txBox="1"/>
-          <p:nvPr>
-            <p:ph type="body" idx="1"/>
-          </p:nvPr>
-        </p:nvSpPr>
-        <p:spPr>
-          <a:xfrm>
-            <a:off x="311700" y="1171600"/>
-            <a:ext cx="8520600" cy="3397200"/>
-          </a:xfrm>
-          <a:prstGeom prst="rect">
-            <a:avLst/>
-          </a:prstGeom>
-        </p:spPr>
-        <p:txBody>
-          <a:bodyPr spcFirstLastPara="1" wrap="square" lIns="91425" tIns="91425" rIns="91425" bIns="91425" anchor="t" anchorCtr="0">
-            <a:noAutofit/>
-          </a:bodyPr>
-          <a:lstStyle/>
-          <a:p>
-            <a:pPr marL="0" lvl="0" indent="0" algn="l" rtl="0">
-              <a:spcBef>
-                <a:spcPts val="0"/>
-              </a:spcBef>
-              <a:spcAft>
-                <a:spcPts val="1600"/>
-              </a:spcAft>
-              <a:buNone/>
-            </a:pPr>
-          </a:p>
-        </p:txBody>
-      </p:sp>
-    </p:spTree>
-  </p:cSld>
-  <p:clrMapOvr>
-    <a:masterClrMapping/>
-  </p:clrMapOvr>
-</p:sld>
-</file>
-
-<file path=ppt/slides/slide11.xml><?xml version="1.0" encoding="utf-8"?>
-<p:sld xmlns:a="http://schemas.openxmlformats.org/drawingml/2006/main" xmlns:r="http://schemas.openxmlformats.org/officeDocument/2006/relationships" xmlns:p="http://schemas.openxmlformats.org/presentationml/2006/main">
-  <p:cSld>
-    <p:spTree>
-      <p:nvGrpSpPr>
-        <p:cNvPr id="112" name="Shape 112"/>
-        <p:cNvGrpSpPr/>
-        <p:nvPr/>
-      </p:nvGrpSpPr>
-      <p:grpSpPr>
-        <a:xfrm>
-          <a:off x="0" y="0"/>
-          <a:ext cx="0" cy="0"/>
-          <a:chOff x="0" y="0"/>
-          <a:chExt cx="0" cy="0"/>
-        </a:xfrm>
-      </p:grpSpPr>
-      <p:sp>
-        <p:nvSpPr>
-          <p:cNvPr id="113" name="Google Shape;113;p22"/>
-          <p:cNvSpPr txBox="1"/>
-          <p:nvPr>
-            <p:ph type="title"/>
-          </p:nvPr>
-        </p:nvSpPr>
-        <p:spPr>
-          <a:xfrm>
-            <a:off x="311700" y="445025"/>
-            <a:ext cx="8520600" cy="613200"/>
-          </a:xfrm>
-          <a:prstGeom prst="rect">
-            <a:avLst/>
-          </a:prstGeom>
-        </p:spPr>
-        <p:txBody>
-          <a:bodyPr spcFirstLastPara="1" wrap="square" lIns="91425" tIns="91425" rIns="91425" bIns="91425" anchor="t" anchorCtr="0">
-            <a:noAutofit/>
-          </a:bodyPr>
-          <a:lstStyle/>
-          <a:p>
-            <a:pPr marL="0" lvl="0" indent="0" algn="l" rtl="0">
-              <a:spcBef>
-                <a:spcPts val="0"/>
-              </a:spcBef>
-              <a:spcAft>
-                <a:spcPts val="0"/>
-              </a:spcAft>
-              <a:buNone/>
-            </a:pPr>
-          </a:p>
-        </p:txBody>
-      </p:sp>
-      <p:sp>
-        <p:nvSpPr>
-          <p:cNvPr id="114" name="Google Shape;114;p22"/>
-          <p:cNvSpPr txBox="1"/>
-          <p:nvPr>
-            <p:ph type="body" idx="1"/>
-          </p:nvPr>
-        </p:nvSpPr>
-        <p:spPr>
-          <a:xfrm>
-            <a:off x="311700" y="1171600"/>
-            <a:ext cx="8520600" cy="3397200"/>
-          </a:xfrm>
-          <a:prstGeom prst="rect">
-            <a:avLst/>
-          </a:prstGeom>
-        </p:spPr>
-        <p:txBody>
-          <a:bodyPr spcFirstLastPara="1" wrap="square" lIns="91425" tIns="91425" rIns="91425" bIns="91425" anchor="t" anchorCtr="0">
-            <a:noAutofit/>
-          </a:bodyPr>
-          <a:lstStyle/>
-          <a:p>
-            <a:pPr marL="0" lvl="0" indent="0" algn="l" rtl="0">
-              <a:spcBef>
-                <a:spcPts val="0"/>
-              </a:spcBef>
-              <a:spcAft>
-                <a:spcPts val="1600"/>
-              </a:spcAft>
-              <a:buNone/>
-            </a:pPr>
-          </a:p>
-        </p:txBody>
-      </p:sp>
-    </p:spTree>
-  </p:cSld>
-  <p:clrMapOvr>
-    <a:masterClrMapping/>
-  </p:clrMapOvr>
-</p:sld>
-</file>
-
-<file path=ppt/slides/slide12.xml><?xml version="1.0" encoding="utf-8"?>
-<p:sld xmlns:a="http://schemas.openxmlformats.org/drawingml/2006/main" xmlns:r="http://schemas.openxmlformats.org/officeDocument/2006/relationships" xmlns:p="http://schemas.openxmlformats.org/presentationml/2006/main">
-  <p:cSld>
-    <p:spTree>
-      <p:nvGrpSpPr>
-        <p:cNvPr id="118" name="Shape 118"/>
-        <p:cNvGrpSpPr/>
-        <p:nvPr/>
-      </p:nvGrpSpPr>
-      <p:grpSpPr>
-        <a:xfrm>
-          <a:off x="0" y="0"/>
-          <a:ext cx="0" cy="0"/>
-          <a:chOff x="0" y="0"/>
-          <a:chExt cx="0" cy="0"/>
-        </a:xfrm>
-      </p:grpSpPr>
-      <p:sp>
-        <p:nvSpPr>
-          <p:cNvPr id="119" name="Google Shape;119;p23"/>
-          <p:cNvSpPr txBox="1"/>
-          <p:nvPr>
-            <p:ph type="title"/>
-          </p:nvPr>
-        </p:nvSpPr>
-        <p:spPr>
-          <a:xfrm>
-            <a:off x="311700" y="445025"/>
-            <a:ext cx="8520600" cy="613200"/>
-          </a:xfrm>
-          <a:prstGeom prst="rect">
-            <a:avLst/>
-          </a:prstGeom>
-        </p:spPr>
-        <p:txBody>
-          <a:bodyPr spcFirstLastPara="1" wrap="square" lIns="91425" tIns="91425" rIns="91425" bIns="91425" anchor="t" anchorCtr="0">
-            <a:noAutofit/>
-          </a:bodyPr>
-          <a:lstStyle/>
-          <a:p>
-            <a:pPr marL="0" lvl="0" indent="0" algn="l" rtl="0">
-              <a:spcBef>
-                <a:spcPts val="0"/>
-              </a:spcBef>
-              <a:spcAft>
-                <a:spcPts val="0"/>
-              </a:spcAft>
-              <a:buNone/>
-            </a:pPr>
-          </a:p>
-        </p:txBody>
-      </p:sp>
-      <p:sp>
-        <p:nvSpPr>
-          <p:cNvPr id="120" name="Google Shape;120;p23"/>
-          <p:cNvSpPr txBox="1"/>
-          <p:nvPr>
-            <p:ph type="body" idx="1"/>
-          </p:nvPr>
-        </p:nvSpPr>
-        <p:spPr>
-          <a:xfrm>
-            <a:off x="311700" y="1171600"/>
-            <a:ext cx="8520600" cy="3397200"/>
-          </a:xfrm>
-          <a:prstGeom prst="rect">
-            <a:avLst/>
-          </a:prstGeom>
-        </p:spPr>
-        <p:txBody>
-          <a:bodyPr spcFirstLastPara="1" wrap="square" lIns="91425" tIns="91425" rIns="91425" bIns="91425" anchor="t" anchorCtr="0">
-            <a:noAutofit/>
-          </a:bodyPr>
-          <a:lstStyle/>
-          <a:p>
-            <a:pPr marL="0" lvl="0" indent="0" algn="l" rtl="0">
-              <a:spcBef>
-                <a:spcPts val="0"/>
-              </a:spcBef>
-              <a:spcAft>
-                <a:spcPts val="1600"/>
-              </a:spcAft>
-              <a:buNone/>
-            </a:pPr>
-          </a:p>
-        </p:txBody>
-      </p:sp>
-    </p:spTree>
-  </p:cSld>
-  <p:clrMapOvr>
-    <a:masterClrMapping/>
-  </p:clrMapOvr>
-</p:sld>
-</file>
-
-<file path=ppt/slides/slide13.xml><?xml version="1.0" encoding="utf-8"?>
-<p:sld xmlns:a="http://schemas.openxmlformats.org/drawingml/2006/main" xmlns:r="http://schemas.openxmlformats.org/officeDocument/2006/relationships" xmlns:p="http://schemas.openxmlformats.org/presentationml/2006/main">
-  <p:cSld>
-    <p:spTree>
-      <p:nvGrpSpPr>
-        <p:cNvPr id="124" name="Shape 124"/>
-        <p:cNvGrpSpPr/>
-        <p:nvPr/>
-      </p:nvGrpSpPr>
-      <p:grpSpPr>
-        <a:xfrm>
-          <a:off x="0" y="0"/>
-          <a:ext cx="0" cy="0"/>
-          <a:chOff x="0" y="0"/>
-          <a:chExt cx="0" cy="0"/>
-        </a:xfrm>
-      </p:grpSpPr>
-      <p:sp>
-        <p:nvSpPr>
-          <p:cNvPr id="125" name="Google Shape;125;p24"/>
-          <p:cNvSpPr txBox="1"/>
-          <p:nvPr>
-            <p:ph type="title"/>
-          </p:nvPr>
-        </p:nvSpPr>
-        <p:spPr>
-          <a:xfrm>
-            <a:off x="311700" y="445025"/>
-            <a:ext cx="8520600" cy="613200"/>
-          </a:xfrm>
-          <a:prstGeom prst="rect">
-            <a:avLst/>
-          </a:prstGeom>
-        </p:spPr>
-        <p:txBody>
-          <a:bodyPr spcFirstLastPara="1" wrap="square" lIns="91425" tIns="91425" rIns="91425" bIns="91425" anchor="t" anchorCtr="0">
-            <a:noAutofit/>
-          </a:bodyPr>
-          <a:lstStyle/>
-          <a:p>
-            <a:pPr marL="0" lvl="0" indent="0" algn="l" rtl="0">
-              <a:spcBef>
-                <a:spcPts val="0"/>
-              </a:spcBef>
-              <a:spcAft>
-                <a:spcPts val="0"/>
-              </a:spcAft>
-              <a:buNone/>
-            </a:pPr>
-          </a:p>
-        </p:txBody>
-      </p:sp>
-      <p:sp>
-        <p:nvSpPr>
-          <p:cNvPr id="126" name="Google Shape;126;p24"/>
-          <p:cNvSpPr txBox="1"/>
-          <p:nvPr>
-            <p:ph type="body" idx="1"/>
-          </p:nvPr>
-        </p:nvSpPr>
-        <p:spPr>
-          <a:xfrm>
-            <a:off x="311700" y="1171600"/>
-            <a:ext cx="8520600" cy="3397200"/>
-          </a:xfrm>
-          <a:prstGeom prst="rect">
-            <a:avLst/>
-          </a:prstGeom>
-        </p:spPr>
-        <p:txBody>
-          <a:bodyPr spcFirstLastPara="1" wrap="square" lIns="91425" tIns="91425" rIns="91425" bIns="91425" anchor="t" anchorCtr="0">
-            <a:noAutofit/>
-          </a:bodyPr>
-          <a:lstStyle/>
-          <a:p>
-            <a:pPr marL="0" lvl="0" indent="0" algn="l" rtl="0">
-              <a:spcBef>
-                <a:spcPts val="0"/>
-              </a:spcBef>
-              <a:spcAft>
-                <a:spcPts val="1600"/>
-              </a:spcAft>
-              <a:buNone/>
-            </a:pPr>
-          </a:p>
-        </p:txBody>
-      </p:sp>
-    </p:spTree>
-  </p:cSld>
-  <p:clrMapOvr>
-    <a:masterClrMapping/>
-  </p:clrMapOvr>
-</p:sld>
-</file>
-
-<file path=ppt/slides/slide14.xml><?xml version="1.0" encoding="utf-8"?>
-<p:sld xmlns:a="http://schemas.openxmlformats.org/drawingml/2006/main" xmlns:r="http://schemas.openxmlformats.org/officeDocument/2006/relationships" xmlns:p="http://schemas.openxmlformats.org/presentationml/2006/main">
-  <p:cSld>
-    <p:spTree>
-      <p:nvGrpSpPr>
         <p:cNvPr id="130" name="Shape 130"/>
         <p:cNvGrpSpPr/>
         <p:nvPr/>
@@ -8955,7 +8175,7 @@
 </p:sld>
 </file>
 
-<file path=ppt/slides/slide15.xml><?xml version="1.0" encoding="utf-8"?>
+<file path=ppt/slides/slide11.xml><?xml version="1.0" encoding="utf-8"?>
 <p:sld xmlns:a="http://schemas.openxmlformats.org/drawingml/2006/main" xmlns:r="http://schemas.openxmlformats.org/officeDocument/2006/relationships" xmlns:p="http://schemas.openxmlformats.org/presentationml/2006/main">
   <p:cSld>
     <p:spTree>
@@ -9050,7 +8270,7 @@
 </p:sld>
 </file>
 
-<file path=ppt/slides/slide16.xml><?xml version="1.0" encoding="utf-8"?>
+<file path=ppt/slides/slide12.xml><?xml version="1.0" encoding="utf-8"?>
 <p:sld xmlns:a="http://schemas.openxmlformats.org/drawingml/2006/main" xmlns:r="http://schemas.openxmlformats.org/officeDocument/2006/relationships" xmlns:p="http://schemas.openxmlformats.org/presentationml/2006/main">
   <p:cSld>
     <p:spTree>
@@ -9145,7 +8365,7 @@
 </p:sld>
 </file>
 
-<file path=ppt/slides/slide17.xml><?xml version="1.0" encoding="utf-8"?>
+<file path=ppt/slides/slide13.xml><?xml version="1.0" encoding="utf-8"?>
 <p:sld xmlns:a="http://schemas.openxmlformats.org/drawingml/2006/main" xmlns:r="http://schemas.openxmlformats.org/officeDocument/2006/relationships" xmlns:p="http://schemas.openxmlformats.org/presentationml/2006/main">
   <p:cSld>
     <p:spTree>
@@ -9240,7 +8460,7 @@
 </p:sld>
 </file>
 
-<file path=ppt/slides/slide18.xml><?xml version="1.0" encoding="utf-8"?>
+<file path=ppt/slides/slide14.xml><?xml version="1.0" encoding="utf-8"?>
 <p:sld xmlns:a="http://schemas.openxmlformats.org/drawingml/2006/main" xmlns:r="http://schemas.openxmlformats.org/officeDocument/2006/relationships" xmlns:p="http://schemas.openxmlformats.org/presentationml/2006/main">
   <p:cSld>
     <p:spTree>
@@ -9335,7 +8555,7 @@
 </p:sld>
 </file>
 
-<file path=ppt/slides/slide19.xml><?xml version="1.0" encoding="utf-8"?>
+<file path=ppt/slides/slide15.xml><?xml version="1.0" encoding="utf-8"?>
 <p:sld xmlns:a="http://schemas.openxmlformats.org/drawingml/2006/main" xmlns:r="http://schemas.openxmlformats.org/officeDocument/2006/relationships" xmlns:p="http://schemas.openxmlformats.org/presentationml/2006/main">
   <p:cSld>
     <p:spTree>
@@ -9430,385 +8650,7 @@
 </p:sld>
 </file>
 
-<file path=ppt/slides/slide2.xml><?xml version="1.0" encoding="utf-8"?>
-<p:sld xmlns:a="http://schemas.openxmlformats.org/drawingml/2006/main" xmlns:r="http://schemas.openxmlformats.org/officeDocument/2006/relationships" xmlns:p="http://schemas.openxmlformats.org/presentationml/2006/main">
-  <p:cSld>
-    <p:spTree>
-      <p:nvGrpSpPr>
-        <p:cNvPr id="64" name="Shape 64"/>
-        <p:cNvGrpSpPr/>
-        <p:nvPr/>
-      </p:nvGrpSpPr>
-      <p:grpSpPr>
-        <a:xfrm>
-          <a:off x="0" y="0"/>
-          <a:ext cx="0" cy="0"/>
-          <a:chOff x="0" y="0"/>
-          <a:chExt cx="0" cy="0"/>
-        </a:xfrm>
-      </p:grpSpPr>
-      <p:sp>
-        <p:nvSpPr>
-          <p:cNvPr id="65" name="Google Shape;65;p14"/>
-          <p:cNvSpPr txBox="1"/>
-          <p:nvPr>
-            <p:ph type="title"/>
-          </p:nvPr>
-        </p:nvSpPr>
-        <p:spPr>
-          <a:xfrm>
-            <a:off x="311700" y="838725"/>
-            <a:ext cx="8520600" cy="613200"/>
-          </a:xfrm>
-          <a:prstGeom prst="rect">
-            <a:avLst/>
-          </a:prstGeom>
-        </p:spPr>
-        <p:txBody>
-          <a:bodyPr spcFirstLastPara="1" wrap="square" lIns="91425" tIns="91425" rIns="91425" bIns="91425" anchor="t" anchorCtr="0">
-            <a:noAutofit/>
-          </a:bodyPr>
-          <a:lstStyle/>
-          <a:p>
-            <a:pPr marL="0" lvl="0" indent="0" algn="l" rtl="0">
-              <a:spcBef>
-                <a:spcPts val="0"/>
-              </a:spcBef>
-              <a:spcAft>
-                <a:spcPts val="0"/>
-              </a:spcAft>
-              <a:buNone/>
-            </a:pPr>
-            <a:r>
-              <a:rPr lang="en-US" sz="2400">
-                <a:latin typeface="Cambria" panose="02040503050406030204" charset="0"/>
-                <a:cs typeface="Cambria" panose="02040503050406030204" charset="0"/>
-              </a:rPr>
-              <a:t>Introduction</a:t>
-            </a:r>
-            <a:endParaRPr lang="en-US" sz="2400">
-              <a:latin typeface="Cambria" panose="02040503050406030204" charset="0"/>
-              <a:cs typeface="Cambria" panose="02040503050406030204" charset="0"/>
-            </a:endParaRPr>
-          </a:p>
-        </p:txBody>
-      </p:sp>
-      <p:sp>
-        <p:nvSpPr>
-          <p:cNvPr id="66" name="Google Shape;66;p14"/>
-          <p:cNvSpPr txBox="1"/>
-          <p:nvPr>
-            <p:ph type="body" idx="1"/>
-          </p:nvPr>
-        </p:nvSpPr>
-        <p:spPr>
-          <a:xfrm>
-            <a:off x="311700" y="1285900"/>
-            <a:ext cx="8520600" cy="3397200"/>
-          </a:xfrm>
-          <a:prstGeom prst="rect">
-            <a:avLst/>
-          </a:prstGeom>
-        </p:spPr>
-        <p:txBody>
-          <a:bodyPr spcFirstLastPara="1" wrap="square" lIns="91425" tIns="91425" rIns="91425" bIns="91425" anchor="t" anchorCtr="0">
-            <a:noAutofit/>
-          </a:bodyPr>
-          <a:lstStyle/>
-          <a:p>
-            <a:pPr marL="171450" lvl="0" indent="-171450" algn="l" rtl="0">
-              <a:spcBef>
-                <a:spcPts val="0"/>
-              </a:spcBef>
-              <a:spcAft>
-                <a:spcPts val="1600"/>
-              </a:spcAft>
-              <a:buSzPct val="65000"/>
-              <a:buFont typeface="Arial" panose="020B0604020202020204" pitchFamily="34" charset="0"/>
-              <a:buChar char="•"/>
-            </a:pPr>
-            <a:r>
-              <a:rPr lang="en-US" sz="1200">
-                <a:latin typeface="Cambria" panose="02040503050406030204" charset="0"/>
-                <a:cs typeface="Cambria" panose="02040503050406030204" charset="0"/>
-              </a:rPr>
-              <a:t>Challenge is  hosted on Codalab. </a:t>
-            </a:r>
-            <a:endParaRPr lang="en-US" sz="1200">
-              <a:latin typeface="Cambria" panose="02040503050406030204" charset="0"/>
-              <a:cs typeface="Cambria" panose="02040503050406030204" charset="0"/>
-            </a:endParaRPr>
-          </a:p>
-          <a:p>
-            <a:pPr marL="171450" lvl="0" indent="-171450" algn="l" rtl="0">
-              <a:spcBef>
-                <a:spcPts val="0"/>
-              </a:spcBef>
-              <a:spcAft>
-                <a:spcPts val="1600"/>
-              </a:spcAft>
-              <a:buSzPct val="65000"/>
-              <a:buFont typeface="Arial" panose="020B0604020202020204" pitchFamily="34" charset="0"/>
-              <a:buChar char="•"/>
-            </a:pPr>
-            <a:r>
-              <a:rPr lang="en-US" sz="1200">
-                <a:latin typeface="Cambria" panose="02040503050406030204" charset="0"/>
-                <a:cs typeface="Cambria" panose="02040503050406030204" charset="0"/>
-              </a:rPr>
-              <a:t>Proposed by SHARED TASK @</a:t>
-            </a:r>
-            <a:r>
-              <a:rPr sz="1200">
-                <a:latin typeface="Cambria" panose="02040503050406030204" charset="0"/>
-                <a:cs typeface="Cambria" panose="02040503050406030204" charset="0"/>
-              </a:rPr>
-              <a:t>CONSTRAINT 202</a:t>
-            </a:r>
-            <a:r>
-              <a:rPr lang="en-US" sz="1200">
-                <a:latin typeface="Cambria" panose="02040503050406030204" charset="0"/>
-                <a:cs typeface="Cambria" panose="02040503050406030204" charset="0"/>
-              </a:rPr>
-              <a:t>1..</a:t>
-            </a:r>
-            <a:endParaRPr lang="en-US" sz="1200">
-              <a:latin typeface="Cambria" panose="02040503050406030204" charset="0"/>
-              <a:cs typeface="Cambria" panose="02040503050406030204" charset="0"/>
-            </a:endParaRPr>
-          </a:p>
-          <a:p>
-            <a:pPr marL="171450" lvl="0" indent="-171450" algn="l" rtl="0">
-              <a:spcBef>
-                <a:spcPts val="0"/>
-              </a:spcBef>
-              <a:spcAft>
-                <a:spcPts val="1600"/>
-              </a:spcAft>
-              <a:buSzPct val="65000"/>
-              <a:buFont typeface="Arial" panose="020B0604020202020204" pitchFamily="34" charset="0"/>
-              <a:buChar char="•"/>
-            </a:pPr>
-            <a:r>
-              <a:rPr sz="1200">
-                <a:latin typeface="Cambria" panose="02040503050406030204" charset="0"/>
-                <a:cs typeface="Cambria" panose="02040503050406030204" charset="0"/>
-              </a:rPr>
-              <a:t>Evaluation Metric: The official evaluation metric for the shared task is weighted-average F1 score.</a:t>
-            </a:r>
-            <a:endParaRPr sz="1200">
-              <a:latin typeface="Cambria" panose="02040503050406030204" charset="0"/>
-              <a:cs typeface="Cambria" panose="02040503050406030204" charset="0"/>
-            </a:endParaRPr>
-          </a:p>
-          <a:p>
-            <a:pPr marL="228600" lvl="0" indent="-228600" algn="l" rtl="0">
-              <a:lnSpc>
-                <a:spcPct val="85000"/>
-              </a:lnSpc>
-              <a:spcBef>
-                <a:spcPts val="0"/>
-              </a:spcBef>
-              <a:spcAft>
-                <a:spcPts val="1600"/>
-              </a:spcAft>
-              <a:buSzPct val="65000"/>
-              <a:buFont typeface="Arial" panose="020B0604020202020204" pitchFamily="34" charset="0"/>
-              <a:buChar char="•"/>
-            </a:pPr>
-            <a:r>
-              <a:rPr sz="1200">
-                <a:latin typeface="Cambria" panose="02040503050406030204" charset="0"/>
-                <a:cs typeface="Cambria" panose="02040503050406030204" charset="0"/>
-              </a:rPr>
-              <a:t>Important Dates:</a:t>
-            </a:r>
-            <a:endParaRPr sz="1200">
-              <a:latin typeface="Cambria" panose="02040503050406030204" charset="0"/>
-              <a:cs typeface="Cambria" panose="02040503050406030204" charset="0"/>
-            </a:endParaRPr>
-          </a:p>
-          <a:p>
-            <a:pPr marL="685800" lvl="1" indent="-228600" algn="l" rtl="0">
-              <a:lnSpc>
-                <a:spcPct val="85000"/>
-              </a:lnSpc>
-              <a:spcBef>
-                <a:spcPts val="0"/>
-              </a:spcBef>
-              <a:spcAft>
-                <a:spcPts val="1600"/>
-              </a:spcAft>
-              <a:buSzPct val="65000"/>
-              <a:buFont typeface="Arial" panose="020B0604020202020204" pitchFamily="34" charset="0"/>
-              <a:buChar char="•"/>
-            </a:pPr>
-            <a:r>
-              <a:rPr sz="930">
-                <a:latin typeface="Cambria" panose="02040503050406030204" charset="0"/>
-                <a:cs typeface="Cambria" panose="02040503050406030204" charset="0"/>
-              </a:rPr>
-              <a:t>October 1, 2020: Release of the training set </a:t>
-            </a:r>
-            <a:r>
-              <a:rPr lang="en-US" sz="930">
-                <a:latin typeface="Cambria" panose="02040503050406030204" charset="0"/>
-                <a:cs typeface="Cambria" panose="02040503050406030204" charset="0"/>
-              </a:rPr>
-              <a:t>and validation set.</a:t>
-            </a:r>
-            <a:endParaRPr sz="930">
-              <a:latin typeface="Cambria" panose="02040503050406030204" charset="0"/>
-              <a:cs typeface="Cambria" panose="02040503050406030204" charset="0"/>
-            </a:endParaRPr>
-          </a:p>
-          <a:p>
-            <a:pPr marL="685800" lvl="1" indent="-228600" algn="l" rtl="0">
-              <a:lnSpc>
-                <a:spcPct val="85000"/>
-              </a:lnSpc>
-              <a:spcBef>
-                <a:spcPts val="0"/>
-              </a:spcBef>
-              <a:spcAft>
-                <a:spcPts val="1600"/>
-              </a:spcAft>
-              <a:buSzPct val="65000"/>
-              <a:buFont typeface="Arial" panose="020B0604020202020204" pitchFamily="34" charset="0"/>
-              <a:buChar char="•"/>
-            </a:pPr>
-            <a:r>
-              <a:rPr sz="930">
-                <a:latin typeface="Cambria" panose="02040503050406030204" charset="0"/>
-                <a:cs typeface="Cambria" panose="02040503050406030204" charset="0"/>
-              </a:rPr>
-              <a:t>December 1, 2020: Release of the test set</a:t>
-            </a:r>
-            <a:r>
-              <a:rPr lang="en-US" sz="930">
-                <a:latin typeface="Cambria" panose="02040503050406030204" charset="0"/>
-                <a:cs typeface="Cambria" panose="02040503050406030204" charset="0"/>
-              </a:rPr>
-              <a:t>.</a:t>
-            </a:r>
-            <a:endParaRPr sz="930">
-              <a:latin typeface="Cambria" panose="02040503050406030204" charset="0"/>
-              <a:cs typeface="Cambria" panose="02040503050406030204" charset="0"/>
-            </a:endParaRPr>
-          </a:p>
-          <a:p>
-            <a:pPr marL="685800" lvl="1" indent="-228600" algn="l" rtl="0">
-              <a:lnSpc>
-                <a:spcPct val="85000"/>
-              </a:lnSpc>
-              <a:spcBef>
-                <a:spcPts val="0"/>
-              </a:spcBef>
-              <a:spcAft>
-                <a:spcPts val="1600"/>
-              </a:spcAft>
-              <a:buSzPct val="65000"/>
-              <a:buFont typeface="Arial" panose="020B0604020202020204" pitchFamily="34" charset="0"/>
-              <a:buChar char="•"/>
-            </a:pPr>
-            <a:r>
-              <a:rPr sz="930">
-                <a:latin typeface="Cambria" panose="02040503050406030204" charset="0"/>
-                <a:cs typeface="Cambria" panose="02040503050406030204" charset="0"/>
-              </a:rPr>
-              <a:t>December 10, 2020: Deadline for submitting the final results</a:t>
-            </a:r>
-            <a:r>
-              <a:rPr lang="en-US" sz="930">
-                <a:latin typeface="Cambria" panose="02040503050406030204" charset="0"/>
-                <a:cs typeface="Cambria" panose="02040503050406030204" charset="0"/>
-              </a:rPr>
-              <a:t>.</a:t>
-            </a:r>
-            <a:endParaRPr sz="930">
-              <a:latin typeface="Cambria" panose="02040503050406030204" charset="0"/>
-              <a:cs typeface="Cambria" panose="02040503050406030204" charset="0"/>
-            </a:endParaRPr>
-          </a:p>
-          <a:p>
-            <a:pPr marL="685800" lvl="1" indent="-228600" algn="l" rtl="0">
-              <a:lnSpc>
-                <a:spcPct val="85000"/>
-              </a:lnSpc>
-              <a:spcBef>
-                <a:spcPts val="0"/>
-              </a:spcBef>
-              <a:spcAft>
-                <a:spcPts val="1600"/>
-              </a:spcAft>
-              <a:buSzPct val="65000"/>
-              <a:buFont typeface="Arial" panose="020B0604020202020204" pitchFamily="34" charset="0"/>
-              <a:buChar char="•"/>
-            </a:pPr>
-            <a:r>
-              <a:rPr sz="930">
-                <a:latin typeface="Cambria" panose="02040503050406030204" charset="0"/>
-                <a:cs typeface="Cambria" panose="02040503050406030204" charset="0"/>
-              </a:rPr>
-              <a:t>December 12, 2020: Announcement of the results</a:t>
-            </a:r>
-            <a:r>
-              <a:rPr lang="en-US" sz="930">
-                <a:latin typeface="Cambria" panose="02040503050406030204" charset="0"/>
-                <a:cs typeface="Cambria" panose="02040503050406030204" charset="0"/>
-              </a:rPr>
-              <a:t>.</a:t>
-            </a:r>
-            <a:endParaRPr sz="930">
-              <a:latin typeface="Cambria" panose="02040503050406030204" charset="0"/>
-              <a:cs typeface="Cambria" panose="02040503050406030204" charset="0"/>
-            </a:endParaRPr>
-          </a:p>
-          <a:p>
-            <a:pPr marL="685800" lvl="1" indent="-228600" algn="l" rtl="0">
-              <a:lnSpc>
-                <a:spcPct val="45000"/>
-              </a:lnSpc>
-              <a:spcBef>
-                <a:spcPts val="0"/>
-              </a:spcBef>
-              <a:spcAft>
-                <a:spcPts val="1600"/>
-              </a:spcAft>
-              <a:buSzPct val="65000"/>
-              <a:buFont typeface="Arial" panose="020B0604020202020204" pitchFamily="34" charset="0"/>
-              <a:buChar char="•"/>
-            </a:pPr>
-            <a:r>
-              <a:rPr sz="930">
-                <a:latin typeface="Cambria" panose="02040503050406030204" charset="0"/>
-                <a:cs typeface="Cambria" panose="02040503050406030204" charset="0"/>
-              </a:rPr>
-              <a:t>December 30, 2020: System paper submission deadline</a:t>
-            </a:r>
-            <a:r>
-              <a:rPr lang="en-US" sz="930">
-                <a:latin typeface="Cambria" panose="02040503050406030204" charset="0"/>
-                <a:cs typeface="Cambria" panose="02040503050406030204" charset="0"/>
-              </a:rPr>
-              <a:t>.</a:t>
-            </a:r>
-            <a:endParaRPr lang="en-US" sz="930">
-              <a:latin typeface="Cambria" panose="02040503050406030204" charset="0"/>
-              <a:cs typeface="Cambria" panose="02040503050406030204" charset="0"/>
-            </a:endParaRPr>
-          </a:p>
-        </p:txBody>
-      </p:sp>
-    </p:spTree>
-  </p:cSld>
-  <p:clrMapOvr>
-    <a:masterClrMapping/>
-  </p:clrMapOvr>
-</p:sld>
-</file>
-
-<file path=ppt/slides/slide20.xml><?xml version="1.0" encoding="utf-8"?>
+<file path=ppt/slides/slide16.xml><?xml version="1.0" encoding="utf-8"?>
 <p:sld xmlns:a="http://schemas.openxmlformats.org/drawingml/2006/main" xmlns:r="http://schemas.openxmlformats.org/officeDocument/2006/relationships" xmlns:p="http://schemas.openxmlformats.org/presentationml/2006/main">
   <p:cSld>
     <p:spTree>
@@ -9903,7 +8745,7 @@
 </p:sld>
 </file>
 
-<file path=ppt/slides/slide21.xml><?xml version="1.0" encoding="utf-8"?>
+<file path=ppt/slides/slide17.xml><?xml version="1.0" encoding="utf-8"?>
 <p:sld xmlns:a="http://schemas.openxmlformats.org/drawingml/2006/main" xmlns:r="http://schemas.openxmlformats.org/officeDocument/2006/relationships" xmlns:p="http://schemas.openxmlformats.org/presentationml/2006/main">
   <p:cSld>
     <p:spTree>
@@ -9998,6 +8840,360 @@
 </p:sld>
 </file>
 
+<file path=ppt/slides/slide2.xml><?xml version="1.0" encoding="utf-8"?>
+<p:sld xmlns:a="http://schemas.openxmlformats.org/drawingml/2006/main" xmlns:r="http://schemas.openxmlformats.org/officeDocument/2006/relationships" xmlns:p="http://schemas.openxmlformats.org/presentationml/2006/main">
+  <p:cSld>
+    <p:spTree>
+      <p:nvGrpSpPr>
+        <p:cNvPr id="64" name="Shape 64"/>
+        <p:cNvGrpSpPr/>
+        <p:nvPr/>
+      </p:nvGrpSpPr>
+      <p:grpSpPr>
+        <a:xfrm>
+          <a:off x="0" y="0"/>
+          <a:ext cx="0" cy="0"/>
+          <a:chOff x="0" y="0"/>
+          <a:chExt cx="0" cy="0"/>
+        </a:xfrm>
+      </p:grpSpPr>
+      <p:sp>
+        <p:nvSpPr>
+          <p:cNvPr id="65" name="Google Shape;65;p14"/>
+          <p:cNvSpPr txBox="1"/>
+          <p:nvPr>
+            <p:ph type="title"/>
+          </p:nvPr>
+        </p:nvSpPr>
+        <p:spPr>
+          <a:xfrm>
+            <a:off x="311700" y="470425"/>
+            <a:ext cx="8520600" cy="613200"/>
+          </a:xfrm>
+          <a:prstGeom prst="rect">
+            <a:avLst/>
+          </a:prstGeom>
+        </p:spPr>
+        <p:txBody>
+          <a:bodyPr spcFirstLastPara="1" wrap="square" lIns="91425" tIns="91425" rIns="91425" bIns="91425" anchor="t" anchorCtr="0">
+            <a:noAutofit/>
+          </a:bodyPr>
+          <a:lstStyle/>
+          <a:p>
+            <a:pPr marL="0" lvl="0" indent="0" algn="ctr" rtl="0">
+              <a:spcBef>
+                <a:spcPts val="0"/>
+              </a:spcBef>
+              <a:spcAft>
+                <a:spcPts val="0"/>
+              </a:spcAft>
+              <a:buNone/>
+            </a:pPr>
+            <a:r>
+              <a:rPr lang="en-US" sz="2800">
+                <a:latin typeface="Cambria" panose="02040503050406030204" charset="0"/>
+                <a:cs typeface="Cambria" panose="02040503050406030204" charset="0"/>
+              </a:rPr>
+              <a:t>Introduction</a:t>
+            </a:r>
+            <a:endParaRPr lang="en-US" sz="2800">
+              <a:latin typeface="Cambria" panose="02040503050406030204" charset="0"/>
+              <a:cs typeface="Cambria" panose="02040503050406030204" charset="0"/>
+            </a:endParaRPr>
+          </a:p>
+        </p:txBody>
+      </p:sp>
+      <p:sp>
+        <p:nvSpPr>
+          <p:cNvPr id="66" name="Google Shape;66;p14"/>
+          <p:cNvSpPr txBox="1"/>
+          <p:nvPr>
+            <p:ph type="body" idx="1"/>
+          </p:nvPr>
+        </p:nvSpPr>
+        <p:spPr>
+          <a:xfrm>
+            <a:off x="311700" y="1083970"/>
+            <a:ext cx="8520600" cy="3397200"/>
+          </a:xfrm>
+          <a:prstGeom prst="rect">
+            <a:avLst/>
+          </a:prstGeom>
+        </p:spPr>
+        <p:txBody>
+          <a:bodyPr spcFirstLastPara="1" wrap="square" lIns="91425" tIns="91425" rIns="91425" bIns="91425" anchor="t" anchorCtr="0">
+            <a:noAutofit/>
+          </a:bodyPr>
+          <a:lstStyle/>
+          <a:p>
+            <a:pPr marL="171450" lvl="0" indent="-171450" algn="l" rtl="0">
+              <a:spcBef>
+                <a:spcPts val="0"/>
+              </a:spcBef>
+              <a:spcAft>
+                <a:spcPts val="1600"/>
+              </a:spcAft>
+              <a:buSzPct val="65000"/>
+              <a:buFont typeface="Arial" panose="020B0604020202020204" pitchFamily="34" charset="0"/>
+              <a:buChar char="•"/>
+            </a:pPr>
+            <a:r>
+              <a:rPr lang="en-US" sz="1400">
+                <a:latin typeface="Cambria" panose="02040503050406030204" charset="0"/>
+                <a:cs typeface="Cambria" panose="02040503050406030204" charset="0"/>
+              </a:rPr>
+              <a:t>Challenge is  hosted on Codalab. </a:t>
+            </a:r>
+            <a:endParaRPr lang="en-US" sz="1400">
+              <a:latin typeface="Cambria" panose="02040503050406030204" charset="0"/>
+              <a:cs typeface="Cambria" panose="02040503050406030204" charset="0"/>
+            </a:endParaRPr>
+          </a:p>
+          <a:p>
+            <a:pPr marL="171450" lvl="0" indent="-171450" algn="l" rtl="0">
+              <a:spcBef>
+                <a:spcPts val="0"/>
+              </a:spcBef>
+              <a:spcAft>
+                <a:spcPts val="1600"/>
+              </a:spcAft>
+              <a:buSzPct val="65000"/>
+              <a:buFont typeface="Arial" panose="020B0604020202020204" pitchFamily="34" charset="0"/>
+              <a:buChar char="•"/>
+            </a:pPr>
+            <a:r>
+              <a:rPr lang="en-US" sz="1400">
+                <a:latin typeface="Cambria" panose="02040503050406030204" charset="0"/>
+                <a:cs typeface="Cambria" panose="02040503050406030204" charset="0"/>
+              </a:rPr>
+              <a:t>Proposed by SHARED TASK @</a:t>
+            </a:r>
+            <a:r>
+              <a:rPr sz="1400">
+                <a:latin typeface="Cambria" panose="02040503050406030204" charset="0"/>
+                <a:cs typeface="Cambria" panose="02040503050406030204" charset="0"/>
+              </a:rPr>
+              <a:t>CONSTRAINT 202</a:t>
+            </a:r>
+            <a:r>
+              <a:rPr lang="en-US" sz="1400">
+                <a:latin typeface="Cambria" panose="02040503050406030204" charset="0"/>
+                <a:cs typeface="Cambria" panose="02040503050406030204" charset="0"/>
+              </a:rPr>
+              <a:t>1..</a:t>
+            </a:r>
+            <a:endParaRPr lang="en-US" sz="1400">
+              <a:latin typeface="Cambria" panose="02040503050406030204" charset="0"/>
+              <a:cs typeface="Cambria" panose="02040503050406030204" charset="0"/>
+            </a:endParaRPr>
+          </a:p>
+          <a:p>
+            <a:pPr marL="228600" lvl="0" indent="-228600" algn="l" rtl="0">
+              <a:lnSpc>
+                <a:spcPct val="85000"/>
+              </a:lnSpc>
+              <a:spcBef>
+                <a:spcPts val="0"/>
+              </a:spcBef>
+              <a:spcAft>
+                <a:spcPts val="1600"/>
+              </a:spcAft>
+              <a:buSzPct val="65000"/>
+              <a:buFont typeface="Arial" panose="020B0604020202020204" pitchFamily="34" charset="0"/>
+              <a:buChar char="•"/>
+            </a:pPr>
+            <a:r>
+              <a:rPr sz="1400">
+                <a:latin typeface="Cambria" panose="02040503050406030204" charset="0"/>
+                <a:cs typeface="Cambria" panose="02040503050406030204" charset="0"/>
+              </a:rPr>
+              <a:t>Important Dates:</a:t>
+            </a:r>
+            <a:endParaRPr sz="1400">
+              <a:latin typeface="Cambria" panose="02040503050406030204" charset="0"/>
+              <a:cs typeface="Cambria" panose="02040503050406030204" charset="0"/>
+            </a:endParaRPr>
+          </a:p>
+          <a:p>
+            <a:pPr marL="685800" lvl="1" indent="-228600" algn="l" rtl="0">
+              <a:lnSpc>
+                <a:spcPct val="85000"/>
+              </a:lnSpc>
+              <a:spcBef>
+                <a:spcPts val="0"/>
+              </a:spcBef>
+              <a:spcAft>
+                <a:spcPts val="1600"/>
+              </a:spcAft>
+              <a:buSzPct val="65000"/>
+              <a:buFont typeface="Arial" panose="020B0604020202020204" pitchFamily="34" charset="0"/>
+              <a:buChar char="•"/>
+            </a:pPr>
+            <a:r>
+              <a:rPr sz="1030">
+                <a:latin typeface="Cambria" panose="02040503050406030204" charset="0"/>
+                <a:cs typeface="Cambria" panose="02040503050406030204" charset="0"/>
+              </a:rPr>
+              <a:t>October 1, 2020: Release of the training set </a:t>
+            </a:r>
+            <a:r>
+              <a:rPr lang="en-US" sz="1030">
+                <a:latin typeface="Cambria" panose="02040503050406030204" charset="0"/>
+                <a:cs typeface="Cambria" panose="02040503050406030204" charset="0"/>
+              </a:rPr>
+              <a:t>and validation set.</a:t>
+            </a:r>
+            <a:endParaRPr sz="1030">
+              <a:latin typeface="Cambria" panose="02040503050406030204" charset="0"/>
+              <a:cs typeface="Cambria" panose="02040503050406030204" charset="0"/>
+            </a:endParaRPr>
+          </a:p>
+          <a:p>
+            <a:pPr marL="685800" lvl="1" indent="-228600" algn="l" rtl="0">
+              <a:lnSpc>
+                <a:spcPct val="85000"/>
+              </a:lnSpc>
+              <a:spcBef>
+                <a:spcPts val="0"/>
+              </a:spcBef>
+              <a:spcAft>
+                <a:spcPts val="1600"/>
+              </a:spcAft>
+              <a:buSzPct val="65000"/>
+              <a:buFont typeface="Arial" panose="020B0604020202020204" pitchFamily="34" charset="0"/>
+              <a:buChar char="•"/>
+            </a:pPr>
+            <a:r>
+              <a:rPr sz="1030">
+                <a:latin typeface="Cambria" panose="02040503050406030204" charset="0"/>
+                <a:cs typeface="Cambria" panose="02040503050406030204" charset="0"/>
+              </a:rPr>
+              <a:t>December 1, 2020: Release of the test set</a:t>
+            </a:r>
+            <a:r>
+              <a:rPr lang="en-US" sz="1030">
+                <a:latin typeface="Cambria" panose="02040503050406030204" charset="0"/>
+                <a:cs typeface="Cambria" panose="02040503050406030204" charset="0"/>
+              </a:rPr>
+              <a:t>.</a:t>
+            </a:r>
+            <a:endParaRPr sz="1030">
+              <a:latin typeface="Cambria" panose="02040503050406030204" charset="0"/>
+              <a:cs typeface="Cambria" panose="02040503050406030204" charset="0"/>
+            </a:endParaRPr>
+          </a:p>
+          <a:p>
+            <a:pPr marL="685800" lvl="1" indent="-228600" algn="l" rtl="0">
+              <a:lnSpc>
+                <a:spcPct val="85000"/>
+              </a:lnSpc>
+              <a:spcBef>
+                <a:spcPts val="0"/>
+              </a:spcBef>
+              <a:spcAft>
+                <a:spcPts val="1600"/>
+              </a:spcAft>
+              <a:buSzPct val="65000"/>
+              <a:buFont typeface="Arial" panose="020B0604020202020204" pitchFamily="34" charset="0"/>
+              <a:buChar char="•"/>
+            </a:pPr>
+            <a:r>
+              <a:rPr sz="1030">
+                <a:latin typeface="Cambria" panose="02040503050406030204" charset="0"/>
+                <a:cs typeface="Cambria" panose="02040503050406030204" charset="0"/>
+              </a:rPr>
+              <a:t>December 10, 2020: Deadline for submitting the final results</a:t>
+            </a:r>
+            <a:r>
+              <a:rPr lang="en-US" sz="1030">
+                <a:latin typeface="Cambria" panose="02040503050406030204" charset="0"/>
+                <a:cs typeface="Cambria" panose="02040503050406030204" charset="0"/>
+              </a:rPr>
+              <a:t>.</a:t>
+            </a:r>
+            <a:endParaRPr sz="1030">
+              <a:latin typeface="Cambria" panose="02040503050406030204" charset="0"/>
+              <a:cs typeface="Cambria" panose="02040503050406030204" charset="0"/>
+            </a:endParaRPr>
+          </a:p>
+          <a:p>
+            <a:pPr marL="685800" lvl="1" indent="-228600" algn="l" rtl="0">
+              <a:lnSpc>
+                <a:spcPct val="85000"/>
+              </a:lnSpc>
+              <a:spcBef>
+                <a:spcPts val="0"/>
+              </a:spcBef>
+              <a:spcAft>
+                <a:spcPts val="1600"/>
+              </a:spcAft>
+              <a:buSzPct val="65000"/>
+              <a:buFont typeface="Arial" panose="020B0604020202020204" pitchFamily="34" charset="0"/>
+              <a:buChar char="•"/>
+            </a:pPr>
+            <a:r>
+              <a:rPr sz="1030">
+                <a:latin typeface="Cambria" panose="02040503050406030204" charset="0"/>
+                <a:cs typeface="Cambria" panose="02040503050406030204" charset="0"/>
+              </a:rPr>
+              <a:t>December 12, 2020: Announcement of the results</a:t>
+            </a:r>
+            <a:r>
+              <a:rPr lang="en-US" sz="1030">
+                <a:latin typeface="Cambria" panose="02040503050406030204" charset="0"/>
+                <a:cs typeface="Cambria" panose="02040503050406030204" charset="0"/>
+              </a:rPr>
+              <a:t>.</a:t>
+            </a:r>
+            <a:endParaRPr sz="1030">
+              <a:latin typeface="Cambria" panose="02040503050406030204" charset="0"/>
+              <a:cs typeface="Cambria" panose="02040503050406030204" charset="0"/>
+            </a:endParaRPr>
+          </a:p>
+          <a:p>
+            <a:pPr marL="685800" lvl="1" indent="-228600" algn="l" rtl="0">
+              <a:lnSpc>
+                <a:spcPct val="45000"/>
+              </a:lnSpc>
+              <a:spcBef>
+                <a:spcPts val="0"/>
+              </a:spcBef>
+              <a:spcAft>
+                <a:spcPts val="1600"/>
+              </a:spcAft>
+              <a:buSzPct val="65000"/>
+              <a:buFont typeface="Arial" panose="020B0604020202020204" pitchFamily="34" charset="0"/>
+              <a:buChar char="•"/>
+            </a:pPr>
+            <a:r>
+              <a:rPr sz="1030">
+                <a:latin typeface="Cambria" panose="02040503050406030204" charset="0"/>
+                <a:cs typeface="Cambria" panose="02040503050406030204" charset="0"/>
+              </a:rPr>
+              <a:t>December 30, 2020: System paper submission deadline</a:t>
+            </a:r>
+            <a:r>
+              <a:rPr lang="en-US" sz="1030">
+                <a:latin typeface="Cambria" panose="02040503050406030204" charset="0"/>
+                <a:cs typeface="Cambria" panose="02040503050406030204" charset="0"/>
+              </a:rPr>
+              <a:t>.</a:t>
+            </a:r>
+            <a:endParaRPr lang="en-US" sz="1030">
+              <a:latin typeface="Cambria" panose="02040503050406030204" charset="0"/>
+              <a:cs typeface="Cambria" panose="02040503050406030204" charset="0"/>
+            </a:endParaRPr>
+          </a:p>
+        </p:txBody>
+      </p:sp>
+    </p:spTree>
+  </p:cSld>
+  <p:clrMapOvr>
+    <a:masterClrMapping/>
+  </p:clrMapOvr>
+</p:sld>
+</file>
+
 <file path=ppt/slides/slide3.xml><?xml version="1.0" encoding="utf-8"?>
 <p:sld xmlns:a="http://schemas.openxmlformats.org/drawingml/2006/main" xmlns:r="http://schemas.openxmlformats.org/officeDocument/2006/relationships" xmlns:p="http://schemas.openxmlformats.org/presentationml/2006/main">
   <p:cSld>
@@ -10025,8 +9221,8 @@
         </p:nvSpPr>
         <p:spPr>
           <a:xfrm>
-            <a:off x="311785" y="887095"/>
-            <a:ext cx="8520430" cy="687070"/>
+            <a:off x="165735" y="422910"/>
+            <a:ext cx="8520430" cy="465455"/>
           </a:xfrm>
           <a:prstGeom prst="rect">
             <a:avLst/>
@@ -10038,7 +9234,7 @@
           </a:bodyPr>
           <a:lstStyle/>
           <a:p>
-            <a:pPr marL="0" lvl="0" indent="0" algn="l" rtl="0">
+            <a:pPr marL="0" lvl="0" indent="0" algn="ctr" rtl="0">
               <a:lnSpc>
                 <a:spcPct val="80000"/>
               </a:lnSpc>
@@ -10051,28 +9247,14 @@
               <a:buNone/>
             </a:pPr>
             <a:r>
-              <a:rPr lang="en-US" sz="2400">
-                <a:latin typeface="Cambria" panose="02040503050406030204" charset="0"/>
-                <a:cs typeface="Cambria" panose="02040503050406030204" charset="0"/>
-              </a:rPr>
-              <a:t> Problem Statement</a:t>
-            </a:r>
-            <a:br>
-              <a:rPr lang="en-US"/>
-            </a:br>
-            <a:r>
-              <a:rPr lang="en-US" sz="2000"/>
-              <a:t>	</a:t>
-            </a:r>
-            <a:r>
-              <a:rPr lang="en-US" sz="1400">
+              <a:rPr lang="en-US" sz="1600" b="1">
                 <a:latin typeface="Cambria" panose="02040503050406030204" charset="0"/>
                 <a:cs typeface="Cambria" panose="02040503050406030204" charset="0"/>
                 <a:sym typeface="+mn-ea"/>
               </a:rPr>
               <a:t>Hostile Post Detection in Hindi </a:t>
             </a:r>
-            <a:endParaRPr lang="en-US" sz="1400">
+            <a:endParaRPr lang="en-US" sz="1600" b="1">
               <a:latin typeface="Cambria" panose="02040503050406030204" charset="0"/>
               <a:cs typeface="Cambria" panose="02040503050406030204" charset="0"/>
               <a:sym typeface="+mn-ea"/>
@@ -10090,8 +9272,8 @@
         </p:nvSpPr>
         <p:spPr>
           <a:xfrm>
-            <a:off x="311785" y="1605915"/>
-            <a:ext cx="8520430" cy="3108325"/>
+            <a:off x="311785" y="808990"/>
+            <a:ext cx="8520430" cy="4196715"/>
           </a:xfrm>
           <a:prstGeom prst="rect">
             <a:avLst/>
@@ -10103,71 +9285,10 @@
           </a:bodyPr>
           <a:lstStyle/>
           <a:p>
-            <a:pPr marL="0" lvl="0" indent="0" algn="r" rtl="0">
+            <a:pPr marL="171450" lvl="0" indent="-171450" algn="l" rtl="0">
               <a:lnSpc>
                 <a:spcPct val="105000"/>
               </a:lnSpc>
-              <a:spcBef>
-                <a:spcPts val="0"/>
-              </a:spcBef>
-              <a:spcAft>
-                <a:spcPts val="1600"/>
-              </a:spcAft>
-              <a:buNone/>
-            </a:pPr>
-            <a:r>
-              <a:rPr lang="en-US" sz="1000">
-                <a:sym typeface="+mn-ea"/>
-              </a:rPr>
-              <a:t>Our goal is to label a variety of posts in Hindi Devanagari script collected from Twitter and Facebook. The set of valid categories are fake news, hate speech, offensive, defamation, and non-hostile posts.It is a multi-label multi-class classification </a:t>
-            </a:r>
-            <a:br>
-              <a:rPr lang="en-US" sz="1000">
-                <a:sym typeface="+mn-ea"/>
-              </a:rPr>
-            </a:br>
-            <a:r>
-              <a:rPr lang="en-US" sz="1000">
-                <a:sym typeface="+mn-ea"/>
-              </a:rPr>
-              <a:t>problem where each post can belong to one or more of these hostile classes.However, the </a:t>
-            </a:r>
-            <a:br>
-              <a:rPr lang="en-US" sz="1000">
-                <a:sym typeface="+mn-ea"/>
-              </a:rPr>
-            </a:br>
-            <a:r>
-              <a:rPr lang="en-US" sz="1000">
-                <a:sym typeface="+mn-ea"/>
-              </a:rPr>
-              <a:t>non-hostile posts cannot be grouped with any other class.</a:t>
-            </a:r>
-            <a:endParaRPr lang="en-US" sz="1000"/>
-          </a:p>
-          <a:p>
-            <a:pPr marL="0" lvl="0" indent="0" algn="l" rtl="0">
-              <a:lnSpc>
-                <a:spcPct val="105000"/>
-              </a:lnSpc>
-              <a:spcBef>
-                <a:spcPts val="0"/>
-              </a:spcBef>
-              <a:spcAft>
-                <a:spcPts val="1600"/>
-              </a:spcAft>
-              <a:buNone/>
-            </a:pPr>
-            <a:r>
-              <a:rPr lang="en-US" sz="1000">
-                <a:sym typeface="+mn-ea"/>
-              </a:rPr>
-              <a:t>Definitions of the class labels:</a:t>
-            </a:r>
-            <a:endParaRPr lang="en-US" sz="1000"/>
-          </a:p>
-          <a:p>
-            <a:pPr marL="1143000" lvl="1" indent="-228600" algn="l" rtl="0">
               <a:spcBef>
                 <a:spcPts val="0"/>
               </a:spcBef>
@@ -10179,15 +9300,24 @@
               <a:buChar char="•"/>
             </a:pPr>
             <a:r>
-              <a:rPr lang="en-US" sz="800">
+              <a:rPr lang="en-US" sz="1400">
+                <a:latin typeface="Cambria" panose="02040503050406030204" charset="0"/>
+                <a:cs typeface="Cambria" panose="02040503050406030204" charset="0"/>
                 <a:sym typeface="+mn-ea"/>
               </a:rPr>
-              <a:t>Fake News: A claim or information that is verified to be not true.</a:t>
+              <a:t>Our goal is to label a variety of posts in Hindi Devanagari script collected from Twitter and Facebook. </a:t>
             </a:r>
-            <a:endParaRPr lang="en-US" sz="800"/>
+            <a:endParaRPr lang="en-US" sz="1400">
+              <a:latin typeface="Cambria" panose="02040503050406030204" charset="0"/>
+              <a:cs typeface="Cambria" panose="02040503050406030204" charset="0"/>
+              <a:sym typeface="+mn-ea"/>
+            </a:endParaRPr>
           </a:p>
           <a:p>
-            <a:pPr marL="1143000" lvl="1" indent="-228600" algn="l" rtl="0">
+            <a:pPr marL="171450" lvl="0" indent="-171450" algn="l" rtl="0">
+              <a:lnSpc>
+                <a:spcPct val="105000"/>
+              </a:lnSpc>
               <a:spcBef>
                 <a:spcPts val="0"/>
               </a:spcBef>
@@ -10199,15 +9329,24 @@
               <a:buChar char="•"/>
             </a:pPr>
             <a:r>
-              <a:rPr lang="en-US" sz="800">
+              <a:rPr lang="en-US" sz="1400">
+                <a:latin typeface="Cambria" panose="02040503050406030204" charset="0"/>
+                <a:cs typeface="Cambria" panose="02040503050406030204" charset="0"/>
                 <a:sym typeface="+mn-ea"/>
               </a:rPr>
-              <a:t>Hate Speech: A post targeting a specific group of people based on their ethnicity, religious beliefs, geographical belonging, race, etc., with malicious intentions of spreading hate or encouraging violence.</a:t>
+              <a:t>The set of valid categories are fake news, hate speech, offensive, defamation, and non-hostile posts.</a:t>
             </a:r>
-            <a:endParaRPr lang="en-US" sz="800"/>
+            <a:endParaRPr lang="en-US" sz="1400">
+              <a:latin typeface="Cambria" panose="02040503050406030204" charset="0"/>
+              <a:cs typeface="Cambria" panose="02040503050406030204" charset="0"/>
+              <a:sym typeface="+mn-ea"/>
+            </a:endParaRPr>
           </a:p>
           <a:p>
-            <a:pPr marL="1143000" lvl="1" indent="-228600" algn="l" rtl="0">
+            <a:pPr marL="171450" lvl="0" indent="-171450" algn="l" rtl="0">
+              <a:lnSpc>
+                <a:spcPct val="105000"/>
+              </a:lnSpc>
               <a:spcBef>
                 <a:spcPts val="0"/>
               </a:spcBef>
@@ -10219,15 +9358,49 @@
               <a:buChar char="•"/>
             </a:pPr>
             <a:r>
-              <a:rPr lang="en-US" sz="800">
+              <a:rPr lang="en-US" sz="1400">
+                <a:latin typeface="Cambria" panose="02040503050406030204" charset="0"/>
+                <a:cs typeface="Cambria" panose="02040503050406030204" charset="0"/>
                 <a:sym typeface="+mn-ea"/>
               </a:rPr>
-              <a:t>Offensive: A post containing profanity, impolite, rude, or vulgar language to insult a targeted individual or group.</a:t>
+              <a:t>It is a multi-label multi-class classification problem where each post can belong to one or more of these hostile classes but the non-hostile posts cannot be grouped with any other class.</a:t>
             </a:r>
-            <a:endParaRPr lang="en-US" sz="800"/>
+            <a:endParaRPr lang="en-US" sz="1400">
+              <a:latin typeface="Cambria" panose="02040503050406030204" charset="0"/>
+              <a:cs typeface="Cambria" panose="02040503050406030204" charset="0"/>
+            </a:endParaRPr>
           </a:p>
           <a:p>
-            <a:pPr marL="1143000" lvl="1" indent="-228600" algn="l" rtl="0">
+            <a:pPr marL="171450" lvl="0" indent="-171450" algn="l" rtl="0">
+              <a:lnSpc>
+                <a:spcPct val="105000"/>
+              </a:lnSpc>
+              <a:spcBef>
+                <a:spcPts val="0"/>
+              </a:spcBef>
+              <a:spcAft>
+                <a:spcPts val="1600"/>
+              </a:spcAft>
+              <a:buNone/>
+            </a:pPr>
+            <a:r>
+              <a:rPr lang="en-US" sz="1400">
+                <a:latin typeface="Cambria" panose="02040503050406030204" charset="0"/>
+                <a:cs typeface="Cambria" panose="02040503050406030204" charset="0"/>
+                <a:sym typeface="+mn-ea"/>
+              </a:rPr>
+              <a:t>Definitions of the class labels:</a:t>
+            </a:r>
+            <a:endParaRPr lang="en-US" sz="1400">
+              <a:latin typeface="Cambria" panose="02040503050406030204" charset="0"/>
+              <a:cs typeface="Cambria" panose="02040503050406030204" charset="0"/>
+            </a:endParaRPr>
+          </a:p>
+          <a:p>
+            <a:pPr marL="685800" lvl="0" indent="-228600" algn="l" rtl="0">
+              <a:lnSpc>
+                <a:spcPct val="85000"/>
+              </a:lnSpc>
               <a:spcBef>
                 <a:spcPts val="0"/>
               </a:spcBef>
@@ -10239,15 +9412,31 @@
               <a:buChar char="•"/>
             </a:pPr>
             <a:r>
-              <a:rPr lang="en-US" sz="800">
+              <a:rPr lang="en-US" sz="1200" b="1">
+                <a:latin typeface="Cambria" panose="02040503050406030204" charset="0"/>
+                <a:cs typeface="Cambria" panose="02040503050406030204" charset="0"/>
                 <a:sym typeface="+mn-ea"/>
               </a:rPr>
-              <a:t>Defamation: A mis-information regarding an individual or group.</a:t>
+              <a:t>Fake News</a:t>
             </a:r>
-            <a:endParaRPr lang="en-US" sz="800"/>
+            <a:r>
+              <a:rPr lang="en-US" sz="1200">
+                <a:latin typeface="Cambria" panose="02040503050406030204" charset="0"/>
+                <a:cs typeface="Cambria" panose="02040503050406030204" charset="0"/>
+                <a:sym typeface="+mn-ea"/>
+              </a:rPr>
+              <a:t>: A claim or information that is verified to be not true.</a:t>
+            </a:r>
+            <a:endParaRPr lang="en-US" sz="1200">
+              <a:latin typeface="Cambria" panose="02040503050406030204" charset="0"/>
+              <a:cs typeface="Cambria" panose="02040503050406030204" charset="0"/>
+            </a:endParaRPr>
           </a:p>
           <a:p>
-            <a:pPr marL="1143000" lvl="1" indent="-228600" algn="l" rtl="0">
+            <a:pPr marL="685800" lvl="0" indent="-228600" algn="l" rtl="0">
+              <a:lnSpc>
+                <a:spcPct val="85000"/>
+              </a:lnSpc>
               <a:spcBef>
                 <a:spcPts val="0"/>
               </a:spcBef>
@@ -10259,12 +9448,149 @@
               <a:buChar char="•"/>
             </a:pPr>
             <a:r>
-              <a:rPr lang="en-US" sz="800">
+              <a:rPr lang="en-US" sz="1200" b="1">
+                <a:latin typeface="Cambria" panose="02040503050406030204" charset="0"/>
+                <a:cs typeface="Cambria" panose="02040503050406030204" charset="0"/>
                 <a:sym typeface="+mn-ea"/>
               </a:rPr>
-              <a:t>Non-hostile: A post without any hostility.</a:t>
+              <a:t>Hate Speech</a:t>
             </a:r>
-            <a:endParaRPr lang="en-US" sz="800"/>
+            <a:r>
+              <a:rPr lang="en-US" sz="1200">
+                <a:latin typeface="Cambria" panose="02040503050406030204" charset="0"/>
+                <a:cs typeface="Cambria" panose="02040503050406030204" charset="0"/>
+                <a:sym typeface="+mn-ea"/>
+              </a:rPr>
+              <a:t>: A post targeting a specific group of people based on their ethnicity, religious beliefs, geographical belonging, race, etc., with malicious intentions of spreading hate or encouraging violence.</a:t>
+            </a:r>
+            <a:endParaRPr lang="en-US" sz="1200">
+              <a:latin typeface="Cambria" panose="02040503050406030204" charset="0"/>
+              <a:cs typeface="Cambria" panose="02040503050406030204" charset="0"/>
+            </a:endParaRPr>
+          </a:p>
+          <a:p>
+            <a:pPr marL="685800" lvl="0" indent="-228600" algn="l" rtl="0">
+              <a:lnSpc>
+                <a:spcPct val="85000"/>
+              </a:lnSpc>
+              <a:spcBef>
+                <a:spcPts val="0"/>
+              </a:spcBef>
+              <a:spcAft>
+                <a:spcPts val="1600"/>
+              </a:spcAft>
+              <a:buSzPct val="45000"/>
+              <a:buFont typeface="Arial" panose="020B0604020202020204" pitchFamily="34" charset="0"/>
+              <a:buChar char="•"/>
+            </a:pPr>
+            <a:r>
+              <a:rPr lang="en-US" sz="1200" b="1">
+                <a:latin typeface="Cambria" panose="02040503050406030204" charset="0"/>
+                <a:cs typeface="Cambria" panose="02040503050406030204" charset="0"/>
+                <a:sym typeface="+mn-ea"/>
+              </a:rPr>
+              <a:t>Offensive</a:t>
+            </a:r>
+            <a:r>
+              <a:rPr lang="en-US" sz="1200">
+                <a:latin typeface="Cambria" panose="02040503050406030204" charset="0"/>
+                <a:cs typeface="Cambria" panose="02040503050406030204" charset="0"/>
+                <a:sym typeface="+mn-ea"/>
+              </a:rPr>
+              <a:t>: A post containing profanity, impolite, rude, or vulgar language to insult a targeted individual or group.</a:t>
+            </a:r>
+            <a:endParaRPr lang="en-US" sz="1200">
+              <a:latin typeface="Cambria" panose="02040503050406030204" charset="0"/>
+              <a:cs typeface="Cambria" panose="02040503050406030204" charset="0"/>
+            </a:endParaRPr>
+          </a:p>
+          <a:p>
+            <a:pPr marL="685800" lvl="0" indent="-228600" algn="l" rtl="0">
+              <a:lnSpc>
+                <a:spcPct val="85000"/>
+              </a:lnSpc>
+              <a:spcBef>
+                <a:spcPts val="0"/>
+              </a:spcBef>
+              <a:spcAft>
+                <a:spcPts val="1600"/>
+              </a:spcAft>
+              <a:buSzPct val="45000"/>
+              <a:buFont typeface="Arial" panose="020B0604020202020204" pitchFamily="34" charset="0"/>
+              <a:buChar char="•"/>
+            </a:pPr>
+            <a:r>
+              <a:rPr lang="en-US" sz="1200" b="1">
+                <a:latin typeface="Cambria" panose="02040503050406030204" charset="0"/>
+                <a:cs typeface="Cambria" panose="02040503050406030204" charset="0"/>
+                <a:sym typeface="+mn-ea"/>
+              </a:rPr>
+              <a:t>Defamation</a:t>
+            </a:r>
+            <a:r>
+              <a:rPr lang="en-US" sz="1200">
+                <a:latin typeface="Cambria" panose="02040503050406030204" charset="0"/>
+                <a:cs typeface="Cambria" panose="02040503050406030204" charset="0"/>
+                <a:sym typeface="+mn-ea"/>
+              </a:rPr>
+              <a:t>: A mis-information regarding an individual or group.</a:t>
+            </a:r>
+            <a:endParaRPr lang="en-US" sz="1200">
+              <a:latin typeface="Cambria" panose="02040503050406030204" charset="0"/>
+              <a:cs typeface="Cambria" panose="02040503050406030204" charset="0"/>
+            </a:endParaRPr>
+          </a:p>
+          <a:p>
+            <a:pPr marL="685800" lvl="0" indent="-228600" algn="l" rtl="0">
+              <a:lnSpc>
+                <a:spcPct val="85000"/>
+              </a:lnSpc>
+              <a:spcBef>
+                <a:spcPts val="0"/>
+              </a:spcBef>
+              <a:spcAft>
+                <a:spcPts val="1600"/>
+              </a:spcAft>
+              <a:buSzPct val="45000"/>
+              <a:buFont typeface="Arial" panose="020B0604020202020204" pitchFamily="34" charset="0"/>
+              <a:buChar char="•"/>
+            </a:pPr>
+            <a:r>
+              <a:rPr lang="en-US" sz="1200" b="1">
+                <a:latin typeface="Cambria" panose="02040503050406030204" charset="0"/>
+                <a:cs typeface="Cambria" panose="02040503050406030204" charset="0"/>
+                <a:sym typeface="+mn-ea"/>
+              </a:rPr>
+              <a:t>Non</a:t>
+            </a:r>
+            <a:r>
+              <a:rPr lang="en-US" sz="1200">
+                <a:latin typeface="Cambria" panose="02040503050406030204" charset="0"/>
+                <a:cs typeface="Cambria" panose="02040503050406030204" charset="0"/>
+                <a:sym typeface="+mn-ea"/>
+              </a:rPr>
+              <a:t>-</a:t>
+            </a:r>
+            <a:r>
+              <a:rPr lang="en-US" sz="1200" b="1">
+                <a:latin typeface="Cambria" panose="02040503050406030204" charset="0"/>
+                <a:cs typeface="Cambria" panose="02040503050406030204" charset="0"/>
+                <a:sym typeface="+mn-ea"/>
+              </a:rPr>
+              <a:t>hostile</a:t>
+            </a:r>
+            <a:r>
+              <a:rPr lang="en-US" sz="1200">
+                <a:latin typeface="Cambria" panose="02040503050406030204" charset="0"/>
+                <a:cs typeface="Cambria" panose="02040503050406030204" charset="0"/>
+                <a:sym typeface="+mn-ea"/>
+              </a:rPr>
+              <a:t>: A post without any hostility.</a:t>
+            </a:r>
+            <a:endParaRPr lang="en-US" sz="1200">
+              <a:latin typeface="Cambria" panose="02040503050406030204" charset="0"/>
+              <a:cs typeface="Cambria" panose="02040503050406030204" charset="0"/>
+            </a:endParaRPr>
           </a:p>
           <a:p>
             <a:pPr marL="228600" lvl="0" indent="-228600" algn="l" rtl="0">
@@ -10276,7 +9602,10 @@
               </a:spcAft>
               <a:buNone/>
             </a:pPr>
-            <a:endParaRPr lang="en-US" sz="800"/>
+            <a:endParaRPr lang="en-US" sz="1200">
+              <a:latin typeface="Cambria" panose="02040503050406030204" charset="0"/>
+              <a:cs typeface="Cambria" panose="02040503050406030204" charset="0"/>
+            </a:endParaRPr>
           </a:p>
         </p:txBody>
       </p:sp>
@@ -10335,7 +9664,7 @@
         </p:blipFill>
         <p:spPr>
           <a:xfrm>
-            <a:off x="1127125" y="1015365"/>
+            <a:off x="1127125" y="1009015"/>
             <a:ext cx="6875145" cy="3107690"/>
           </a:xfrm>
           <a:prstGeom prst="rect">
@@ -10395,8 +9724,8 @@
         </p:blipFill>
         <p:spPr>
           <a:xfrm>
-            <a:off x="1833245" y="298450"/>
-            <a:ext cx="5537835" cy="4107815"/>
+            <a:off x="4210685" y="165100"/>
+            <a:ext cx="4705985" cy="4184650"/>
           </a:xfrm>
           <a:prstGeom prst="rect">
             <a:avLst/>
@@ -10413,8 +9742,8 @@
         </p:nvSpPr>
         <p:spPr>
           <a:xfrm>
-            <a:off x="383455" y="4472195"/>
-            <a:ext cx="8520600" cy="613200"/>
+            <a:off x="311785" y="4229100"/>
+            <a:ext cx="8520430" cy="744855"/>
           </a:xfrm>
           <a:prstGeom prst="rect">
             <a:avLst/>
@@ -10435,10 +9764,35 @@
               <a:buNone/>
             </a:pPr>
             <a:r>
-              <a:rPr lang="en-US" sz="1400">
+              <a:rPr sz="1400">
+                <a:latin typeface="Cambria" panose="02040503050406030204" charset="0"/>
+                <a:cs typeface="Cambria" panose="02040503050406030204" charset="0"/>
                 <a:sym typeface="+mn-ea"/>
               </a:rPr>
-              <a:t>	            </a:t>
+              <a:t>.</a:t>
+            </a:r>
+            <a:r>
+              <a:rPr lang="en-US" sz="1400">
+                <a:latin typeface="Cambria" panose="02040503050406030204" charset="0"/>
+                <a:cs typeface="Cambria" panose="02040503050406030204" charset="0"/>
+                <a:sym typeface="+mn-ea"/>
+              </a:rPr>
+              <a:t>	          </a:t>
+            </a:r>
+            <a:br>
+              <a:rPr lang="en-US" sz="1400">
+                <a:latin typeface="Cambria" panose="02040503050406030204" charset="0"/>
+                <a:cs typeface="Cambria" panose="02040503050406030204" charset="0"/>
+                <a:sym typeface="+mn-ea"/>
+              </a:rPr>
+            </a:br>
+            <a:r>
+              <a:rPr lang="en-US" sz="1400">
+                <a:latin typeface="Cambria" panose="02040503050406030204" charset="0"/>
+                <a:cs typeface="Cambria" panose="02040503050406030204" charset="0"/>
+                <a:sym typeface="+mn-ea"/>
+              </a:rPr>
+              <a:t>                                    </a:t>
             </a:r>
             <a:r>
               <a:rPr sz="1400">
@@ -10480,6 +9834,232 @@
           </a:p>
         </p:txBody>
       </p:sp>
+      <p:sp>
+        <p:nvSpPr>
+          <p:cNvPr id="2" name="Text Box 1"/>
+          <p:cNvSpPr txBox="1"/>
+          <p:nvPr/>
+        </p:nvSpPr>
+        <p:spPr>
+          <a:xfrm>
+            <a:off x="608330" y="165100"/>
+            <a:ext cx="2867660" cy="4246245"/>
+          </a:xfrm>
+          <a:prstGeom prst="rect">
+            <a:avLst/>
+          </a:prstGeom>
+          <a:noFill/>
+        </p:spPr>
+        <p:txBody>
+          <a:bodyPr wrap="square" rtlCol="0">
+            <a:spAutoFit/>
+          </a:bodyPr>
+          <a:p>
+            <a:endParaRPr lang="en-US" sz="1800" b="1">
+              <a:latin typeface="Cambria" panose="02040503050406030204" charset="0"/>
+              <a:cs typeface="Cambria" panose="02040503050406030204" charset="0"/>
+            </a:endParaRPr>
+          </a:p>
+          <a:p>
+            <a:endParaRPr lang="en-US" sz="1800" b="1">
+              <a:latin typeface="Cambria" panose="02040503050406030204" charset="0"/>
+              <a:cs typeface="Cambria" panose="02040503050406030204" charset="0"/>
+            </a:endParaRPr>
+          </a:p>
+          <a:p>
+            <a:pPr algn="ctr"/>
+            <a:r>
+              <a:rPr lang="en-US" sz="2000" b="1">
+                <a:latin typeface="Cambria" panose="02040503050406030204" charset="0"/>
+                <a:cs typeface="Cambria" panose="02040503050406030204" charset="0"/>
+              </a:rPr>
+              <a:t>Data Set Description</a:t>
+            </a:r>
+            <a:endParaRPr lang="en-US" sz="2000" b="1">
+              <a:latin typeface="Cambria" panose="02040503050406030204" charset="0"/>
+              <a:cs typeface="Cambria" panose="02040503050406030204" charset="0"/>
+            </a:endParaRPr>
+          </a:p>
+          <a:p>
+            <a:endParaRPr lang="en-US" sz="1800" b="1">
+              <a:latin typeface="Cambria" panose="02040503050406030204" charset="0"/>
+              <a:cs typeface="Cambria" panose="02040503050406030204" charset="0"/>
+            </a:endParaRPr>
+          </a:p>
+          <a:p>
+            <a:pPr marL="342900" lvl="2" indent="-342900">
+              <a:buFont typeface="Arial" panose="020B0604020202020204" pitchFamily="34" charset="0"/>
+              <a:buChar char="•"/>
+            </a:pPr>
+            <a:r>
+              <a:rPr lang="en-US">
+                <a:latin typeface="Cambria" panose="02040503050406030204" charset="0"/>
+                <a:cs typeface="Cambria" panose="02040503050406030204" charset="0"/>
+              </a:rPr>
+              <a:t>Unique ID</a:t>
+            </a:r>
+            <a:endParaRPr lang="en-US">
+              <a:latin typeface="Cambria" panose="02040503050406030204" charset="0"/>
+              <a:cs typeface="Cambria" panose="02040503050406030204" charset="0"/>
+            </a:endParaRPr>
+          </a:p>
+          <a:p>
+            <a:pPr marL="342900" lvl="2" indent="-342900">
+              <a:buFont typeface="Arial" panose="020B0604020202020204" pitchFamily="34" charset="0"/>
+              <a:buChar char="•"/>
+            </a:pPr>
+            <a:r>
+              <a:rPr lang="en-US">
+                <a:latin typeface="Cambria" panose="02040503050406030204" charset="0"/>
+                <a:cs typeface="Cambria" panose="02040503050406030204" charset="0"/>
+              </a:rPr>
+              <a:t>Post </a:t>
+            </a:r>
+            <a:endParaRPr lang="en-US">
+              <a:latin typeface="Cambria" panose="02040503050406030204" charset="0"/>
+              <a:cs typeface="Cambria" panose="02040503050406030204" charset="0"/>
+            </a:endParaRPr>
+          </a:p>
+          <a:p>
+            <a:pPr marL="342900" lvl="2" indent="-342900">
+              <a:buFont typeface="Arial" panose="020B0604020202020204" pitchFamily="34" charset="0"/>
+              <a:buChar char="•"/>
+            </a:pPr>
+            <a:r>
+              <a:rPr lang="en-US">
+                <a:latin typeface="Cambria" panose="02040503050406030204" charset="0"/>
+                <a:cs typeface="Cambria" panose="02040503050406030204" charset="0"/>
+              </a:rPr>
+              <a:t>Labels Set</a:t>
+            </a:r>
+            <a:endParaRPr lang="en-US">
+              <a:latin typeface="Cambria" panose="02040503050406030204" charset="0"/>
+              <a:cs typeface="Cambria" panose="02040503050406030204" charset="0"/>
+            </a:endParaRPr>
+          </a:p>
+          <a:p>
+            <a:pPr marL="342900" lvl="2" indent="-342900"/>
+            <a:endParaRPr lang="en-US">
+              <a:latin typeface="Cambria" panose="02040503050406030204" charset="0"/>
+              <a:cs typeface="Cambria" panose="02040503050406030204" charset="0"/>
+            </a:endParaRPr>
+          </a:p>
+          <a:p>
+            <a:pPr lvl="2"/>
+            <a:r>
+              <a:rPr lang="en-US">
+                <a:latin typeface="Cambria" panose="02040503050406030204" charset="0"/>
+                <a:cs typeface="Cambria" panose="02040503050406030204" charset="0"/>
+              </a:rPr>
+              <a:t>Constituents of Post:</a:t>
+            </a:r>
+            <a:endParaRPr lang="en-US">
+              <a:latin typeface="Cambria" panose="02040503050406030204" charset="0"/>
+              <a:cs typeface="Cambria" panose="02040503050406030204" charset="0"/>
+            </a:endParaRPr>
+          </a:p>
+          <a:p>
+            <a:pPr marL="285750" lvl="2" indent="-285750">
+              <a:buFont typeface="Arial" panose="020B0604020202020204" pitchFamily="34" charset="0"/>
+              <a:buChar char="•"/>
+            </a:pPr>
+            <a:r>
+              <a:rPr lang="en-US">
+                <a:latin typeface="Cambria" panose="02040503050406030204" charset="0"/>
+                <a:cs typeface="Cambria" panose="02040503050406030204" charset="0"/>
+              </a:rPr>
+              <a:t>Links </a:t>
+            </a:r>
+            <a:endParaRPr lang="en-US">
+              <a:latin typeface="Cambria" panose="02040503050406030204" charset="0"/>
+              <a:cs typeface="Cambria" panose="02040503050406030204" charset="0"/>
+            </a:endParaRPr>
+          </a:p>
+          <a:p>
+            <a:pPr marL="285750" lvl="2" indent="-285750">
+              <a:buFont typeface="Arial" panose="020B0604020202020204" pitchFamily="34" charset="0"/>
+              <a:buChar char="•"/>
+            </a:pPr>
+            <a:r>
+              <a:rPr lang="en-US">
+                <a:latin typeface="Cambria" panose="02040503050406030204" charset="0"/>
+                <a:cs typeface="Cambria" panose="02040503050406030204" charset="0"/>
+              </a:rPr>
+              <a:t>Special Characters - (@,/,:,#)</a:t>
+            </a:r>
+            <a:endParaRPr lang="en-US">
+              <a:latin typeface="Cambria" panose="02040503050406030204" charset="0"/>
+              <a:cs typeface="Cambria" panose="02040503050406030204" charset="0"/>
+            </a:endParaRPr>
+          </a:p>
+          <a:p>
+            <a:pPr marL="285750" lvl="2" indent="-285750">
+              <a:buFont typeface="Arial" panose="020B0604020202020204" pitchFamily="34" charset="0"/>
+              <a:buChar char="•"/>
+            </a:pPr>
+            <a:r>
+              <a:rPr lang="en-US">
+                <a:latin typeface="Cambria" panose="02040503050406030204" charset="0"/>
+                <a:cs typeface="Cambria" panose="02040503050406030204" charset="0"/>
+              </a:rPr>
+              <a:t>Alpha numerical</a:t>
+            </a:r>
+            <a:endParaRPr lang="en-US">
+              <a:latin typeface="Cambria" panose="02040503050406030204" charset="0"/>
+              <a:cs typeface="Cambria" panose="02040503050406030204" charset="0"/>
+            </a:endParaRPr>
+          </a:p>
+          <a:p>
+            <a:pPr marL="285750" lvl="2" indent="-285750">
+              <a:buFont typeface="Arial" panose="020B0604020202020204" pitchFamily="34" charset="0"/>
+              <a:buChar char="•"/>
+            </a:pPr>
+            <a:r>
+              <a:rPr lang="en-US">
+                <a:latin typeface="Cambria" panose="02040503050406030204" charset="0"/>
+                <a:cs typeface="Cambria" panose="02040503050406030204" charset="0"/>
+              </a:rPr>
+              <a:t>Emoji</a:t>
+            </a:r>
+            <a:br>
+              <a:rPr lang="en-US">
+                <a:latin typeface="Cambria" panose="02040503050406030204" charset="0"/>
+                <a:cs typeface="Cambria" panose="02040503050406030204" charset="0"/>
+              </a:rPr>
+            </a:br>
+            <a:br>
+              <a:rPr lang="en-US">
+                <a:latin typeface="Cambria" panose="02040503050406030204" charset="0"/>
+                <a:cs typeface="Cambria" panose="02040503050406030204" charset="0"/>
+              </a:rPr>
+            </a:br>
+            <a:br>
+              <a:rPr lang="en-US">
+                <a:latin typeface="Cambria" panose="02040503050406030204" charset="0"/>
+                <a:cs typeface="Cambria" panose="02040503050406030204" charset="0"/>
+              </a:rPr>
+            </a:br>
+            <a:endParaRPr lang="en-US">
+              <a:latin typeface="Cambria" panose="02040503050406030204" charset="0"/>
+              <a:cs typeface="Cambria" panose="02040503050406030204" charset="0"/>
+            </a:endParaRPr>
+          </a:p>
+          <a:p>
+            <a:pPr lvl="2"/>
+            <a:endParaRPr lang="en-US">
+              <a:latin typeface="Cambria" panose="02040503050406030204" charset="0"/>
+              <a:cs typeface="Cambria" panose="02040503050406030204" charset="0"/>
+            </a:endParaRPr>
+          </a:p>
+          <a:p>
+            <a:pPr lvl="2"/>
+            <a:endParaRPr lang="en-US">
+              <a:latin typeface="Cambria" panose="02040503050406030204" charset="0"/>
+              <a:cs typeface="Cambria" panose="02040503050406030204" charset="0"/>
+            </a:endParaRPr>
+          </a:p>
+        </p:txBody>
+      </p:sp>
     </p:spTree>
   </p:cSld>
   <p:clrMapOvr>
@@ -10493,7 +10073,7 @@
   <p:cSld>
     <p:spTree>
       <p:nvGrpSpPr>
-        <p:cNvPr id="82" name="Shape 82"/>
+        <p:cNvPr id="106" name="Shape 106"/>
         <p:cNvGrpSpPr/>
         <p:nvPr/>
       </p:nvGrpSpPr>
@@ -10507,7 +10087,7 @@
       </p:grpSpPr>
       <p:sp>
         <p:nvSpPr>
-          <p:cNvPr id="83" name="Google Shape;83;p17"/>
+          <p:cNvPr id="107" name="Google Shape;107;p21"/>
           <p:cNvSpPr txBox="1"/>
           <p:nvPr>
             <p:ph type="title"/>
@@ -10537,12 +10117,17 @@
               </a:spcAft>
               <a:buNone/>
             </a:pPr>
+            <a:r>
+              <a:rPr lang="en-US"/>
+              <a:t>Understanding of Data</a:t>
+            </a:r>
+            <a:endParaRPr lang="en-US"/>
           </a:p>
         </p:txBody>
       </p:sp>
       <p:sp>
         <p:nvSpPr>
-          <p:cNvPr id="84" name="Google Shape;84;p17"/>
+          <p:cNvPr id="108" name="Google Shape;108;p21"/>
           <p:cNvSpPr txBox="1"/>
           <p:nvPr>
             <p:ph type="body" idx="1"/>
@@ -10572,6 +10157,160 @@
               </a:spcAft>
               <a:buNone/>
             </a:pPr>
+            <a:r>
+              <a:rPr lang="en-US"/>
+              <a:t>Training Dataset : </a:t>
+            </a:r>
+            <a:r>
+              <a:rPr lang="en-US" sz="1200"/>
+              <a:t>Constraint_Hindi_Train.xlsx</a:t>
+            </a:r>
+            <a:br>
+              <a:rPr lang="en-US"/>
+            </a:br>
+            <a:r>
+              <a:rPr lang="en-US"/>
+              <a:t>	</a:t>
+            </a:r>
+            <a:r>
+              <a:rPr lang="en-US" sz="1200"/>
+              <a:t>Size	          : 5728 x 3</a:t>
+            </a:r>
+            <a:br>
+              <a:rPr lang="en-US" sz="1200"/>
+            </a:br>
+            <a:r>
+              <a:rPr lang="en-US" sz="1200"/>
+              <a:t>	List Attributes         : Unique Id,Post,Label Set</a:t>
+            </a:r>
+            <a:br>
+              <a:rPr lang="en-US" sz="1200"/>
+            </a:br>
+            <a:r>
+              <a:rPr lang="en-US" sz="1200"/>
+              <a:t>	</a:t>
+            </a:r>
+            <a:r>
+              <a:rPr lang="en-US" sz="1200">
+                <a:latin typeface="Cambria" panose="02040503050406030204" charset="0"/>
+                <a:cs typeface="Cambria" panose="02040503050406030204" charset="0"/>
+                <a:sym typeface="+mn-ea"/>
+              </a:rPr>
+              <a:t>Constituents of Post  : Links ,Special Characters (@,/,:,#),Alpha numerical,Emoji.</a:t>
+            </a:r>
+            <a:br>
+              <a:rPr lang="en-US" sz="1200">
+                <a:latin typeface="Cambria" panose="02040503050406030204" charset="0"/>
+                <a:cs typeface="Cambria" panose="02040503050406030204" charset="0"/>
+                <a:sym typeface="+mn-ea"/>
+              </a:rPr>
+            </a:br>
+            <a:r>
+              <a:rPr lang="en-US" sz="1200">
+                <a:latin typeface="Cambria" panose="02040503050406030204" charset="0"/>
+                <a:cs typeface="Cambria" panose="02040503050406030204" charset="0"/>
+                <a:sym typeface="+mn-ea"/>
+              </a:rPr>
+              <a:t>	Format	              : Excel</a:t>
+            </a:r>
+            <a:br>
+              <a:rPr lang="en-US">
+                <a:latin typeface="Cambria" panose="02040503050406030204" charset="0"/>
+                <a:cs typeface="Cambria" panose="02040503050406030204" charset="0"/>
+                <a:sym typeface="+mn-ea"/>
+              </a:rPr>
+            </a:br>
+            <a:r>
+              <a:rPr lang="en-US"/>
+              <a:t>	</a:t>
+            </a:r>
+            <a:br>
+              <a:rPr lang="en-US"/>
+            </a:br>
+            <a:r>
+              <a:rPr lang="en-US"/>
+              <a:t>Validation Dataset: </a:t>
+            </a:r>
+            <a:r>
+              <a:rPr lang="en-US" sz="1200">
+                <a:sym typeface="+mn-ea"/>
+              </a:rPr>
+              <a:t>Constraint_Hindi_Train.xlsx</a:t>
+            </a:r>
+            <a:br>
+              <a:rPr lang="en-US" sz="1200">
+                <a:sym typeface="+mn-ea"/>
+              </a:rPr>
+            </a:br>
+            <a:r>
+              <a:rPr lang="en-US" sz="1200">
+                <a:sym typeface="+mn-ea"/>
+              </a:rPr>
+              <a:t> </a:t>
+            </a:r>
+            <a:r>
+              <a:rPr lang="en-US" sz="1400"/>
+              <a:t>	</a:t>
+            </a:r>
+            <a:r>
+              <a:rPr lang="en-US" sz="1200"/>
+              <a:t>Size	        : 811 x 3</a:t>
+            </a:r>
+            <a:br>
+              <a:rPr lang="en-US" sz="1200"/>
+            </a:br>
+            <a:r>
+              <a:rPr lang="en-US" sz="1200"/>
+              <a:t>	</a:t>
+            </a:r>
+            <a:r>
+              <a:rPr lang="en-US" sz="1200">
+                <a:sym typeface="+mn-ea"/>
+              </a:rPr>
+              <a:t>List Attributes         : Unique Id,Post,Label Set</a:t>
+            </a:r>
+            <a:br>
+              <a:rPr lang="en-US" sz="1200">
+                <a:sym typeface="+mn-ea"/>
+              </a:rPr>
+            </a:br>
+            <a:r>
+              <a:rPr lang="en-US" sz="1200">
+                <a:sym typeface="+mn-ea"/>
+              </a:rPr>
+              <a:t>	</a:t>
+            </a:r>
+            <a:r>
+              <a:rPr lang="en-US" sz="1200">
+                <a:latin typeface="Cambria" panose="02040503050406030204" charset="0"/>
+                <a:cs typeface="Cambria" panose="02040503050406030204" charset="0"/>
+                <a:sym typeface="+mn-ea"/>
+              </a:rPr>
+              <a:t>Constituents of Post  : Links ,Special Characters (@,/,:,#),Alpha numerical,Emoji.</a:t>
+            </a:r>
+            <a:br>
+              <a:rPr lang="en-US" sz="1200">
+                <a:latin typeface="Cambria" panose="02040503050406030204" charset="0"/>
+                <a:cs typeface="Cambria" panose="02040503050406030204" charset="0"/>
+                <a:sym typeface="+mn-ea"/>
+              </a:rPr>
+            </a:br>
+            <a:r>
+              <a:rPr lang="en-US" sz="1200">
+                <a:latin typeface="Cambria" panose="02040503050406030204" charset="0"/>
+                <a:cs typeface="Cambria" panose="02040503050406030204" charset="0"/>
+                <a:sym typeface="+mn-ea"/>
+              </a:rPr>
+              <a:t>	Format	              : Excel</a:t>
+            </a:r>
+            <a:br>
+              <a:rPr lang="en-US" sz="1200">
+                <a:latin typeface="Cambria" panose="02040503050406030204" charset="0"/>
+                <a:cs typeface="Cambria" panose="02040503050406030204" charset="0"/>
+                <a:sym typeface="+mn-ea"/>
+              </a:rPr>
+            </a:br>
+            <a:endParaRPr lang="en-US" sz="1200"/>
           </a:p>
         </p:txBody>
       </p:sp>
@@ -10588,7 +10327,7 @@
   <p:cSld>
     <p:spTree>
       <p:nvGrpSpPr>
-        <p:cNvPr id="88" name="Shape 88"/>
+        <p:cNvPr id="112" name="Shape 112"/>
         <p:cNvGrpSpPr/>
         <p:nvPr/>
       </p:nvGrpSpPr>
@@ -10602,7 +10341,7 @@
       </p:grpSpPr>
       <p:sp>
         <p:nvSpPr>
-          <p:cNvPr id="89" name="Google Shape;89;p18"/>
+          <p:cNvPr id="113" name="Google Shape;113;p22"/>
           <p:cNvSpPr txBox="1"/>
           <p:nvPr>
             <p:ph type="title"/>
@@ -10632,12 +10371,17 @@
               </a:spcAft>
               <a:buNone/>
             </a:pPr>
+            <a:r>
+              <a:rPr lang="en-US"/>
+              <a:t>Data Interpretation</a:t>
+            </a:r>
+            <a:endParaRPr lang="en-US"/>
           </a:p>
         </p:txBody>
       </p:sp>
       <p:sp>
         <p:nvSpPr>
-          <p:cNvPr id="90" name="Google Shape;90;p18"/>
+          <p:cNvPr id="114" name="Google Shape;114;p22"/>
           <p:cNvSpPr txBox="1"/>
           <p:nvPr>
             <p:ph type="body" idx="1"/>
@@ -10667,9 +10411,85 @@
               </a:spcAft>
               <a:buNone/>
             </a:pPr>
+            <a:r>
+              <a:rPr lang="en-US"/>
+              <a:t>There's no uniformity in the dataset interms of </a:t>
+            </a:r>
+            <a:br>
+              <a:rPr lang="en-US"/>
+            </a:br>
+            <a:r>
+              <a:rPr lang="en-US"/>
+              <a:t>the labels.</a:t>
+            </a:r>
+            <a:br>
+              <a:rPr lang="en-US"/>
+            </a:br>
+            <a:r>
+              <a:rPr lang="en-US"/>
+              <a:t>This may lead to the model learning non hostile </a:t>
+            </a:r>
+            <a:br>
+              <a:rPr lang="en-US"/>
+            </a:br>
+            <a:r>
+              <a:rPr lang="en-US"/>
+              <a:t>post more efficiently when compared to the other.</a:t>
+            </a:r>
+            <a:endParaRPr lang="en-US"/>
+          </a:p>
+          <a:p>
+            <a:pPr marL="0" lvl="0" indent="0" algn="l" rtl="0">
+              <a:spcBef>
+                <a:spcPts val="0"/>
+              </a:spcBef>
+              <a:spcAft>
+                <a:spcPts val="1600"/>
+              </a:spcAft>
+              <a:buNone/>
+            </a:pPr>
+            <a:endParaRPr lang="en-US"/>
           </a:p>
         </p:txBody>
       </p:sp>
+      <p:pic>
+        <p:nvPicPr>
+          <p:cNvPr id="1" name="Picture 0" descr="WhatsApp Image 2020-10-29 at 12.16.25 AM"/>
+          <p:cNvPicPr>
+            <a:picLocks noChangeAspect="1"/>
+          </p:cNvPicPr>
+          <p:nvPr/>
+        </p:nvPicPr>
+        <p:blipFill>
+          <a:blip r:embed="rId1">
+            <a:clrChange>
+              <a:clrFrom>
+                <a:srgbClr val="FFFFFF">
+                  <a:alpha val="100000"/>
+                </a:srgbClr>
+              </a:clrFrom>
+              <a:clrTo>
+                <a:srgbClr val="FFFFFF">
+                  <a:alpha val="100000"/>
+                  <a:alpha val="0"/>
+                </a:srgbClr>
+              </a:clrTo>
+            </a:clrChange>
+          </a:blip>
+          <a:stretch>
+            <a:fillRect/>
+          </a:stretch>
+        </p:blipFill>
+        <p:spPr>
+          <a:xfrm>
+            <a:off x="5449570" y="1129665"/>
+            <a:ext cx="2903220" cy="2431415"/>
+          </a:xfrm>
+          <a:prstGeom prst="rect">
+            <a:avLst/>
+          </a:prstGeom>
+        </p:spPr>
+      </p:pic>
     </p:spTree>
   </p:cSld>
   <p:clrMapOvr>
@@ -10683,7 +10503,7 @@
   <p:cSld>
     <p:spTree>
       <p:nvGrpSpPr>
-        <p:cNvPr id="94" name="Shape 94"/>
+        <p:cNvPr id="118" name="Shape 118"/>
         <p:cNvGrpSpPr/>
         <p:nvPr/>
       </p:nvGrpSpPr>
@@ -10697,7 +10517,7 @@
       </p:grpSpPr>
       <p:sp>
         <p:nvSpPr>
-          <p:cNvPr id="95" name="Google Shape;95;p19"/>
+          <p:cNvPr id="119" name="Google Shape;119;p23"/>
           <p:cNvSpPr txBox="1"/>
           <p:nvPr>
             <p:ph type="title"/>
@@ -10732,7 +10552,7 @@
       </p:sp>
       <p:sp>
         <p:nvSpPr>
-          <p:cNvPr id="96" name="Google Shape;96;p19"/>
+          <p:cNvPr id="120" name="Google Shape;120;p23"/>
           <p:cNvSpPr txBox="1"/>
           <p:nvPr>
             <p:ph type="body" idx="1"/>
@@ -10778,7 +10598,7 @@
   <p:cSld>
     <p:spTree>
       <p:nvGrpSpPr>
-        <p:cNvPr id="100" name="Shape 100"/>
+        <p:cNvPr id="124" name="Shape 124"/>
         <p:cNvGrpSpPr/>
         <p:nvPr/>
       </p:nvGrpSpPr>
@@ -10792,7 +10612,7 @@
       </p:grpSpPr>
       <p:sp>
         <p:nvSpPr>
-          <p:cNvPr id="101" name="Google Shape;101;p20"/>
+          <p:cNvPr id="125" name="Google Shape;125;p24"/>
           <p:cNvSpPr txBox="1"/>
           <p:nvPr>
             <p:ph type="title"/>
@@ -10827,7 +10647,7 @@
       </p:sp>
       <p:sp>
         <p:nvSpPr>
-          <p:cNvPr id="102" name="Google Shape;102;p20"/>
+          <p:cNvPr id="126" name="Google Shape;126;p24"/>
           <p:cNvSpPr txBox="1"/>
           <p:nvPr>
             <p:ph type="body" idx="1"/>

--- a/DMA Course Project.pptx
+++ b/DMA Course Project.pptx
@@ -15,30 +15,21 @@
     <p:sldId id="276" r:id="rId8"/>
     <p:sldId id="264" r:id="rId9"/>
     <p:sldId id="265" r:id="rId10"/>
-    <p:sldId id="266" r:id="rId11"/>
-    <p:sldId id="267" r:id="rId12"/>
-    <p:sldId id="268" r:id="rId13"/>
-    <p:sldId id="269" r:id="rId14"/>
-    <p:sldId id="270" r:id="rId15"/>
-    <p:sldId id="271" r:id="rId16"/>
-    <p:sldId id="272" r:id="rId17"/>
-    <p:sldId id="273" r:id="rId18"/>
-    <p:sldId id="274" r:id="rId19"/>
-    <p:sldId id="275" r:id="rId20"/>
+    <p:sldId id="289" r:id="rId11"/>
   </p:sldIdLst>
   <p:sldSz cx="9144000" cy="5143500"/>
   <p:notesSz cx="6858000" cy="9144000"/>
   <p:embeddedFontLst>
     <p:embeddedFont>
       <p:font typeface="Old Standard TT" panose="00000500000000000000"/>
-      <p:regular r:id="rId24"/>
+      <p:regular r:id="rId15"/>
     </p:embeddedFont>
     <p:embeddedFont>
       <p:font typeface="Cambria" panose="02040503050406030204" charset="0"/>
-      <p:regular r:id="rId25"/>
-      <p:bold r:id="rId26"/>
-      <p:italic r:id="rId27"/>
-      <p:boldItalic r:id="rId28"/>
+      <p:regular r:id="rId16"/>
+      <p:bold r:id="rId17"/>
+      <p:italic r:id="rId18"/>
+      <p:boldItalic r:id="rId19"/>
     </p:embeddedFont>
   </p:embeddedFontLst>
   <p:defaultTextStyle>
@@ -807,699 +798,6 @@
 </p:notes>
 </file>
 
-<file path=ppt/notesSlides/notesSlide10.xml><?xml version="1.0" encoding="utf-8"?>
-<p:notes xmlns:a="http://schemas.openxmlformats.org/drawingml/2006/main" xmlns:r="http://schemas.openxmlformats.org/officeDocument/2006/relationships" xmlns:p="http://schemas.openxmlformats.org/presentationml/2006/main" showMasterPhAnim="0" showMasterSp="0">
-  <p:cSld>
-    <p:spTree>
-      <p:nvGrpSpPr>
-        <p:cNvPr id="133" name="Shape 133"/>
-        <p:cNvGrpSpPr/>
-        <p:nvPr/>
-      </p:nvGrpSpPr>
-      <p:grpSpPr>
-        <a:xfrm>
-          <a:off x="0" y="0"/>
-          <a:ext cx="0" cy="0"/>
-          <a:chOff x="0" y="0"/>
-          <a:chExt cx="0" cy="0"/>
-        </a:xfrm>
-      </p:grpSpPr>
-      <p:sp>
-        <p:nvSpPr>
-          <p:cNvPr id="134" name="Google Shape;134;g9ed7346816_0_145:notes"/>
-          <p:cNvSpPr/>
-          <p:nvPr>
-            <p:ph type="sldImg" idx="2"/>
-          </p:nvPr>
-        </p:nvSpPr>
-        <p:spPr>
-          <a:xfrm>
-            <a:off x="381300" y="685800"/>
-            <a:ext cx="6096000" cy="3429000"/>
-          </a:xfrm>
-          <a:custGeom>
-            <a:avLst/>
-            <a:gdLst/>
-            <a:ahLst/>
-            <a:cxnLst/>
-            <a:rect l="l" t="t" r="r" b="b"/>
-            <a:pathLst>
-              <a:path w="120000" h="120000" extrusionOk="0">
-                <a:moveTo>
-                  <a:pt x="0" y="0"/>
-                </a:moveTo>
-                <a:lnTo>
-                  <a:pt x="120000" y="0"/>
-                </a:lnTo>
-                <a:lnTo>
-                  <a:pt x="120000" y="120000"/>
-                </a:lnTo>
-                <a:lnTo>
-                  <a:pt x="0" y="120000"/>
-                </a:lnTo>
-                <a:close/>
-              </a:path>
-            </a:pathLst>
-          </a:custGeom>
-        </p:spPr>
-      </p:sp>
-      <p:sp>
-        <p:nvSpPr>
-          <p:cNvPr id="135" name="Google Shape;135;g9ed7346816_0_145:notes"/>
-          <p:cNvSpPr txBox="1"/>
-          <p:nvPr>
-            <p:ph type="body" idx="1"/>
-          </p:nvPr>
-        </p:nvSpPr>
-        <p:spPr>
-          <a:xfrm>
-            <a:off x="685800" y="4343400"/>
-            <a:ext cx="5486400" cy="4114800"/>
-          </a:xfrm>
-          <a:prstGeom prst="rect">
-            <a:avLst/>
-          </a:prstGeom>
-        </p:spPr>
-        <p:txBody>
-          <a:bodyPr spcFirstLastPara="1" wrap="square" lIns="91425" tIns="91425" rIns="91425" bIns="91425" anchor="t" anchorCtr="0">
-            <a:noAutofit/>
-          </a:bodyPr>
-          <a:lstStyle/>
-          <a:p>
-            <a:pPr marL="0" lvl="0" indent="0" algn="l" rtl="0">
-              <a:spcBef>
-                <a:spcPts val="0"/>
-              </a:spcBef>
-              <a:spcAft>
-                <a:spcPts val="0"/>
-              </a:spcAft>
-              <a:buNone/>
-            </a:pPr>
-          </a:p>
-        </p:txBody>
-      </p:sp>
-    </p:spTree>
-  </p:cSld>
-  <p:clrMapOvr>
-    <a:masterClrMapping/>
-  </p:clrMapOvr>
-</p:notes>
-</file>
-
-<file path=ppt/notesSlides/notesSlide11.xml><?xml version="1.0" encoding="utf-8"?>
-<p:notes xmlns:a="http://schemas.openxmlformats.org/drawingml/2006/main" xmlns:r="http://schemas.openxmlformats.org/officeDocument/2006/relationships" xmlns:p="http://schemas.openxmlformats.org/presentationml/2006/main" showMasterPhAnim="0" showMasterSp="0">
-  <p:cSld>
-    <p:spTree>
-      <p:nvGrpSpPr>
-        <p:cNvPr id="139" name="Shape 139"/>
-        <p:cNvGrpSpPr/>
-        <p:nvPr/>
-      </p:nvGrpSpPr>
-      <p:grpSpPr>
-        <a:xfrm>
-          <a:off x="0" y="0"/>
-          <a:ext cx="0" cy="0"/>
-          <a:chOff x="0" y="0"/>
-          <a:chExt cx="0" cy="0"/>
-        </a:xfrm>
-      </p:grpSpPr>
-      <p:sp>
-        <p:nvSpPr>
-          <p:cNvPr id="140" name="Google Shape;140;g9ed7346816_0_150:notes"/>
-          <p:cNvSpPr/>
-          <p:nvPr>
-            <p:ph type="sldImg" idx="2"/>
-          </p:nvPr>
-        </p:nvSpPr>
-        <p:spPr>
-          <a:xfrm>
-            <a:off x="381300" y="685800"/>
-            <a:ext cx="6096000" cy="3429000"/>
-          </a:xfrm>
-          <a:custGeom>
-            <a:avLst/>
-            <a:gdLst/>
-            <a:ahLst/>
-            <a:cxnLst/>
-            <a:rect l="l" t="t" r="r" b="b"/>
-            <a:pathLst>
-              <a:path w="120000" h="120000" extrusionOk="0">
-                <a:moveTo>
-                  <a:pt x="0" y="0"/>
-                </a:moveTo>
-                <a:lnTo>
-                  <a:pt x="120000" y="0"/>
-                </a:lnTo>
-                <a:lnTo>
-                  <a:pt x="120000" y="120000"/>
-                </a:lnTo>
-                <a:lnTo>
-                  <a:pt x="0" y="120000"/>
-                </a:lnTo>
-                <a:close/>
-              </a:path>
-            </a:pathLst>
-          </a:custGeom>
-        </p:spPr>
-      </p:sp>
-      <p:sp>
-        <p:nvSpPr>
-          <p:cNvPr id="141" name="Google Shape;141;g9ed7346816_0_150:notes"/>
-          <p:cNvSpPr txBox="1"/>
-          <p:nvPr>
-            <p:ph type="body" idx="1"/>
-          </p:nvPr>
-        </p:nvSpPr>
-        <p:spPr>
-          <a:xfrm>
-            <a:off x="685800" y="4343400"/>
-            <a:ext cx="5486400" cy="4114800"/>
-          </a:xfrm>
-          <a:prstGeom prst="rect">
-            <a:avLst/>
-          </a:prstGeom>
-        </p:spPr>
-        <p:txBody>
-          <a:bodyPr spcFirstLastPara="1" wrap="square" lIns="91425" tIns="91425" rIns="91425" bIns="91425" anchor="t" anchorCtr="0">
-            <a:noAutofit/>
-          </a:bodyPr>
-          <a:lstStyle/>
-          <a:p>
-            <a:pPr marL="0" lvl="0" indent="0" algn="l" rtl="0">
-              <a:spcBef>
-                <a:spcPts val="0"/>
-              </a:spcBef>
-              <a:spcAft>
-                <a:spcPts val="0"/>
-              </a:spcAft>
-              <a:buNone/>
-            </a:pPr>
-          </a:p>
-        </p:txBody>
-      </p:sp>
-    </p:spTree>
-  </p:cSld>
-  <p:clrMapOvr>
-    <a:masterClrMapping/>
-  </p:clrMapOvr>
-</p:notes>
-</file>
-
-<file path=ppt/notesSlides/notesSlide12.xml><?xml version="1.0" encoding="utf-8"?>
-<p:notes xmlns:a="http://schemas.openxmlformats.org/drawingml/2006/main" xmlns:r="http://schemas.openxmlformats.org/officeDocument/2006/relationships" xmlns:p="http://schemas.openxmlformats.org/presentationml/2006/main" showMasterPhAnim="0" showMasterSp="0">
-  <p:cSld>
-    <p:spTree>
-      <p:nvGrpSpPr>
-        <p:cNvPr id="145" name="Shape 145"/>
-        <p:cNvGrpSpPr/>
-        <p:nvPr/>
-      </p:nvGrpSpPr>
-      <p:grpSpPr>
-        <a:xfrm>
-          <a:off x="0" y="0"/>
-          <a:ext cx="0" cy="0"/>
-          <a:chOff x="0" y="0"/>
-          <a:chExt cx="0" cy="0"/>
-        </a:xfrm>
-      </p:grpSpPr>
-      <p:sp>
-        <p:nvSpPr>
-          <p:cNvPr id="146" name="Google Shape;146;g9ed7346816_0_155:notes"/>
-          <p:cNvSpPr/>
-          <p:nvPr>
-            <p:ph type="sldImg" idx="2"/>
-          </p:nvPr>
-        </p:nvSpPr>
-        <p:spPr>
-          <a:xfrm>
-            <a:off x="381300" y="685800"/>
-            <a:ext cx="6096000" cy="3429000"/>
-          </a:xfrm>
-          <a:custGeom>
-            <a:avLst/>
-            <a:gdLst/>
-            <a:ahLst/>
-            <a:cxnLst/>
-            <a:rect l="l" t="t" r="r" b="b"/>
-            <a:pathLst>
-              <a:path w="120000" h="120000" extrusionOk="0">
-                <a:moveTo>
-                  <a:pt x="0" y="0"/>
-                </a:moveTo>
-                <a:lnTo>
-                  <a:pt x="120000" y="0"/>
-                </a:lnTo>
-                <a:lnTo>
-                  <a:pt x="120000" y="120000"/>
-                </a:lnTo>
-                <a:lnTo>
-                  <a:pt x="0" y="120000"/>
-                </a:lnTo>
-                <a:close/>
-              </a:path>
-            </a:pathLst>
-          </a:custGeom>
-        </p:spPr>
-      </p:sp>
-      <p:sp>
-        <p:nvSpPr>
-          <p:cNvPr id="147" name="Google Shape;147;g9ed7346816_0_155:notes"/>
-          <p:cNvSpPr txBox="1"/>
-          <p:nvPr>
-            <p:ph type="body" idx="1"/>
-          </p:nvPr>
-        </p:nvSpPr>
-        <p:spPr>
-          <a:xfrm>
-            <a:off x="685800" y="4343400"/>
-            <a:ext cx="5486400" cy="4114800"/>
-          </a:xfrm>
-          <a:prstGeom prst="rect">
-            <a:avLst/>
-          </a:prstGeom>
-        </p:spPr>
-        <p:txBody>
-          <a:bodyPr spcFirstLastPara="1" wrap="square" lIns="91425" tIns="91425" rIns="91425" bIns="91425" anchor="t" anchorCtr="0">
-            <a:noAutofit/>
-          </a:bodyPr>
-          <a:lstStyle/>
-          <a:p>
-            <a:pPr marL="0" lvl="0" indent="0" algn="l" rtl="0">
-              <a:spcBef>
-                <a:spcPts val="0"/>
-              </a:spcBef>
-              <a:spcAft>
-                <a:spcPts val="0"/>
-              </a:spcAft>
-              <a:buNone/>
-            </a:pPr>
-          </a:p>
-        </p:txBody>
-      </p:sp>
-    </p:spTree>
-  </p:cSld>
-  <p:clrMapOvr>
-    <a:masterClrMapping/>
-  </p:clrMapOvr>
-</p:notes>
-</file>
-
-<file path=ppt/notesSlides/notesSlide13.xml><?xml version="1.0" encoding="utf-8"?>
-<p:notes xmlns:a="http://schemas.openxmlformats.org/drawingml/2006/main" xmlns:r="http://schemas.openxmlformats.org/officeDocument/2006/relationships" xmlns:p="http://schemas.openxmlformats.org/presentationml/2006/main" showMasterPhAnim="0" showMasterSp="0">
-  <p:cSld>
-    <p:spTree>
-      <p:nvGrpSpPr>
-        <p:cNvPr id="151" name="Shape 151"/>
-        <p:cNvGrpSpPr/>
-        <p:nvPr/>
-      </p:nvGrpSpPr>
-      <p:grpSpPr>
-        <a:xfrm>
-          <a:off x="0" y="0"/>
-          <a:ext cx="0" cy="0"/>
-          <a:chOff x="0" y="0"/>
-          <a:chExt cx="0" cy="0"/>
-        </a:xfrm>
-      </p:grpSpPr>
-      <p:sp>
-        <p:nvSpPr>
-          <p:cNvPr id="152" name="Google Shape;152;g9ed7346816_0_160:notes"/>
-          <p:cNvSpPr/>
-          <p:nvPr>
-            <p:ph type="sldImg" idx="2"/>
-          </p:nvPr>
-        </p:nvSpPr>
-        <p:spPr>
-          <a:xfrm>
-            <a:off x="381300" y="685800"/>
-            <a:ext cx="6096000" cy="3429000"/>
-          </a:xfrm>
-          <a:custGeom>
-            <a:avLst/>
-            <a:gdLst/>
-            <a:ahLst/>
-            <a:cxnLst/>
-            <a:rect l="l" t="t" r="r" b="b"/>
-            <a:pathLst>
-              <a:path w="120000" h="120000" extrusionOk="0">
-                <a:moveTo>
-                  <a:pt x="0" y="0"/>
-                </a:moveTo>
-                <a:lnTo>
-                  <a:pt x="120000" y="0"/>
-                </a:lnTo>
-                <a:lnTo>
-                  <a:pt x="120000" y="120000"/>
-                </a:lnTo>
-                <a:lnTo>
-                  <a:pt x="0" y="120000"/>
-                </a:lnTo>
-                <a:close/>
-              </a:path>
-            </a:pathLst>
-          </a:custGeom>
-        </p:spPr>
-      </p:sp>
-      <p:sp>
-        <p:nvSpPr>
-          <p:cNvPr id="153" name="Google Shape;153;g9ed7346816_0_160:notes"/>
-          <p:cNvSpPr txBox="1"/>
-          <p:nvPr>
-            <p:ph type="body" idx="1"/>
-          </p:nvPr>
-        </p:nvSpPr>
-        <p:spPr>
-          <a:xfrm>
-            <a:off x="685800" y="4343400"/>
-            <a:ext cx="5486400" cy="4114800"/>
-          </a:xfrm>
-          <a:prstGeom prst="rect">
-            <a:avLst/>
-          </a:prstGeom>
-        </p:spPr>
-        <p:txBody>
-          <a:bodyPr spcFirstLastPara="1" wrap="square" lIns="91425" tIns="91425" rIns="91425" bIns="91425" anchor="t" anchorCtr="0">
-            <a:noAutofit/>
-          </a:bodyPr>
-          <a:lstStyle/>
-          <a:p>
-            <a:pPr marL="0" lvl="0" indent="0" algn="l" rtl="0">
-              <a:spcBef>
-                <a:spcPts val="0"/>
-              </a:spcBef>
-              <a:spcAft>
-                <a:spcPts val="0"/>
-              </a:spcAft>
-              <a:buNone/>
-            </a:pPr>
-          </a:p>
-        </p:txBody>
-      </p:sp>
-    </p:spTree>
-  </p:cSld>
-  <p:clrMapOvr>
-    <a:masterClrMapping/>
-  </p:clrMapOvr>
-</p:notes>
-</file>
-
-<file path=ppt/notesSlides/notesSlide14.xml><?xml version="1.0" encoding="utf-8"?>
-<p:notes xmlns:a="http://schemas.openxmlformats.org/drawingml/2006/main" xmlns:r="http://schemas.openxmlformats.org/officeDocument/2006/relationships" xmlns:p="http://schemas.openxmlformats.org/presentationml/2006/main" showMasterPhAnim="0" showMasterSp="0">
-  <p:cSld>
-    <p:spTree>
-      <p:nvGrpSpPr>
-        <p:cNvPr id="157" name="Shape 157"/>
-        <p:cNvGrpSpPr/>
-        <p:nvPr/>
-      </p:nvGrpSpPr>
-      <p:grpSpPr>
-        <a:xfrm>
-          <a:off x="0" y="0"/>
-          <a:ext cx="0" cy="0"/>
-          <a:chOff x="0" y="0"/>
-          <a:chExt cx="0" cy="0"/>
-        </a:xfrm>
-      </p:grpSpPr>
-      <p:sp>
-        <p:nvSpPr>
-          <p:cNvPr id="158" name="Google Shape;158;g9ed7346816_0_165:notes"/>
-          <p:cNvSpPr/>
-          <p:nvPr>
-            <p:ph type="sldImg" idx="2"/>
-          </p:nvPr>
-        </p:nvSpPr>
-        <p:spPr>
-          <a:xfrm>
-            <a:off x="381300" y="685800"/>
-            <a:ext cx="6096000" cy="3429000"/>
-          </a:xfrm>
-          <a:custGeom>
-            <a:avLst/>
-            <a:gdLst/>
-            <a:ahLst/>
-            <a:cxnLst/>
-            <a:rect l="l" t="t" r="r" b="b"/>
-            <a:pathLst>
-              <a:path w="120000" h="120000" extrusionOk="0">
-                <a:moveTo>
-                  <a:pt x="0" y="0"/>
-                </a:moveTo>
-                <a:lnTo>
-                  <a:pt x="120000" y="0"/>
-                </a:lnTo>
-                <a:lnTo>
-                  <a:pt x="120000" y="120000"/>
-                </a:lnTo>
-                <a:lnTo>
-                  <a:pt x="0" y="120000"/>
-                </a:lnTo>
-                <a:close/>
-              </a:path>
-            </a:pathLst>
-          </a:custGeom>
-        </p:spPr>
-      </p:sp>
-      <p:sp>
-        <p:nvSpPr>
-          <p:cNvPr id="159" name="Google Shape;159;g9ed7346816_0_165:notes"/>
-          <p:cNvSpPr txBox="1"/>
-          <p:nvPr>
-            <p:ph type="body" idx="1"/>
-          </p:nvPr>
-        </p:nvSpPr>
-        <p:spPr>
-          <a:xfrm>
-            <a:off x="685800" y="4343400"/>
-            <a:ext cx="5486400" cy="4114800"/>
-          </a:xfrm>
-          <a:prstGeom prst="rect">
-            <a:avLst/>
-          </a:prstGeom>
-        </p:spPr>
-        <p:txBody>
-          <a:bodyPr spcFirstLastPara="1" wrap="square" lIns="91425" tIns="91425" rIns="91425" bIns="91425" anchor="t" anchorCtr="0">
-            <a:noAutofit/>
-          </a:bodyPr>
-          <a:lstStyle/>
-          <a:p>
-            <a:pPr marL="0" lvl="0" indent="0" algn="l" rtl="0">
-              <a:spcBef>
-                <a:spcPts val="0"/>
-              </a:spcBef>
-              <a:spcAft>
-                <a:spcPts val="0"/>
-              </a:spcAft>
-              <a:buNone/>
-            </a:pPr>
-          </a:p>
-        </p:txBody>
-      </p:sp>
-    </p:spTree>
-  </p:cSld>
-  <p:clrMapOvr>
-    <a:masterClrMapping/>
-  </p:clrMapOvr>
-</p:notes>
-</file>
-
-<file path=ppt/notesSlides/notesSlide15.xml><?xml version="1.0" encoding="utf-8"?>
-<p:notes xmlns:a="http://schemas.openxmlformats.org/drawingml/2006/main" xmlns:r="http://schemas.openxmlformats.org/officeDocument/2006/relationships" xmlns:p="http://schemas.openxmlformats.org/presentationml/2006/main" showMasterPhAnim="0" showMasterSp="0">
-  <p:cSld>
-    <p:spTree>
-      <p:nvGrpSpPr>
-        <p:cNvPr id="163" name="Shape 163"/>
-        <p:cNvGrpSpPr/>
-        <p:nvPr/>
-      </p:nvGrpSpPr>
-      <p:grpSpPr>
-        <a:xfrm>
-          <a:off x="0" y="0"/>
-          <a:ext cx="0" cy="0"/>
-          <a:chOff x="0" y="0"/>
-          <a:chExt cx="0" cy="0"/>
-        </a:xfrm>
-      </p:grpSpPr>
-      <p:sp>
-        <p:nvSpPr>
-          <p:cNvPr id="164" name="Google Shape;164;g9ed7346816_0_170:notes"/>
-          <p:cNvSpPr/>
-          <p:nvPr>
-            <p:ph type="sldImg" idx="2"/>
-          </p:nvPr>
-        </p:nvSpPr>
-        <p:spPr>
-          <a:xfrm>
-            <a:off x="381300" y="685800"/>
-            <a:ext cx="6096000" cy="3429000"/>
-          </a:xfrm>
-          <a:custGeom>
-            <a:avLst/>
-            <a:gdLst/>
-            <a:ahLst/>
-            <a:cxnLst/>
-            <a:rect l="l" t="t" r="r" b="b"/>
-            <a:pathLst>
-              <a:path w="120000" h="120000" extrusionOk="0">
-                <a:moveTo>
-                  <a:pt x="0" y="0"/>
-                </a:moveTo>
-                <a:lnTo>
-                  <a:pt x="120000" y="0"/>
-                </a:lnTo>
-                <a:lnTo>
-                  <a:pt x="120000" y="120000"/>
-                </a:lnTo>
-                <a:lnTo>
-                  <a:pt x="0" y="120000"/>
-                </a:lnTo>
-                <a:close/>
-              </a:path>
-            </a:pathLst>
-          </a:custGeom>
-        </p:spPr>
-      </p:sp>
-      <p:sp>
-        <p:nvSpPr>
-          <p:cNvPr id="165" name="Google Shape;165;g9ed7346816_0_170:notes"/>
-          <p:cNvSpPr txBox="1"/>
-          <p:nvPr>
-            <p:ph type="body" idx="1"/>
-          </p:nvPr>
-        </p:nvSpPr>
-        <p:spPr>
-          <a:xfrm>
-            <a:off x="685800" y="4343400"/>
-            <a:ext cx="5486400" cy="4114800"/>
-          </a:xfrm>
-          <a:prstGeom prst="rect">
-            <a:avLst/>
-          </a:prstGeom>
-        </p:spPr>
-        <p:txBody>
-          <a:bodyPr spcFirstLastPara="1" wrap="square" lIns="91425" tIns="91425" rIns="91425" bIns="91425" anchor="t" anchorCtr="0">
-            <a:noAutofit/>
-          </a:bodyPr>
-          <a:lstStyle/>
-          <a:p>
-            <a:pPr marL="0" lvl="0" indent="0" algn="l" rtl="0">
-              <a:spcBef>
-                <a:spcPts val="0"/>
-              </a:spcBef>
-              <a:spcAft>
-                <a:spcPts val="0"/>
-              </a:spcAft>
-              <a:buNone/>
-            </a:pPr>
-          </a:p>
-        </p:txBody>
-      </p:sp>
-    </p:spTree>
-  </p:cSld>
-  <p:clrMapOvr>
-    <a:masterClrMapping/>
-  </p:clrMapOvr>
-</p:notes>
-</file>
-
-<file path=ppt/notesSlides/notesSlide16.xml><?xml version="1.0" encoding="utf-8"?>
-<p:notes xmlns:a="http://schemas.openxmlformats.org/drawingml/2006/main" xmlns:r="http://schemas.openxmlformats.org/officeDocument/2006/relationships" xmlns:p="http://schemas.openxmlformats.org/presentationml/2006/main" showMasterPhAnim="0" showMasterSp="0">
-  <p:cSld>
-    <p:spTree>
-      <p:nvGrpSpPr>
-        <p:cNvPr id="169" name="Shape 169"/>
-        <p:cNvGrpSpPr/>
-        <p:nvPr/>
-      </p:nvGrpSpPr>
-      <p:grpSpPr>
-        <a:xfrm>
-          <a:off x="0" y="0"/>
-          <a:ext cx="0" cy="0"/>
-          <a:chOff x="0" y="0"/>
-          <a:chExt cx="0" cy="0"/>
-        </a:xfrm>
-      </p:grpSpPr>
-      <p:sp>
-        <p:nvSpPr>
-          <p:cNvPr id="170" name="Google Shape;170;g9ed7346816_0_175:notes"/>
-          <p:cNvSpPr/>
-          <p:nvPr>
-            <p:ph type="sldImg" idx="2"/>
-          </p:nvPr>
-        </p:nvSpPr>
-        <p:spPr>
-          <a:xfrm>
-            <a:off x="381300" y="685800"/>
-            <a:ext cx="6096000" cy="3429000"/>
-          </a:xfrm>
-          <a:custGeom>
-            <a:avLst/>
-            <a:gdLst/>
-            <a:ahLst/>
-            <a:cxnLst/>
-            <a:rect l="l" t="t" r="r" b="b"/>
-            <a:pathLst>
-              <a:path w="120000" h="120000" extrusionOk="0">
-                <a:moveTo>
-                  <a:pt x="0" y="0"/>
-                </a:moveTo>
-                <a:lnTo>
-                  <a:pt x="120000" y="0"/>
-                </a:lnTo>
-                <a:lnTo>
-                  <a:pt x="120000" y="120000"/>
-                </a:lnTo>
-                <a:lnTo>
-                  <a:pt x="0" y="120000"/>
-                </a:lnTo>
-                <a:close/>
-              </a:path>
-            </a:pathLst>
-          </a:custGeom>
-        </p:spPr>
-      </p:sp>
-      <p:sp>
-        <p:nvSpPr>
-          <p:cNvPr id="171" name="Google Shape;171;g9ed7346816_0_175:notes"/>
-          <p:cNvSpPr txBox="1"/>
-          <p:nvPr>
-            <p:ph type="body" idx="1"/>
-          </p:nvPr>
-        </p:nvSpPr>
-        <p:spPr>
-          <a:xfrm>
-            <a:off x="685800" y="4343400"/>
-            <a:ext cx="5486400" cy="4114800"/>
-          </a:xfrm>
-          <a:prstGeom prst="rect">
-            <a:avLst/>
-          </a:prstGeom>
-        </p:spPr>
-        <p:txBody>
-          <a:bodyPr spcFirstLastPara="1" wrap="square" lIns="91425" tIns="91425" rIns="91425" bIns="91425" anchor="t" anchorCtr="0">
-            <a:noAutofit/>
-          </a:bodyPr>
-          <a:lstStyle/>
-          <a:p>
-            <a:pPr marL="0" lvl="0" indent="0" algn="l" rtl="0">
-              <a:spcBef>
-                <a:spcPts val="0"/>
-              </a:spcBef>
-              <a:spcAft>
-                <a:spcPts val="0"/>
-              </a:spcAft>
-              <a:buNone/>
-            </a:pPr>
-          </a:p>
-        </p:txBody>
-      </p:sp>
-    </p:spTree>
-  </p:cSld>
-  <p:clrMapOvr>
-    <a:masterClrMapping/>
-  </p:clrMapOvr>
-</p:notes>
-</file>
-
 <file path=ppt/notesSlides/notesSlide2.xml><?xml version="1.0" encoding="utf-8"?>
 <p:notes xmlns:a="http://schemas.openxmlformats.org/drawingml/2006/main" xmlns:r="http://schemas.openxmlformats.org/officeDocument/2006/relationships" xmlns:p="http://schemas.openxmlformats.org/presentationml/2006/main" showMasterPhAnim="0" showMasterSp="0">
   <p:cSld>
@@ -1955,303 +1253,6 @@
       <p:sp>
         <p:nvSpPr>
           <p:cNvPr id="111" name="Google Shape;111;g9ed7346816_0_125:notes"/>
-          <p:cNvSpPr txBox="1"/>
-          <p:nvPr>
-            <p:ph type="body" idx="1"/>
-          </p:nvPr>
-        </p:nvSpPr>
-        <p:spPr>
-          <a:xfrm>
-            <a:off x="685800" y="4343400"/>
-            <a:ext cx="5486400" cy="4114800"/>
-          </a:xfrm>
-          <a:prstGeom prst="rect">
-            <a:avLst/>
-          </a:prstGeom>
-        </p:spPr>
-        <p:txBody>
-          <a:bodyPr spcFirstLastPara="1" wrap="square" lIns="91425" tIns="91425" rIns="91425" bIns="91425" anchor="t" anchorCtr="0">
-            <a:noAutofit/>
-          </a:bodyPr>
-          <a:lstStyle/>
-          <a:p>
-            <a:pPr marL="0" lvl="0" indent="0" algn="l" rtl="0">
-              <a:spcBef>
-                <a:spcPts val="0"/>
-              </a:spcBef>
-              <a:spcAft>
-                <a:spcPts val="0"/>
-              </a:spcAft>
-              <a:buNone/>
-            </a:pPr>
-          </a:p>
-        </p:txBody>
-      </p:sp>
-    </p:spTree>
-  </p:cSld>
-  <p:clrMapOvr>
-    <a:masterClrMapping/>
-  </p:clrMapOvr>
-</p:notes>
-</file>
-
-<file path=ppt/notesSlides/notesSlide7.xml><?xml version="1.0" encoding="utf-8"?>
-<p:notes xmlns:a="http://schemas.openxmlformats.org/drawingml/2006/main" xmlns:r="http://schemas.openxmlformats.org/officeDocument/2006/relationships" xmlns:p="http://schemas.openxmlformats.org/presentationml/2006/main" showMasterPhAnim="0" showMasterSp="0">
-  <p:cSld>
-    <p:spTree>
-      <p:nvGrpSpPr>
-        <p:cNvPr id="115" name="Shape 115"/>
-        <p:cNvGrpSpPr/>
-        <p:nvPr/>
-      </p:nvGrpSpPr>
-      <p:grpSpPr>
-        <a:xfrm>
-          <a:off x="0" y="0"/>
-          <a:ext cx="0" cy="0"/>
-          <a:chOff x="0" y="0"/>
-          <a:chExt cx="0" cy="0"/>
-        </a:xfrm>
-      </p:grpSpPr>
-      <p:sp>
-        <p:nvSpPr>
-          <p:cNvPr id="116" name="Google Shape;116;g9ed7346816_0_130:notes"/>
-          <p:cNvSpPr/>
-          <p:nvPr>
-            <p:ph type="sldImg" idx="2"/>
-          </p:nvPr>
-        </p:nvSpPr>
-        <p:spPr>
-          <a:xfrm>
-            <a:off x="381300" y="685800"/>
-            <a:ext cx="6096000" cy="3429000"/>
-          </a:xfrm>
-          <a:custGeom>
-            <a:avLst/>
-            <a:gdLst/>
-            <a:ahLst/>
-            <a:cxnLst/>
-            <a:rect l="l" t="t" r="r" b="b"/>
-            <a:pathLst>
-              <a:path w="120000" h="120000" extrusionOk="0">
-                <a:moveTo>
-                  <a:pt x="0" y="0"/>
-                </a:moveTo>
-                <a:lnTo>
-                  <a:pt x="120000" y="0"/>
-                </a:lnTo>
-                <a:lnTo>
-                  <a:pt x="120000" y="120000"/>
-                </a:lnTo>
-                <a:lnTo>
-                  <a:pt x="0" y="120000"/>
-                </a:lnTo>
-                <a:close/>
-              </a:path>
-            </a:pathLst>
-          </a:custGeom>
-        </p:spPr>
-      </p:sp>
-      <p:sp>
-        <p:nvSpPr>
-          <p:cNvPr id="117" name="Google Shape;117;g9ed7346816_0_130:notes"/>
-          <p:cNvSpPr txBox="1"/>
-          <p:nvPr>
-            <p:ph type="body" idx="1"/>
-          </p:nvPr>
-        </p:nvSpPr>
-        <p:spPr>
-          <a:xfrm>
-            <a:off x="685800" y="4343400"/>
-            <a:ext cx="5486400" cy="4114800"/>
-          </a:xfrm>
-          <a:prstGeom prst="rect">
-            <a:avLst/>
-          </a:prstGeom>
-        </p:spPr>
-        <p:txBody>
-          <a:bodyPr spcFirstLastPara="1" wrap="square" lIns="91425" tIns="91425" rIns="91425" bIns="91425" anchor="t" anchorCtr="0">
-            <a:noAutofit/>
-          </a:bodyPr>
-          <a:lstStyle/>
-          <a:p>
-            <a:pPr marL="0" lvl="0" indent="0" algn="l" rtl="0">
-              <a:spcBef>
-                <a:spcPts val="0"/>
-              </a:spcBef>
-              <a:spcAft>
-                <a:spcPts val="0"/>
-              </a:spcAft>
-              <a:buNone/>
-            </a:pPr>
-          </a:p>
-        </p:txBody>
-      </p:sp>
-    </p:spTree>
-  </p:cSld>
-  <p:clrMapOvr>
-    <a:masterClrMapping/>
-  </p:clrMapOvr>
-</p:notes>
-</file>
-
-<file path=ppt/notesSlides/notesSlide8.xml><?xml version="1.0" encoding="utf-8"?>
-<p:notes xmlns:a="http://schemas.openxmlformats.org/drawingml/2006/main" xmlns:r="http://schemas.openxmlformats.org/officeDocument/2006/relationships" xmlns:p="http://schemas.openxmlformats.org/presentationml/2006/main" showMasterPhAnim="0" showMasterSp="0">
-  <p:cSld>
-    <p:spTree>
-      <p:nvGrpSpPr>
-        <p:cNvPr id="121" name="Shape 121"/>
-        <p:cNvGrpSpPr/>
-        <p:nvPr/>
-      </p:nvGrpSpPr>
-      <p:grpSpPr>
-        <a:xfrm>
-          <a:off x="0" y="0"/>
-          <a:ext cx="0" cy="0"/>
-          <a:chOff x="0" y="0"/>
-          <a:chExt cx="0" cy="0"/>
-        </a:xfrm>
-      </p:grpSpPr>
-      <p:sp>
-        <p:nvSpPr>
-          <p:cNvPr id="122" name="Google Shape;122;g9ed7346816_0_135:notes"/>
-          <p:cNvSpPr/>
-          <p:nvPr>
-            <p:ph type="sldImg" idx="2"/>
-          </p:nvPr>
-        </p:nvSpPr>
-        <p:spPr>
-          <a:xfrm>
-            <a:off x="381300" y="685800"/>
-            <a:ext cx="6096000" cy="3429000"/>
-          </a:xfrm>
-          <a:custGeom>
-            <a:avLst/>
-            <a:gdLst/>
-            <a:ahLst/>
-            <a:cxnLst/>
-            <a:rect l="l" t="t" r="r" b="b"/>
-            <a:pathLst>
-              <a:path w="120000" h="120000" extrusionOk="0">
-                <a:moveTo>
-                  <a:pt x="0" y="0"/>
-                </a:moveTo>
-                <a:lnTo>
-                  <a:pt x="120000" y="0"/>
-                </a:lnTo>
-                <a:lnTo>
-                  <a:pt x="120000" y="120000"/>
-                </a:lnTo>
-                <a:lnTo>
-                  <a:pt x="0" y="120000"/>
-                </a:lnTo>
-                <a:close/>
-              </a:path>
-            </a:pathLst>
-          </a:custGeom>
-        </p:spPr>
-      </p:sp>
-      <p:sp>
-        <p:nvSpPr>
-          <p:cNvPr id="123" name="Google Shape;123;g9ed7346816_0_135:notes"/>
-          <p:cNvSpPr txBox="1"/>
-          <p:nvPr>
-            <p:ph type="body" idx="1"/>
-          </p:nvPr>
-        </p:nvSpPr>
-        <p:spPr>
-          <a:xfrm>
-            <a:off x="685800" y="4343400"/>
-            <a:ext cx="5486400" cy="4114800"/>
-          </a:xfrm>
-          <a:prstGeom prst="rect">
-            <a:avLst/>
-          </a:prstGeom>
-        </p:spPr>
-        <p:txBody>
-          <a:bodyPr spcFirstLastPara="1" wrap="square" lIns="91425" tIns="91425" rIns="91425" bIns="91425" anchor="t" anchorCtr="0">
-            <a:noAutofit/>
-          </a:bodyPr>
-          <a:lstStyle/>
-          <a:p>
-            <a:pPr marL="0" lvl="0" indent="0" algn="l" rtl="0">
-              <a:spcBef>
-                <a:spcPts val="0"/>
-              </a:spcBef>
-              <a:spcAft>
-                <a:spcPts val="0"/>
-              </a:spcAft>
-              <a:buNone/>
-            </a:pPr>
-          </a:p>
-        </p:txBody>
-      </p:sp>
-    </p:spTree>
-  </p:cSld>
-  <p:clrMapOvr>
-    <a:masterClrMapping/>
-  </p:clrMapOvr>
-</p:notes>
-</file>
-
-<file path=ppt/notesSlides/notesSlide9.xml><?xml version="1.0" encoding="utf-8"?>
-<p:notes xmlns:a="http://schemas.openxmlformats.org/drawingml/2006/main" xmlns:r="http://schemas.openxmlformats.org/officeDocument/2006/relationships" xmlns:p="http://schemas.openxmlformats.org/presentationml/2006/main" showMasterPhAnim="0" showMasterSp="0">
-  <p:cSld>
-    <p:spTree>
-      <p:nvGrpSpPr>
-        <p:cNvPr id="127" name="Shape 127"/>
-        <p:cNvGrpSpPr/>
-        <p:nvPr/>
-      </p:nvGrpSpPr>
-      <p:grpSpPr>
-        <a:xfrm>
-          <a:off x="0" y="0"/>
-          <a:ext cx="0" cy="0"/>
-          <a:chOff x="0" y="0"/>
-          <a:chExt cx="0" cy="0"/>
-        </a:xfrm>
-      </p:grpSpPr>
-      <p:sp>
-        <p:nvSpPr>
-          <p:cNvPr id="128" name="Google Shape;128;g9ed7346816_0_140:notes"/>
-          <p:cNvSpPr/>
-          <p:nvPr>
-            <p:ph type="sldImg" idx="2"/>
-          </p:nvPr>
-        </p:nvSpPr>
-        <p:spPr>
-          <a:xfrm>
-            <a:off x="381300" y="685800"/>
-            <a:ext cx="6096000" cy="3429000"/>
-          </a:xfrm>
-          <a:custGeom>
-            <a:avLst/>
-            <a:gdLst/>
-            <a:ahLst/>
-            <a:cxnLst/>
-            <a:rect l="l" t="t" r="r" b="b"/>
-            <a:pathLst>
-              <a:path w="120000" h="120000" extrusionOk="0">
-                <a:moveTo>
-                  <a:pt x="0" y="0"/>
-                </a:moveTo>
-                <a:lnTo>
-                  <a:pt x="120000" y="0"/>
-                </a:lnTo>
-                <a:lnTo>
-                  <a:pt x="120000" y="120000"/>
-                </a:lnTo>
-                <a:lnTo>
-                  <a:pt x="0" y="120000"/>
-                </a:lnTo>
-                <a:close/>
-              </a:path>
-            </a:pathLst>
-          </a:custGeom>
-        </p:spPr>
-      </p:sp>
-      <p:sp>
-        <p:nvSpPr>
-          <p:cNvPr id="129" name="Google Shape;129;g9ed7346816_0_140:notes"/>
           <p:cNvSpPr txBox="1"/>
           <p:nvPr>
             <p:ph type="body" idx="1"/>
@@ -8080,766 +7081,6 @@
 </p:sld>
 </file>
 
-<file path=ppt/slides/slide10.xml><?xml version="1.0" encoding="utf-8"?>
-<p:sld xmlns:a="http://schemas.openxmlformats.org/drawingml/2006/main" xmlns:r="http://schemas.openxmlformats.org/officeDocument/2006/relationships" xmlns:p="http://schemas.openxmlformats.org/presentationml/2006/main">
-  <p:cSld>
-    <p:spTree>
-      <p:nvGrpSpPr>
-        <p:cNvPr id="130" name="Shape 130"/>
-        <p:cNvGrpSpPr/>
-        <p:nvPr/>
-      </p:nvGrpSpPr>
-      <p:grpSpPr>
-        <a:xfrm>
-          <a:off x="0" y="0"/>
-          <a:ext cx="0" cy="0"/>
-          <a:chOff x="0" y="0"/>
-          <a:chExt cx="0" cy="0"/>
-        </a:xfrm>
-      </p:grpSpPr>
-      <p:sp>
-        <p:nvSpPr>
-          <p:cNvPr id="131" name="Google Shape;131;p25"/>
-          <p:cNvSpPr txBox="1"/>
-          <p:nvPr>
-            <p:ph type="title"/>
-          </p:nvPr>
-        </p:nvSpPr>
-        <p:spPr>
-          <a:xfrm>
-            <a:off x="311700" y="445025"/>
-            <a:ext cx="8520600" cy="613200"/>
-          </a:xfrm>
-          <a:prstGeom prst="rect">
-            <a:avLst/>
-          </a:prstGeom>
-        </p:spPr>
-        <p:txBody>
-          <a:bodyPr spcFirstLastPara="1" wrap="square" lIns="91425" tIns="91425" rIns="91425" bIns="91425" anchor="t" anchorCtr="0">
-            <a:noAutofit/>
-          </a:bodyPr>
-          <a:lstStyle/>
-          <a:p>
-            <a:pPr marL="0" lvl="0" indent="0" algn="l" rtl="0">
-              <a:spcBef>
-                <a:spcPts val="0"/>
-              </a:spcBef>
-              <a:spcAft>
-                <a:spcPts val="0"/>
-              </a:spcAft>
-              <a:buNone/>
-            </a:pPr>
-          </a:p>
-        </p:txBody>
-      </p:sp>
-      <p:sp>
-        <p:nvSpPr>
-          <p:cNvPr id="132" name="Google Shape;132;p25"/>
-          <p:cNvSpPr txBox="1"/>
-          <p:nvPr>
-            <p:ph type="body" idx="1"/>
-          </p:nvPr>
-        </p:nvSpPr>
-        <p:spPr>
-          <a:xfrm>
-            <a:off x="311700" y="1171600"/>
-            <a:ext cx="8520600" cy="3397200"/>
-          </a:xfrm>
-          <a:prstGeom prst="rect">
-            <a:avLst/>
-          </a:prstGeom>
-        </p:spPr>
-        <p:txBody>
-          <a:bodyPr spcFirstLastPara="1" wrap="square" lIns="91425" tIns="91425" rIns="91425" bIns="91425" anchor="t" anchorCtr="0">
-            <a:noAutofit/>
-          </a:bodyPr>
-          <a:lstStyle/>
-          <a:p>
-            <a:pPr marL="0" lvl="0" indent="0" algn="l" rtl="0">
-              <a:spcBef>
-                <a:spcPts val="0"/>
-              </a:spcBef>
-              <a:spcAft>
-                <a:spcPts val="1600"/>
-              </a:spcAft>
-              <a:buNone/>
-            </a:pPr>
-          </a:p>
-        </p:txBody>
-      </p:sp>
-    </p:spTree>
-  </p:cSld>
-  <p:clrMapOvr>
-    <a:masterClrMapping/>
-  </p:clrMapOvr>
-</p:sld>
-</file>
-
-<file path=ppt/slides/slide11.xml><?xml version="1.0" encoding="utf-8"?>
-<p:sld xmlns:a="http://schemas.openxmlformats.org/drawingml/2006/main" xmlns:r="http://schemas.openxmlformats.org/officeDocument/2006/relationships" xmlns:p="http://schemas.openxmlformats.org/presentationml/2006/main">
-  <p:cSld>
-    <p:spTree>
-      <p:nvGrpSpPr>
-        <p:cNvPr id="136" name="Shape 136"/>
-        <p:cNvGrpSpPr/>
-        <p:nvPr/>
-      </p:nvGrpSpPr>
-      <p:grpSpPr>
-        <a:xfrm>
-          <a:off x="0" y="0"/>
-          <a:ext cx="0" cy="0"/>
-          <a:chOff x="0" y="0"/>
-          <a:chExt cx="0" cy="0"/>
-        </a:xfrm>
-      </p:grpSpPr>
-      <p:sp>
-        <p:nvSpPr>
-          <p:cNvPr id="137" name="Google Shape;137;p26"/>
-          <p:cNvSpPr txBox="1"/>
-          <p:nvPr>
-            <p:ph type="title"/>
-          </p:nvPr>
-        </p:nvSpPr>
-        <p:spPr>
-          <a:xfrm>
-            <a:off x="311700" y="445025"/>
-            <a:ext cx="8520600" cy="613200"/>
-          </a:xfrm>
-          <a:prstGeom prst="rect">
-            <a:avLst/>
-          </a:prstGeom>
-        </p:spPr>
-        <p:txBody>
-          <a:bodyPr spcFirstLastPara="1" wrap="square" lIns="91425" tIns="91425" rIns="91425" bIns="91425" anchor="t" anchorCtr="0">
-            <a:noAutofit/>
-          </a:bodyPr>
-          <a:lstStyle/>
-          <a:p>
-            <a:pPr marL="0" lvl="0" indent="0" algn="l" rtl="0">
-              <a:spcBef>
-                <a:spcPts val="0"/>
-              </a:spcBef>
-              <a:spcAft>
-                <a:spcPts val="0"/>
-              </a:spcAft>
-              <a:buNone/>
-            </a:pPr>
-          </a:p>
-        </p:txBody>
-      </p:sp>
-      <p:sp>
-        <p:nvSpPr>
-          <p:cNvPr id="138" name="Google Shape;138;p26"/>
-          <p:cNvSpPr txBox="1"/>
-          <p:nvPr>
-            <p:ph type="body" idx="1"/>
-          </p:nvPr>
-        </p:nvSpPr>
-        <p:spPr>
-          <a:xfrm>
-            <a:off x="311700" y="1171600"/>
-            <a:ext cx="8520600" cy="3397200"/>
-          </a:xfrm>
-          <a:prstGeom prst="rect">
-            <a:avLst/>
-          </a:prstGeom>
-        </p:spPr>
-        <p:txBody>
-          <a:bodyPr spcFirstLastPara="1" wrap="square" lIns="91425" tIns="91425" rIns="91425" bIns="91425" anchor="t" anchorCtr="0">
-            <a:noAutofit/>
-          </a:bodyPr>
-          <a:lstStyle/>
-          <a:p>
-            <a:pPr marL="0" lvl="0" indent="0" algn="l" rtl="0">
-              <a:spcBef>
-                <a:spcPts val="0"/>
-              </a:spcBef>
-              <a:spcAft>
-                <a:spcPts val="1600"/>
-              </a:spcAft>
-              <a:buNone/>
-            </a:pPr>
-          </a:p>
-        </p:txBody>
-      </p:sp>
-    </p:spTree>
-  </p:cSld>
-  <p:clrMapOvr>
-    <a:masterClrMapping/>
-  </p:clrMapOvr>
-</p:sld>
-</file>
-
-<file path=ppt/slides/slide12.xml><?xml version="1.0" encoding="utf-8"?>
-<p:sld xmlns:a="http://schemas.openxmlformats.org/drawingml/2006/main" xmlns:r="http://schemas.openxmlformats.org/officeDocument/2006/relationships" xmlns:p="http://schemas.openxmlformats.org/presentationml/2006/main">
-  <p:cSld>
-    <p:spTree>
-      <p:nvGrpSpPr>
-        <p:cNvPr id="142" name="Shape 142"/>
-        <p:cNvGrpSpPr/>
-        <p:nvPr/>
-      </p:nvGrpSpPr>
-      <p:grpSpPr>
-        <a:xfrm>
-          <a:off x="0" y="0"/>
-          <a:ext cx="0" cy="0"/>
-          <a:chOff x="0" y="0"/>
-          <a:chExt cx="0" cy="0"/>
-        </a:xfrm>
-      </p:grpSpPr>
-      <p:sp>
-        <p:nvSpPr>
-          <p:cNvPr id="143" name="Google Shape;143;p27"/>
-          <p:cNvSpPr txBox="1"/>
-          <p:nvPr>
-            <p:ph type="title"/>
-          </p:nvPr>
-        </p:nvSpPr>
-        <p:spPr>
-          <a:xfrm>
-            <a:off x="311700" y="445025"/>
-            <a:ext cx="8520600" cy="613200"/>
-          </a:xfrm>
-          <a:prstGeom prst="rect">
-            <a:avLst/>
-          </a:prstGeom>
-        </p:spPr>
-        <p:txBody>
-          <a:bodyPr spcFirstLastPara="1" wrap="square" lIns="91425" tIns="91425" rIns="91425" bIns="91425" anchor="t" anchorCtr="0">
-            <a:noAutofit/>
-          </a:bodyPr>
-          <a:lstStyle/>
-          <a:p>
-            <a:pPr marL="0" lvl="0" indent="0" algn="l" rtl="0">
-              <a:spcBef>
-                <a:spcPts val="0"/>
-              </a:spcBef>
-              <a:spcAft>
-                <a:spcPts val="0"/>
-              </a:spcAft>
-              <a:buNone/>
-            </a:pPr>
-          </a:p>
-        </p:txBody>
-      </p:sp>
-      <p:sp>
-        <p:nvSpPr>
-          <p:cNvPr id="144" name="Google Shape;144;p27"/>
-          <p:cNvSpPr txBox="1"/>
-          <p:nvPr>
-            <p:ph type="body" idx="1"/>
-          </p:nvPr>
-        </p:nvSpPr>
-        <p:spPr>
-          <a:xfrm>
-            <a:off x="311700" y="1171600"/>
-            <a:ext cx="8520600" cy="3397200"/>
-          </a:xfrm>
-          <a:prstGeom prst="rect">
-            <a:avLst/>
-          </a:prstGeom>
-        </p:spPr>
-        <p:txBody>
-          <a:bodyPr spcFirstLastPara="1" wrap="square" lIns="91425" tIns="91425" rIns="91425" bIns="91425" anchor="t" anchorCtr="0">
-            <a:noAutofit/>
-          </a:bodyPr>
-          <a:lstStyle/>
-          <a:p>
-            <a:pPr marL="0" lvl="0" indent="0" algn="l" rtl="0">
-              <a:spcBef>
-                <a:spcPts val="0"/>
-              </a:spcBef>
-              <a:spcAft>
-                <a:spcPts val="1600"/>
-              </a:spcAft>
-              <a:buNone/>
-            </a:pPr>
-          </a:p>
-        </p:txBody>
-      </p:sp>
-    </p:spTree>
-  </p:cSld>
-  <p:clrMapOvr>
-    <a:masterClrMapping/>
-  </p:clrMapOvr>
-</p:sld>
-</file>
-
-<file path=ppt/slides/slide13.xml><?xml version="1.0" encoding="utf-8"?>
-<p:sld xmlns:a="http://schemas.openxmlformats.org/drawingml/2006/main" xmlns:r="http://schemas.openxmlformats.org/officeDocument/2006/relationships" xmlns:p="http://schemas.openxmlformats.org/presentationml/2006/main">
-  <p:cSld>
-    <p:spTree>
-      <p:nvGrpSpPr>
-        <p:cNvPr id="148" name="Shape 148"/>
-        <p:cNvGrpSpPr/>
-        <p:nvPr/>
-      </p:nvGrpSpPr>
-      <p:grpSpPr>
-        <a:xfrm>
-          <a:off x="0" y="0"/>
-          <a:ext cx="0" cy="0"/>
-          <a:chOff x="0" y="0"/>
-          <a:chExt cx="0" cy="0"/>
-        </a:xfrm>
-      </p:grpSpPr>
-      <p:sp>
-        <p:nvSpPr>
-          <p:cNvPr id="149" name="Google Shape;149;p28"/>
-          <p:cNvSpPr txBox="1"/>
-          <p:nvPr>
-            <p:ph type="title"/>
-          </p:nvPr>
-        </p:nvSpPr>
-        <p:spPr>
-          <a:xfrm>
-            <a:off x="311700" y="445025"/>
-            <a:ext cx="8520600" cy="613200"/>
-          </a:xfrm>
-          <a:prstGeom prst="rect">
-            <a:avLst/>
-          </a:prstGeom>
-        </p:spPr>
-        <p:txBody>
-          <a:bodyPr spcFirstLastPara="1" wrap="square" lIns="91425" tIns="91425" rIns="91425" bIns="91425" anchor="t" anchorCtr="0">
-            <a:noAutofit/>
-          </a:bodyPr>
-          <a:lstStyle/>
-          <a:p>
-            <a:pPr marL="0" lvl="0" indent="0" algn="l" rtl="0">
-              <a:spcBef>
-                <a:spcPts val="0"/>
-              </a:spcBef>
-              <a:spcAft>
-                <a:spcPts val="0"/>
-              </a:spcAft>
-              <a:buNone/>
-            </a:pPr>
-          </a:p>
-        </p:txBody>
-      </p:sp>
-      <p:sp>
-        <p:nvSpPr>
-          <p:cNvPr id="150" name="Google Shape;150;p28"/>
-          <p:cNvSpPr txBox="1"/>
-          <p:nvPr>
-            <p:ph type="body" idx="1"/>
-          </p:nvPr>
-        </p:nvSpPr>
-        <p:spPr>
-          <a:xfrm>
-            <a:off x="311700" y="1171600"/>
-            <a:ext cx="8520600" cy="3397200"/>
-          </a:xfrm>
-          <a:prstGeom prst="rect">
-            <a:avLst/>
-          </a:prstGeom>
-        </p:spPr>
-        <p:txBody>
-          <a:bodyPr spcFirstLastPara="1" wrap="square" lIns="91425" tIns="91425" rIns="91425" bIns="91425" anchor="t" anchorCtr="0">
-            <a:noAutofit/>
-          </a:bodyPr>
-          <a:lstStyle/>
-          <a:p>
-            <a:pPr marL="0" lvl="0" indent="0" algn="l" rtl="0">
-              <a:spcBef>
-                <a:spcPts val="0"/>
-              </a:spcBef>
-              <a:spcAft>
-                <a:spcPts val="1600"/>
-              </a:spcAft>
-              <a:buNone/>
-            </a:pPr>
-          </a:p>
-        </p:txBody>
-      </p:sp>
-    </p:spTree>
-  </p:cSld>
-  <p:clrMapOvr>
-    <a:masterClrMapping/>
-  </p:clrMapOvr>
-</p:sld>
-</file>
-
-<file path=ppt/slides/slide14.xml><?xml version="1.0" encoding="utf-8"?>
-<p:sld xmlns:a="http://schemas.openxmlformats.org/drawingml/2006/main" xmlns:r="http://schemas.openxmlformats.org/officeDocument/2006/relationships" xmlns:p="http://schemas.openxmlformats.org/presentationml/2006/main">
-  <p:cSld>
-    <p:spTree>
-      <p:nvGrpSpPr>
-        <p:cNvPr id="154" name="Shape 154"/>
-        <p:cNvGrpSpPr/>
-        <p:nvPr/>
-      </p:nvGrpSpPr>
-      <p:grpSpPr>
-        <a:xfrm>
-          <a:off x="0" y="0"/>
-          <a:ext cx="0" cy="0"/>
-          <a:chOff x="0" y="0"/>
-          <a:chExt cx="0" cy="0"/>
-        </a:xfrm>
-      </p:grpSpPr>
-      <p:sp>
-        <p:nvSpPr>
-          <p:cNvPr id="155" name="Google Shape;155;p29"/>
-          <p:cNvSpPr txBox="1"/>
-          <p:nvPr>
-            <p:ph type="title"/>
-          </p:nvPr>
-        </p:nvSpPr>
-        <p:spPr>
-          <a:xfrm>
-            <a:off x="311700" y="445025"/>
-            <a:ext cx="8520600" cy="613200"/>
-          </a:xfrm>
-          <a:prstGeom prst="rect">
-            <a:avLst/>
-          </a:prstGeom>
-        </p:spPr>
-        <p:txBody>
-          <a:bodyPr spcFirstLastPara="1" wrap="square" lIns="91425" tIns="91425" rIns="91425" bIns="91425" anchor="t" anchorCtr="0">
-            <a:noAutofit/>
-          </a:bodyPr>
-          <a:lstStyle/>
-          <a:p>
-            <a:pPr marL="0" lvl="0" indent="0" algn="l" rtl="0">
-              <a:spcBef>
-                <a:spcPts val="0"/>
-              </a:spcBef>
-              <a:spcAft>
-                <a:spcPts val="0"/>
-              </a:spcAft>
-              <a:buNone/>
-            </a:pPr>
-          </a:p>
-        </p:txBody>
-      </p:sp>
-      <p:sp>
-        <p:nvSpPr>
-          <p:cNvPr id="156" name="Google Shape;156;p29"/>
-          <p:cNvSpPr txBox="1"/>
-          <p:nvPr>
-            <p:ph type="body" idx="1"/>
-          </p:nvPr>
-        </p:nvSpPr>
-        <p:spPr>
-          <a:xfrm>
-            <a:off x="311700" y="1171600"/>
-            <a:ext cx="8520600" cy="3397200"/>
-          </a:xfrm>
-          <a:prstGeom prst="rect">
-            <a:avLst/>
-          </a:prstGeom>
-        </p:spPr>
-        <p:txBody>
-          <a:bodyPr spcFirstLastPara="1" wrap="square" lIns="91425" tIns="91425" rIns="91425" bIns="91425" anchor="t" anchorCtr="0">
-            <a:noAutofit/>
-          </a:bodyPr>
-          <a:lstStyle/>
-          <a:p>
-            <a:pPr marL="0" lvl="0" indent="0" algn="l" rtl="0">
-              <a:spcBef>
-                <a:spcPts val="0"/>
-              </a:spcBef>
-              <a:spcAft>
-                <a:spcPts val="1600"/>
-              </a:spcAft>
-              <a:buNone/>
-            </a:pPr>
-          </a:p>
-        </p:txBody>
-      </p:sp>
-    </p:spTree>
-  </p:cSld>
-  <p:clrMapOvr>
-    <a:masterClrMapping/>
-  </p:clrMapOvr>
-</p:sld>
-</file>
-
-<file path=ppt/slides/slide15.xml><?xml version="1.0" encoding="utf-8"?>
-<p:sld xmlns:a="http://schemas.openxmlformats.org/drawingml/2006/main" xmlns:r="http://schemas.openxmlformats.org/officeDocument/2006/relationships" xmlns:p="http://schemas.openxmlformats.org/presentationml/2006/main">
-  <p:cSld>
-    <p:spTree>
-      <p:nvGrpSpPr>
-        <p:cNvPr id="160" name="Shape 160"/>
-        <p:cNvGrpSpPr/>
-        <p:nvPr/>
-      </p:nvGrpSpPr>
-      <p:grpSpPr>
-        <a:xfrm>
-          <a:off x="0" y="0"/>
-          <a:ext cx="0" cy="0"/>
-          <a:chOff x="0" y="0"/>
-          <a:chExt cx="0" cy="0"/>
-        </a:xfrm>
-      </p:grpSpPr>
-      <p:sp>
-        <p:nvSpPr>
-          <p:cNvPr id="161" name="Google Shape;161;p30"/>
-          <p:cNvSpPr txBox="1"/>
-          <p:nvPr>
-            <p:ph type="title"/>
-          </p:nvPr>
-        </p:nvSpPr>
-        <p:spPr>
-          <a:xfrm>
-            <a:off x="311700" y="445025"/>
-            <a:ext cx="8520600" cy="613200"/>
-          </a:xfrm>
-          <a:prstGeom prst="rect">
-            <a:avLst/>
-          </a:prstGeom>
-        </p:spPr>
-        <p:txBody>
-          <a:bodyPr spcFirstLastPara="1" wrap="square" lIns="91425" tIns="91425" rIns="91425" bIns="91425" anchor="t" anchorCtr="0">
-            <a:noAutofit/>
-          </a:bodyPr>
-          <a:lstStyle/>
-          <a:p>
-            <a:pPr marL="0" lvl="0" indent="0" algn="l" rtl="0">
-              <a:spcBef>
-                <a:spcPts val="0"/>
-              </a:spcBef>
-              <a:spcAft>
-                <a:spcPts val="0"/>
-              </a:spcAft>
-              <a:buNone/>
-            </a:pPr>
-          </a:p>
-        </p:txBody>
-      </p:sp>
-      <p:sp>
-        <p:nvSpPr>
-          <p:cNvPr id="162" name="Google Shape;162;p30"/>
-          <p:cNvSpPr txBox="1"/>
-          <p:nvPr>
-            <p:ph type="body" idx="1"/>
-          </p:nvPr>
-        </p:nvSpPr>
-        <p:spPr>
-          <a:xfrm>
-            <a:off x="311700" y="1171600"/>
-            <a:ext cx="8520600" cy="3397200"/>
-          </a:xfrm>
-          <a:prstGeom prst="rect">
-            <a:avLst/>
-          </a:prstGeom>
-        </p:spPr>
-        <p:txBody>
-          <a:bodyPr spcFirstLastPara="1" wrap="square" lIns="91425" tIns="91425" rIns="91425" bIns="91425" anchor="t" anchorCtr="0">
-            <a:noAutofit/>
-          </a:bodyPr>
-          <a:lstStyle/>
-          <a:p>
-            <a:pPr marL="0" lvl="0" indent="0" algn="l" rtl="0">
-              <a:spcBef>
-                <a:spcPts val="0"/>
-              </a:spcBef>
-              <a:spcAft>
-                <a:spcPts val="1600"/>
-              </a:spcAft>
-              <a:buNone/>
-            </a:pPr>
-          </a:p>
-        </p:txBody>
-      </p:sp>
-    </p:spTree>
-  </p:cSld>
-  <p:clrMapOvr>
-    <a:masterClrMapping/>
-  </p:clrMapOvr>
-</p:sld>
-</file>
-
-<file path=ppt/slides/slide16.xml><?xml version="1.0" encoding="utf-8"?>
-<p:sld xmlns:a="http://schemas.openxmlformats.org/drawingml/2006/main" xmlns:r="http://schemas.openxmlformats.org/officeDocument/2006/relationships" xmlns:p="http://schemas.openxmlformats.org/presentationml/2006/main">
-  <p:cSld>
-    <p:spTree>
-      <p:nvGrpSpPr>
-        <p:cNvPr id="166" name="Shape 166"/>
-        <p:cNvGrpSpPr/>
-        <p:nvPr/>
-      </p:nvGrpSpPr>
-      <p:grpSpPr>
-        <a:xfrm>
-          <a:off x="0" y="0"/>
-          <a:ext cx="0" cy="0"/>
-          <a:chOff x="0" y="0"/>
-          <a:chExt cx="0" cy="0"/>
-        </a:xfrm>
-      </p:grpSpPr>
-      <p:sp>
-        <p:nvSpPr>
-          <p:cNvPr id="167" name="Google Shape;167;p31"/>
-          <p:cNvSpPr txBox="1"/>
-          <p:nvPr>
-            <p:ph type="title"/>
-          </p:nvPr>
-        </p:nvSpPr>
-        <p:spPr>
-          <a:xfrm>
-            <a:off x="311700" y="445025"/>
-            <a:ext cx="8520600" cy="613200"/>
-          </a:xfrm>
-          <a:prstGeom prst="rect">
-            <a:avLst/>
-          </a:prstGeom>
-        </p:spPr>
-        <p:txBody>
-          <a:bodyPr spcFirstLastPara="1" wrap="square" lIns="91425" tIns="91425" rIns="91425" bIns="91425" anchor="t" anchorCtr="0">
-            <a:noAutofit/>
-          </a:bodyPr>
-          <a:lstStyle/>
-          <a:p>
-            <a:pPr marL="0" lvl="0" indent="0" algn="l" rtl="0">
-              <a:spcBef>
-                <a:spcPts val="0"/>
-              </a:spcBef>
-              <a:spcAft>
-                <a:spcPts val="0"/>
-              </a:spcAft>
-              <a:buNone/>
-            </a:pPr>
-          </a:p>
-        </p:txBody>
-      </p:sp>
-      <p:sp>
-        <p:nvSpPr>
-          <p:cNvPr id="168" name="Google Shape;168;p31"/>
-          <p:cNvSpPr txBox="1"/>
-          <p:nvPr>
-            <p:ph type="body" idx="1"/>
-          </p:nvPr>
-        </p:nvSpPr>
-        <p:spPr>
-          <a:xfrm>
-            <a:off x="311700" y="1171600"/>
-            <a:ext cx="8520600" cy="3397200"/>
-          </a:xfrm>
-          <a:prstGeom prst="rect">
-            <a:avLst/>
-          </a:prstGeom>
-        </p:spPr>
-        <p:txBody>
-          <a:bodyPr spcFirstLastPara="1" wrap="square" lIns="91425" tIns="91425" rIns="91425" bIns="91425" anchor="t" anchorCtr="0">
-            <a:noAutofit/>
-          </a:bodyPr>
-          <a:lstStyle/>
-          <a:p>
-            <a:pPr marL="0" lvl="0" indent="0" algn="l" rtl="0">
-              <a:spcBef>
-                <a:spcPts val="0"/>
-              </a:spcBef>
-              <a:spcAft>
-                <a:spcPts val="1600"/>
-              </a:spcAft>
-              <a:buNone/>
-            </a:pPr>
-          </a:p>
-        </p:txBody>
-      </p:sp>
-    </p:spTree>
-  </p:cSld>
-  <p:clrMapOvr>
-    <a:masterClrMapping/>
-  </p:clrMapOvr>
-</p:sld>
-</file>
-
-<file path=ppt/slides/slide17.xml><?xml version="1.0" encoding="utf-8"?>
-<p:sld xmlns:a="http://schemas.openxmlformats.org/drawingml/2006/main" xmlns:r="http://schemas.openxmlformats.org/officeDocument/2006/relationships" xmlns:p="http://schemas.openxmlformats.org/presentationml/2006/main">
-  <p:cSld>
-    <p:spTree>
-      <p:nvGrpSpPr>
-        <p:cNvPr id="172" name="Shape 172"/>
-        <p:cNvGrpSpPr/>
-        <p:nvPr/>
-      </p:nvGrpSpPr>
-      <p:grpSpPr>
-        <a:xfrm>
-          <a:off x="0" y="0"/>
-          <a:ext cx="0" cy="0"/>
-          <a:chOff x="0" y="0"/>
-          <a:chExt cx="0" cy="0"/>
-        </a:xfrm>
-      </p:grpSpPr>
-      <p:sp>
-        <p:nvSpPr>
-          <p:cNvPr id="173" name="Google Shape;173;p32"/>
-          <p:cNvSpPr txBox="1"/>
-          <p:nvPr>
-            <p:ph type="title"/>
-          </p:nvPr>
-        </p:nvSpPr>
-        <p:spPr>
-          <a:xfrm>
-            <a:off x="311700" y="445025"/>
-            <a:ext cx="8520600" cy="613200"/>
-          </a:xfrm>
-          <a:prstGeom prst="rect">
-            <a:avLst/>
-          </a:prstGeom>
-        </p:spPr>
-        <p:txBody>
-          <a:bodyPr spcFirstLastPara="1" wrap="square" lIns="91425" tIns="91425" rIns="91425" bIns="91425" anchor="t" anchorCtr="0">
-            <a:noAutofit/>
-          </a:bodyPr>
-          <a:lstStyle/>
-          <a:p>
-            <a:pPr marL="0" lvl="0" indent="0" algn="l" rtl="0">
-              <a:spcBef>
-                <a:spcPts val="0"/>
-              </a:spcBef>
-              <a:spcAft>
-                <a:spcPts val="0"/>
-              </a:spcAft>
-              <a:buNone/>
-            </a:pPr>
-          </a:p>
-        </p:txBody>
-      </p:sp>
-      <p:sp>
-        <p:nvSpPr>
-          <p:cNvPr id="174" name="Google Shape;174;p32"/>
-          <p:cNvSpPr txBox="1"/>
-          <p:nvPr>
-            <p:ph type="body" idx="1"/>
-          </p:nvPr>
-        </p:nvSpPr>
-        <p:spPr>
-          <a:xfrm>
-            <a:off x="311700" y="1171600"/>
-            <a:ext cx="8520600" cy="3397200"/>
-          </a:xfrm>
-          <a:prstGeom prst="rect">
-            <a:avLst/>
-          </a:prstGeom>
-        </p:spPr>
-        <p:txBody>
-          <a:bodyPr spcFirstLastPara="1" wrap="square" lIns="91425" tIns="91425" rIns="91425" bIns="91425" anchor="t" anchorCtr="0">
-            <a:noAutofit/>
-          </a:bodyPr>
-          <a:lstStyle/>
-          <a:p>
-            <a:pPr marL="0" lvl="0" indent="0" algn="l" rtl="0">
-              <a:spcBef>
-                <a:spcPts val="0"/>
-              </a:spcBef>
-              <a:spcAft>
-                <a:spcPts val="1600"/>
-              </a:spcAft>
-              <a:buNone/>
-            </a:pPr>
-          </a:p>
-        </p:txBody>
-      </p:sp>
-    </p:spTree>
-  </p:cSld>
-  <p:clrMapOvr>
-    <a:masterClrMapping/>
-  </p:clrMapOvr>
-</p:sld>
-</file>
-
 <file path=ppt/slides/slide2.xml><?xml version="1.0" encoding="utf-8"?>
 <p:sld xmlns:a="http://schemas.openxmlformats.org/drawingml/2006/main" xmlns:r="http://schemas.openxmlformats.org/officeDocument/2006/relationships" xmlns:p="http://schemas.openxmlformats.org/presentationml/2006/main">
   <p:cSld>
@@ -10389,7 +8630,7 @@
         </p:nvSpPr>
         <p:spPr>
           <a:xfrm>
-            <a:off x="311700" y="1171600"/>
+            <a:off x="311700" y="752500"/>
             <a:ext cx="8520600" cy="3397200"/>
           </a:xfrm>
           <a:prstGeom prst="rect">
@@ -10402,14 +8643,30 @@
           </a:bodyPr>
           <a:lstStyle/>
           <a:p>
-            <a:pPr marL="0" lvl="0" indent="0" algn="l" rtl="0">
+            <a:pPr marL="285750" lvl="0" indent="-285750" algn="l" rtl="0">
               <a:spcBef>
                 <a:spcPts val="0"/>
               </a:spcBef>
               <a:spcAft>
                 <a:spcPts val="1600"/>
               </a:spcAft>
-              <a:buNone/>
+              <a:buSzPct val="45000"/>
+              <a:buFont typeface="Arial" panose="020B0604020202020204" pitchFamily="34" charset="0"/>
+              <a:buChar char="•"/>
+            </a:pPr>
+            <a:endParaRPr lang="en-US"/>
+          </a:p>
+          <a:p>
+            <a:pPr marL="285750" lvl="0" indent="-285750" algn="l" rtl="0">
+              <a:spcBef>
+                <a:spcPts val="0"/>
+              </a:spcBef>
+              <a:spcAft>
+                <a:spcPts val="1600"/>
+              </a:spcAft>
+              <a:buSzPct val="45000"/>
+              <a:buFont typeface="Arial" panose="020B0604020202020204" pitchFamily="34" charset="0"/>
+              <a:buChar char="•"/>
             </a:pPr>
             <a:r>
               <a:rPr lang="en-US"/>
@@ -10422,24 +8679,53 @@
               <a:rPr lang="en-US"/>
               <a:t>the labels.</a:t>
             </a:r>
+            <a:endParaRPr lang="en-US"/>
+          </a:p>
+          <a:p>
+            <a:pPr marL="285750" lvl="0" indent="-285750" algn="l" rtl="0">
+              <a:spcBef>
+                <a:spcPts val="0"/>
+              </a:spcBef>
+              <a:spcAft>
+                <a:spcPts val="1600"/>
+              </a:spcAft>
+              <a:buSzPct val="45000"/>
+              <a:buFont typeface="Arial" panose="020B0604020202020204" pitchFamily="34" charset="0"/>
+              <a:buChar char="•"/>
+            </a:pPr>
+            <a:r>
+              <a:rPr lang="en-US"/>
+              <a:t>This may lead to the model learning non hostile </a:t>
+            </a:r>
             <a:br>
               <a:rPr lang="en-US"/>
             </a:br>
             <a:r>
               <a:rPr lang="en-US"/>
-              <a:t>This may lead to the model learning non hostile </a:t>
-            </a:r>
-            <a:br>
-              <a:rPr lang="en-US"/>
-            </a:br>
-            <a:r>
-              <a:rPr lang="en-US"/>
               <a:t>post more efficiently when compared to the other.</a:t>
             </a:r>
             <a:endParaRPr lang="en-US"/>
           </a:p>
           <a:p>
-            <a:pPr marL="0" lvl="0" indent="0" algn="l" rtl="0">
+            <a:pPr marL="285750" lvl="0" indent="-285750" algn="l" rtl="0">
+              <a:spcBef>
+                <a:spcPts val="0"/>
+              </a:spcBef>
+              <a:spcAft>
+                <a:spcPts val="1600"/>
+              </a:spcAft>
+              <a:buSzPct val="45000"/>
+              <a:buFont typeface="Arial" panose="020B0604020202020204" pitchFamily="34" charset="0"/>
+              <a:buChar char="•"/>
+            </a:pPr>
+            <a:r>
+              <a:rPr lang="en-US"/>
+              <a:t>This is called the Accuracy Paradox.</a:t>
+            </a:r>
+            <a:endParaRPr lang="en-US"/>
+          </a:p>
+          <a:p>
+            <a:pPr marL="285750" lvl="0" indent="-285750" algn="l" rtl="0">
               <a:spcBef>
                 <a:spcPts val="0"/>
               </a:spcBef>
@@ -10454,7 +8740,7 @@
       </p:sp>
       <p:pic>
         <p:nvPicPr>
-          <p:cNvPr id="1" name="Picture 0" descr="WhatsApp Image 2020-10-29 at 12.16.25 AM"/>
+          <p:cNvPr id="2" name="Picture 1" descr="WhatsApp Image 2020-10-29 at 12.16.25 AM"/>
           <p:cNvPicPr>
             <a:picLocks noChangeAspect="1"/>
           </p:cNvPicPr>
@@ -10482,7 +8768,7 @@
         </p:blipFill>
         <p:spPr>
           <a:xfrm>
-            <a:off x="5449570" y="1129665"/>
+            <a:off x="5738495" y="885825"/>
             <a:ext cx="2903220" cy="2431415"/>
           </a:xfrm>
           <a:prstGeom prst="rect">
@@ -10503,180 +8789,137 @@
   <p:cSld>
     <p:spTree>
       <p:nvGrpSpPr>
-        <p:cNvPr id="118" name="Shape 118"/>
+        <p:cNvPr id="1" name=""/>
         <p:cNvGrpSpPr/>
         <p:nvPr/>
       </p:nvGrpSpPr>
-      <p:grpSpPr>
-        <a:xfrm>
-          <a:off x="0" y="0"/>
-          <a:ext cx="0" cy="0"/>
-          <a:chOff x="0" y="0"/>
-          <a:chExt cx="0" cy="0"/>
-        </a:xfrm>
-      </p:grpSpPr>
+      <p:grpSpPr/>
       <p:sp>
         <p:nvSpPr>
-          <p:cNvPr id="119" name="Google Shape;119;p23"/>
-          <p:cNvSpPr txBox="1"/>
+          <p:cNvPr id="2" name="Title 1"/>
+          <p:cNvSpPr/>
           <p:nvPr>
             <p:ph type="title"/>
           </p:nvPr>
         </p:nvSpPr>
-        <p:spPr>
-          <a:xfrm>
-            <a:off x="311700" y="445025"/>
-            <a:ext cx="8520600" cy="613200"/>
-          </a:xfrm>
-          <a:prstGeom prst="rect">
-            <a:avLst/>
-          </a:prstGeom>
-        </p:spPr>
+        <p:spPr/>
         <p:txBody>
-          <a:bodyPr spcFirstLastPara="1" wrap="square" lIns="91425" tIns="91425" rIns="91425" bIns="91425" anchor="t" anchorCtr="0">
-            <a:noAutofit/>
-          </a:bodyPr>
-          <a:lstStyle/>
+          <a:bodyPr/>
           <a:p>
-            <a:pPr marL="0" lvl="0" indent="0" algn="l" rtl="0">
-              <a:spcBef>
-                <a:spcPts val="0"/>
-              </a:spcBef>
-              <a:spcAft>
-                <a:spcPts val="0"/>
-              </a:spcAft>
-              <a:buNone/>
-            </a:pPr>
+            <a:r>
+              <a:rPr lang="en-US"/>
+              <a:t>References</a:t>
+            </a:r>
+            <a:endParaRPr lang="en-US"/>
           </a:p>
         </p:txBody>
       </p:sp>
       <p:sp>
         <p:nvSpPr>
-          <p:cNvPr id="120" name="Google Shape;120;p23"/>
-          <p:cNvSpPr txBox="1"/>
+          <p:cNvPr id="3" name="Text Placeholder 2"/>
+          <p:cNvSpPr/>
           <p:nvPr>
             <p:ph type="body" idx="1"/>
           </p:nvPr>
         </p:nvSpPr>
-        <p:spPr>
-          <a:xfrm>
-            <a:off x="311700" y="1171600"/>
-            <a:ext cx="8520600" cy="3397200"/>
-          </a:xfrm>
-          <a:prstGeom prst="rect">
-            <a:avLst/>
-          </a:prstGeom>
-        </p:spPr>
+        <p:spPr/>
         <p:txBody>
-          <a:bodyPr spcFirstLastPara="1" wrap="square" lIns="91425" tIns="91425" rIns="91425" bIns="91425" anchor="t" anchorCtr="0">
-            <a:noAutofit/>
-          </a:bodyPr>
-          <a:lstStyle/>
+          <a:bodyPr/>
           <a:p>
-            <a:pPr marL="0" lvl="0" indent="0" algn="l" rtl="0">
-              <a:spcBef>
-                <a:spcPts val="0"/>
-              </a:spcBef>
-              <a:spcAft>
-                <a:spcPts val="1600"/>
-              </a:spcAft>
-              <a:buNone/>
+            <a:pPr>
+              <a:buSzPct val="45000"/>
+              <a:buFont typeface="Arial" panose="020B0604020202020204" pitchFamily="34" charset="0"/>
+              <a:buChar char="•"/>
             </a:pPr>
+            <a:r>
+              <a:rPr lang="en-US" sz="1600"/>
+              <a:t>Methods for Hindi-English Code-Mixed Data     </a:t>
+            </a:r>
+            <a:br>
+              <a:rPr lang="en-US" sz="1600"/>
+            </a:br>
+            <a:r>
+              <a:rPr lang="en-US" sz="1600"/>
+              <a:t>		</a:t>
+            </a:r>
+            <a:r>
+              <a:rPr lang="en-US" sz="1085"/>
+              <a:t>https://www.aclweb.org/anthology/2020.trac-1.7.pdf </a:t>
+            </a:r>
+            <a:r>
+              <a:rPr lang="en-US" sz="1240"/>
+              <a:t>                                            </a:t>
+            </a:r>
+            <a:endParaRPr lang="en-US" sz="1240"/>
           </a:p>
-        </p:txBody>
-      </p:sp>
-    </p:spTree>
-  </p:cSld>
-  <p:clrMapOvr>
-    <a:masterClrMapping/>
-  </p:clrMapOvr>
-</p:sld>
-</file>
-
-<file path=ppt/slides/slide9.xml><?xml version="1.0" encoding="utf-8"?>
-<p:sld xmlns:a="http://schemas.openxmlformats.org/drawingml/2006/main" xmlns:r="http://schemas.openxmlformats.org/officeDocument/2006/relationships" xmlns:p="http://schemas.openxmlformats.org/presentationml/2006/main">
-  <p:cSld>
-    <p:spTree>
-      <p:nvGrpSpPr>
-        <p:cNvPr id="124" name="Shape 124"/>
-        <p:cNvGrpSpPr/>
-        <p:nvPr/>
-      </p:nvGrpSpPr>
-      <p:grpSpPr>
-        <a:xfrm>
-          <a:off x="0" y="0"/>
-          <a:ext cx="0" cy="0"/>
-          <a:chOff x="0" y="0"/>
-          <a:chExt cx="0" cy="0"/>
-        </a:xfrm>
-      </p:grpSpPr>
-      <p:sp>
-        <p:nvSpPr>
-          <p:cNvPr id="125" name="Google Shape;125;p24"/>
-          <p:cNvSpPr txBox="1"/>
-          <p:nvPr>
-            <p:ph type="title"/>
-          </p:nvPr>
-        </p:nvSpPr>
-        <p:spPr>
-          <a:xfrm>
-            <a:off x="311700" y="445025"/>
-            <a:ext cx="8520600" cy="613200"/>
-          </a:xfrm>
-          <a:prstGeom prst="rect">
-            <a:avLst/>
-          </a:prstGeom>
-        </p:spPr>
-        <p:txBody>
-          <a:bodyPr spcFirstLastPara="1" wrap="square" lIns="91425" tIns="91425" rIns="91425" bIns="91425" anchor="t" anchorCtr="0">
-            <a:noAutofit/>
-          </a:bodyPr>
-          <a:lstStyle/>
           <a:p>
-            <a:pPr marL="0" lvl="0" indent="0" algn="l" rtl="0">
-              <a:spcBef>
-                <a:spcPts val="0"/>
-              </a:spcBef>
-              <a:spcAft>
-                <a:spcPts val="0"/>
-              </a:spcAft>
-              <a:buNone/>
+            <a:pPr>
+              <a:buSzPct val="45000"/>
+              <a:buFont typeface="Arial" panose="020B0604020202020204" pitchFamily="34" charset="0"/>
+              <a:buChar char="•"/>
             </a:pPr>
+            <a:r>
+              <a:rPr lang="en-US" sz="1600"/>
+              <a:t>Aggression-annotated Corpus of Hindi-English Code-mixed Data</a:t>
+            </a:r>
+            <a:br>
+              <a:rPr lang="en-US" sz="1600"/>
+            </a:br>
+            <a:r>
+              <a:rPr lang="en-US" sz="1600"/>
+              <a:t>Ritesh Kumar, Aishwarya N. Reganti, Akshit Bhatia, Tushar Maheshwari </a:t>
+            </a:r>
+            <a:br>
+              <a:rPr lang="en-US" sz="1600"/>
+            </a:br>
+            <a:r>
+              <a:rPr lang="en-US" sz="1600"/>
+              <a:t> 		</a:t>
+            </a:r>
+            <a:r>
+              <a:rPr lang="en-US" sz="1200"/>
+              <a:t>https://arxiv.org/ftp/arxiv/papers/1803/1803.09402.pdf        </a:t>
+            </a:r>
+            <a:endParaRPr lang="en-US" sz="1200"/>
           </a:p>
-        </p:txBody>
-      </p:sp>
-      <p:sp>
-        <p:nvSpPr>
-          <p:cNvPr id="126" name="Google Shape;126;p24"/>
-          <p:cNvSpPr txBox="1"/>
-          <p:nvPr>
-            <p:ph type="body" idx="1"/>
-          </p:nvPr>
-        </p:nvSpPr>
-        <p:spPr>
-          <a:xfrm>
-            <a:off x="311700" y="1171600"/>
-            <a:ext cx="8520600" cy="3397200"/>
-          </a:xfrm>
-          <a:prstGeom prst="rect">
-            <a:avLst/>
-          </a:prstGeom>
-        </p:spPr>
-        <p:txBody>
-          <a:bodyPr spcFirstLastPara="1" wrap="square" lIns="91425" tIns="91425" rIns="91425" bIns="91425" anchor="t" anchorCtr="0">
-            <a:noAutofit/>
-          </a:bodyPr>
-          <a:lstStyle/>
           <a:p>
-            <a:pPr marL="0" lvl="0" indent="0" algn="l" rtl="0">
-              <a:spcBef>
-                <a:spcPts val="0"/>
-              </a:spcBef>
-              <a:spcAft>
-                <a:spcPts val="1600"/>
-              </a:spcAft>
-              <a:buNone/>
+            <a:pPr>
+              <a:buSzPct val="45000"/>
+              <a:buFont typeface="Arial" panose="020B0604020202020204" pitchFamily="34" charset="0"/>
+              <a:buChar char="•"/>
             </a:pPr>
+            <a:r>
+              <a:rPr lang="en-US" sz="1600"/>
+              <a:t>Detecting Offensive Tweets in Hindi-English Code-Switched Language  				</a:t>
+            </a:r>
+            <a:r>
+              <a:rPr lang="en-US" sz="1200"/>
+              <a:t>https://www.aclweb.org/anthology/W18-3504.pdf</a:t>
+            </a:r>
+            <a:endParaRPr lang="en-US" sz="1600"/>
+          </a:p>
+          <a:p>
+            <a:pPr>
+              <a:buSzPct val="45000"/>
+              <a:buFont typeface="Arial" panose="020B0604020202020204" pitchFamily="34" charset="0"/>
+              <a:buChar char="•"/>
+            </a:pPr>
+            <a:r>
+              <a:rPr lang="en-US" sz="1400"/>
+              <a:t>Hindi2Vec Language Modeling</a:t>
+            </a:r>
+            <a:br>
+              <a:rPr lang="en-US" sz="1400"/>
+            </a:br>
+            <a:r>
+              <a:rPr lang="en-US" sz="1400"/>
+              <a:t>		</a:t>
+            </a:r>
+            <a:r>
+              <a:rPr lang="en-US" sz="1200"/>
+              <a:t>https://github.com/NirantK/hindi2vec/blob/master/Hindi-Language-Modeling.ipynb</a:t>
+            </a:r>
+            <a:endParaRPr lang="en-US" sz="1200"/>
           </a:p>
         </p:txBody>
       </p:sp>

--- a/DMA Course Project.pptx
+++ b/DMA Course Project.pptx
@@ -8702,7 +8702,7 @@
             </a:br>
             <a:r>
               <a:rPr lang="en-US"/>
-              <a:t>post more efficiently when compared to the other.</a:t>
+              <a:t>post more efficiently when compared to other.</a:t>
             </a:r>
             <a:endParaRPr lang="en-US"/>
           </a:p>

--- a/DMA Course Project.pptx
+++ b/DMA Course Project.pptx
@@ -7221,7 +7221,7 @@
                 <a:latin typeface="Cambria" panose="02040503050406030204" charset="0"/>
                 <a:cs typeface="Cambria" panose="02040503050406030204" charset="0"/>
               </a:rPr>
-              <a:t>1..</a:t>
+              <a:t>1.</a:t>
             </a:r>
             <a:endParaRPr lang="en-US" sz="1400">
               <a:latin typeface="Cambria" panose="02040503050406030204" charset="0"/>
@@ -8495,7 +8495,7 @@
             </a:r>
             <a:r>
               <a:rPr lang="en-US" sz="1200"/>
-              <a:t>Size	        : 811 x 3</a:t>
+              <a:t>Size	           : 811 x 3</a:t>
             </a:r>
             <a:br>
               <a:rPr lang="en-US" sz="1200"/>
@@ -8670,14 +8670,14 @@
             </a:pPr>
             <a:r>
               <a:rPr lang="en-US"/>
-              <a:t>There's no uniformity in the dataset interms of </a:t>
+              <a:t>There's is a large class imbalance in the dataset </a:t>
             </a:r>
             <a:br>
               <a:rPr lang="en-US"/>
             </a:br>
             <a:r>
               <a:rPr lang="en-US"/>
-              <a:t>the labels.</a:t>
+              <a:t>interms of the labels.</a:t>
             </a:r>
             <a:endParaRPr lang="en-US"/>
           </a:p>

--- a/DMA Course Project.pptx
+++ b/DMA Course Project.pptx
@@ -8613,10 +8613,16 @@
               <a:buNone/>
             </a:pPr>
             <a:r>
-              <a:rPr lang="en-US"/>
+              <a:rPr lang="en-US">
+                <a:latin typeface="Cambria" panose="02040503050406030204" charset="0"/>
+                <a:cs typeface="Cambria" panose="02040503050406030204" charset="0"/>
+              </a:rPr>
               <a:t>Data Interpretation</a:t>
             </a:r>
-            <a:endParaRPr lang="en-US"/>
+            <a:endParaRPr lang="en-US">
+              <a:latin typeface="Cambria" panose="02040503050406030204" charset="0"/>
+              <a:cs typeface="Cambria" panose="02040503050406030204" charset="0"/>
+            </a:endParaRPr>
           </a:p>
         </p:txBody>
       </p:sp>
@@ -8654,7 +8660,10 @@
               <a:buFont typeface="Arial" panose="020B0604020202020204" pitchFamily="34" charset="0"/>
               <a:buChar char="•"/>
             </a:pPr>
-            <a:endParaRPr lang="en-US"/>
+            <a:endParaRPr lang="en-US">
+              <a:latin typeface="Cambria" panose="02040503050406030204" charset="0"/>
+              <a:cs typeface="Cambria" panose="02040503050406030204" charset="0"/>
+            </a:endParaRPr>
           </a:p>
           <a:p>
             <a:pPr marL="285750" lvl="0" indent="-285750" algn="l" rtl="0">
@@ -8669,17 +8678,29 @@
               <a:buChar char="•"/>
             </a:pPr>
             <a:r>
-              <a:rPr lang="en-US"/>
+              <a:rPr lang="en-US">
+                <a:latin typeface="Cambria" panose="02040503050406030204" charset="0"/>
+                <a:cs typeface="Cambria" panose="02040503050406030204" charset="0"/>
+              </a:rPr>
               <a:t>There's is a large class imbalance in the dataset </a:t>
             </a:r>
             <a:br>
-              <a:rPr lang="en-US"/>
+              <a:rPr lang="en-US">
+                <a:latin typeface="Cambria" panose="02040503050406030204" charset="0"/>
+                <a:cs typeface="Cambria" panose="02040503050406030204" charset="0"/>
+              </a:rPr>
             </a:br>
             <a:r>
-              <a:rPr lang="en-US"/>
+              <a:rPr lang="en-US">
+                <a:latin typeface="Cambria" panose="02040503050406030204" charset="0"/>
+                <a:cs typeface="Cambria" panose="02040503050406030204" charset="0"/>
+              </a:rPr>
               <a:t>interms of the labels.</a:t>
             </a:r>
-            <a:endParaRPr lang="en-US"/>
+            <a:endParaRPr lang="en-US">
+              <a:latin typeface="Cambria" panose="02040503050406030204" charset="0"/>
+              <a:cs typeface="Cambria" panose="02040503050406030204" charset="0"/>
+            </a:endParaRPr>
           </a:p>
           <a:p>
             <a:pPr marL="285750" lvl="0" indent="-285750" algn="l" rtl="0">
@@ -8694,17 +8715,29 @@
               <a:buChar char="•"/>
             </a:pPr>
             <a:r>
-              <a:rPr lang="en-US"/>
+              <a:rPr lang="en-US">
+                <a:latin typeface="Cambria" panose="02040503050406030204" charset="0"/>
+                <a:cs typeface="Cambria" panose="02040503050406030204" charset="0"/>
+              </a:rPr>
               <a:t>This may lead to the model learning non hostile </a:t>
             </a:r>
             <a:br>
-              <a:rPr lang="en-US"/>
+              <a:rPr lang="en-US">
+                <a:latin typeface="Cambria" panose="02040503050406030204" charset="0"/>
+                <a:cs typeface="Cambria" panose="02040503050406030204" charset="0"/>
+              </a:rPr>
             </a:br>
             <a:r>
-              <a:rPr lang="en-US"/>
+              <a:rPr lang="en-US">
+                <a:latin typeface="Cambria" panose="02040503050406030204" charset="0"/>
+                <a:cs typeface="Cambria" panose="02040503050406030204" charset="0"/>
+              </a:rPr>
               <a:t>post more efficiently when compared to other.</a:t>
             </a:r>
-            <a:endParaRPr lang="en-US"/>
+            <a:endParaRPr lang="en-US">
+              <a:latin typeface="Cambria" panose="02040503050406030204" charset="0"/>
+              <a:cs typeface="Cambria" panose="02040503050406030204" charset="0"/>
+            </a:endParaRPr>
           </a:p>
           <a:p>
             <a:pPr marL="285750" lvl="0" indent="-285750" algn="l" rtl="0">
@@ -8719,10 +8752,16 @@
               <a:buChar char="•"/>
             </a:pPr>
             <a:r>
-              <a:rPr lang="en-US"/>
+              <a:rPr lang="en-US">
+                <a:latin typeface="Cambria" panose="02040503050406030204" charset="0"/>
+                <a:cs typeface="Cambria" panose="02040503050406030204" charset="0"/>
+              </a:rPr>
               <a:t>This is called the Accuracy Paradox.</a:t>
             </a:r>
-            <a:endParaRPr lang="en-US"/>
+            <a:endParaRPr lang="en-US">
+              <a:latin typeface="Cambria" panose="02040503050406030204" charset="0"/>
+              <a:cs typeface="Cambria" panose="02040503050406030204" charset="0"/>
+            </a:endParaRPr>
           </a:p>
           <a:p>
             <a:pPr marL="285750" lvl="0" indent="-285750" algn="l" rtl="0">
@@ -8734,7 +8773,10 @@
               </a:spcAft>
               <a:buNone/>
             </a:pPr>
-            <a:endParaRPr lang="en-US"/>
+            <a:endParaRPr lang="en-US">
+              <a:latin typeface="Cambria" panose="02040503050406030204" charset="0"/>
+              <a:cs typeface="Cambria" panose="02040503050406030204" charset="0"/>
+            </a:endParaRPr>
           </a:p>
         </p:txBody>
       </p:sp>

--- a/DMA Course Project.pptx
+++ b/DMA Course Project.pptx
@@ -14,22 +14,24 @@
     <p:sldId id="259" r:id="rId7"/>
     <p:sldId id="276" r:id="rId8"/>
     <p:sldId id="264" r:id="rId9"/>
-    <p:sldId id="265" r:id="rId10"/>
-    <p:sldId id="289" r:id="rId11"/>
+    <p:sldId id="291" r:id="rId10"/>
+    <p:sldId id="290" r:id="rId11"/>
+    <p:sldId id="265" r:id="rId12"/>
+    <p:sldId id="289" r:id="rId13"/>
   </p:sldIdLst>
   <p:sldSz cx="9144000" cy="5143500"/>
   <p:notesSz cx="6858000" cy="9144000"/>
   <p:embeddedFontLst>
     <p:embeddedFont>
       <p:font typeface="Old Standard TT" panose="00000500000000000000"/>
-      <p:regular r:id="rId15"/>
+      <p:regular r:id="rId17"/>
     </p:embeddedFont>
     <p:embeddedFont>
       <p:font typeface="Cambria" panose="02040503050406030204" charset="0"/>
-      <p:regular r:id="rId16"/>
-      <p:bold r:id="rId17"/>
-      <p:italic r:id="rId18"/>
-      <p:boldItalic r:id="rId19"/>
+      <p:regular r:id="rId18"/>
+      <p:bold r:id="rId19"/>
+      <p:italic r:id="rId20"/>
+      <p:boldItalic r:id="rId21"/>
     </p:embeddedFont>
   </p:embeddedFontLst>
   <p:defaultTextStyle>
@@ -6935,7 +6937,7 @@
                 <a:cs typeface="Cambria" panose="02040503050406030204" charset="0"/>
                 <a:sym typeface="+mn-ea"/>
               </a:rPr>
-              <a:t>Team Members 		 </a:t>
+              <a:t>Team 4: Members 		 </a:t>
             </a:r>
             <a:br>
               <a:rPr lang="en-US" sz="1400">
@@ -7070,6 +7072,191 @@
               <a:latin typeface="Cambria" panose="02040503050406030204" charset="0"/>
               <a:cs typeface="Cambria" panose="02040503050406030204" charset="0"/>
             </a:endParaRPr>
+          </a:p>
+        </p:txBody>
+      </p:sp>
+      <p:pic>
+        <p:nvPicPr>
+          <p:cNvPr id="1" name="Picture 0"/>
+          <p:cNvPicPr>
+            <a:picLocks noChangeAspect="1"/>
+          </p:cNvPicPr>
+          <p:nvPr/>
+        </p:nvPicPr>
+        <p:blipFill>
+          <a:blip r:embed="rId1">
+            <a:clrChange>
+              <a:clrFrom>
+                <a:srgbClr val="000000">
+                  <a:alpha val="100000"/>
+                </a:srgbClr>
+              </a:clrFrom>
+              <a:clrTo>
+                <a:srgbClr val="000000">
+                  <a:alpha val="100000"/>
+                  <a:alpha val="0"/>
+                </a:srgbClr>
+              </a:clrTo>
+            </a:clrChange>
+          </a:blip>
+          <a:stretch>
+            <a:fillRect/>
+          </a:stretch>
+        </p:blipFill>
+        <p:spPr>
+          <a:xfrm>
+            <a:off x="2731770" y="506730"/>
+            <a:ext cx="3679190" cy="874395"/>
+          </a:xfrm>
+          <a:prstGeom prst="rect">
+            <a:avLst/>
+          </a:prstGeom>
+        </p:spPr>
+      </p:pic>
+    </p:spTree>
+  </p:cSld>
+  <p:clrMapOvr>
+    <a:masterClrMapping/>
+  </p:clrMapOvr>
+</p:sld>
+</file>
+
+<file path=ppt/slides/slide10.xml><?xml version="1.0" encoding="utf-8"?>
+<p:sld xmlns:a="http://schemas.openxmlformats.org/drawingml/2006/main" xmlns:r="http://schemas.openxmlformats.org/officeDocument/2006/relationships" xmlns:p="http://schemas.openxmlformats.org/presentationml/2006/main">
+  <p:cSld>
+    <p:spTree>
+      <p:nvGrpSpPr>
+        <p:cNvPr id="1" name=""/>
+        <p:cNvGrpSpPr/>
+        <p:nvPr/>
+      </p:nvGrpSpPr>
+      <p:grpSpPr/>
+      <p:sp>
+        <p:nvSpPr>
+          <p:cNvPr id="2" name="Title 1"/>
+          <p:cNvSpPr/>
+          <p:nvPr>
+            <p:ph type="title"/>
+          </p:nvPr>
+        </p:nvSpPr>
+        <p:spPr/>
+        <p:txBody>
+          <a:bodyPr/>
+          <a:p>
+            <a:r>
+              <a:rPr lang="en-US"/>
+              <a:t>References</a:t>
+            </a:r>
+            <a:endParaRPr lang="en-US"/>
+          </a:p>
+        </p:txBody>
+      </p:sp>
+      <p:sp>
+        <p:nvSpPr>
+          <p:cNvPr id="3" name="Text Placeholder 2"/>
+          <p:cNvSpPr/>
+          <p:nvPr>
+            <p:ph type="body" idx="1"/>
+          </p:nvPr>
+        </p:nvSpPr>
+        <p:spPr/>
+        <p:txBody>
+          <a:bodyPr/>
+          <a:p>
+            <a:pPr>
+              <a:buSzPct val="45000"/>
+              <a:buFont typeface="Arial" panose="020B0604020202020204" pitchFamily="34" charset="0"/>
+              <a:buChar char="•"/>
+            </a:pPr>
+            <a:r>
+              <a:rPr lang="en-US" sz="1600"/>
+              <a:t>Methods for Hindi-English Code-Mixed Data     </a:t>
+            </a:r>
+            <a:br>
+              <a:rPr lang="en-US" sz="1600"/>
+            </a:br>
+            <a:r>
+              <a:rPr lang="en-US" sz="1600"/>
+              <a:t>		</a:t>
+            </a:r>
+            <a:r>
+              <a:rPr lang="en-US" sz="1085"/>
+              <a:t>https://www.aclweb.org/anthology/2020.trac-1.7.pdf </a:t>
+            </a:r>
+            <a:r>
+              <a:rPr lang="en-US" sz="1240"/>
+              <a:t>                                            </a:t>
+            </a:r>
+            <a:endParaRPr lang="en-US" sz="1240"/>
+          </a:p>
+          <a:p>
+            <a:pPr>
+              <a:buSzPct val="45000"/>
+              <a:buFont typeface="Arial" panose="020B0604020202020204" pitchFamily="34" charset="0"/>
+              <a:buChar char="•"/>
+            </a:pPr>
+            <a:r>
+              <a:rPr lang="en-US" sz="1600"/>
+              <a:t>Aggression-annotated Corpus of Hindi-English Code-mixed Data</a:t>
+            </a:r>
+            <a:br>
+              <a:rPr lang="en-US" sz="1600"/>
+            </a:br>
+            <a:r>
+              <a:rPr lang="en-US" sz="1600"/>
+              <a:t>Ritesh Kumar, Aishwarya N. Reganti, Akshit Bhatia, Tushar Maheshwari </a:t>
+            </a:r>
+            <a:br>
+              <a:rPr lang="en-US" sz="1600"/>
+            </a:br>
+            <a:r>
+              <a:rPr lang="en-US" sz="1600"/>
+              <a:t> 		</a:t>
+            </a:r>
+            <a:r>
+              <a:rPr lang="en-US" sz="1200"/>
+              <a:t>https://arxiv.org/ftp/arxiv/papers/1803/1803.09402.pdf        </a:t>
+            </a:r>
+            <a:endParaRPr lang="en-US" sz="1200"/>
+          </a:p>
+          <a:p>
+            <a:pPr>
+              <a:buSzPct val="45000"/>
+              <a:buFont typeface="Arial" panose="020B0604020202020204" pitchFamily="34" charset="0"/>
+              <a:buChar char="•"/>
+            </a:pPr>
+            <a:r>
+              <a:rPr lang="en-US" sz="1600"/>
+              <a:t>Detecting Offensive Tweets in Hindi-English Code-Switched Language  				</a:t>
+            </a:r>
+            <a:r>
+              <a:rPr lang="en-US" sz="1200"/>
+              <a:t>https://www.aclweb.org/anthology/W18-3504.pdf</a:t>
+            </a:r>
+            <a:endParaRPr lang="en-US" sz="1600"/>
+          </a:p>
+          <a:p>
+            <a:pPr>
+              <a:buSzPct val="45000"/>
+              <a:buFont typeface="Arial" panose="020B0604020202020204" pitchFamily="34" charset="0"/>
+              <a:buChar char="•"/>
+            </a:pPr>
+            <a:r>
+              <a:rPr lang="en-US" sz="1400"/>
+              <a:t>Hindi2Vec Language Modeling</a:t>
+            </a:r>
+            <a:br>
+              <a:rPr lang="en-US" sz="1400"/>
+            </a:br>
+            <a:r>
+              <a:rPr lang="en-US" sz="1400"/>
+              <a:t>		</a:t>
+            </a:r>
+            <a:r>
+              <a:rPr lang="en-US" sz="1200"/>
+              <a:t>https://github.com/NirantK/hindi2vec/blob/master/Hindi-Language-Modeling.ipynb</a:t>
+            </a:r>
+            <a:endParaRPr lang="en-US" sz="1200"/>
           </a:p>
         </p:txBody>
       </p:sp>
@@ -8568,6 +8755,445 @@
   <p:cSld>
     <p:spTree>
       <p:nvGrpSpPr>
+        <p:cNvPr id="1" name=""/>
+        <p:cNvGrpSpPr/>
+        <p:nvPr/>
+      </p:nvGrpSpPr>
+      <p:grpSpPr/>
+      <p:sp>
+        <p:nvSpPr>
+          <p:cNvPr id="113" name="Google Shape;113;p22"/>
+          <p:cNvSpPr txBox="1"/>
+          <p:nvPr/>
+        </p:nvSpPr>
+        <p:spPr>
+          <a:xfrm>
+            <a:off x="1703070" y="1911350"/>
+            <a:ext cx="6811010" cy="932180"/>
+          </a:xfrm>
+          <a:prstGeom prst="rect">
+            <a:avLst/>
+          </a:prstGeom>
+          <a:noFill/>
+          <a:ln>
+            <a:noFill/>
+          </a:ln>
+        </p:spPr>
+        <p:txBody>
+          <a:bodyPr wrap="square" lIns="91425" tIns="91425" rIns="91425" bIns="91425" anchor="t" anchorCtr="0">
+            <a:noAutofit/>
+          </a:bodyPr>
+          <a:lstStyle>
+            <a:defPPr marR="0" lvl="0" algn="l" rtl="0">
+              <a:lnSpc>
+                <a:spcPct val="100000"/>
+              </a:lnSpc>
+              <a:spcBef>
+                <a:spcPts val="0"/>
+              </a:spcBef>
+              <a:spcAft>
+                <a:spcPts val="0"/>
+              </a:spcAft>
+            </a:defPPr>
+            <a:lvl1pPr marR="0" lvl="0" algn="l" rtl="0">
+              <a:lnSpc>
+                <a:spcPct val="100000"/>
+              </a:lnSpc>
+              <a:spcBef>
+                <a:spcPts val="0"/>
+              </a:spcBef>
+              <a:spcAft>
+                <a:spcPts val="0"/>
+              </a:spcAft>
+              <a:buClr>
+                <a:schemeClr val="dk1"/>
+              </a:buClr>
+              <a:buSzPts val="3000"/>
+              <a:buFont typeface="Old Standard TT" panose="00000500000000000000"/>
+              <a:buNone/>
+              <a:defRPr sz="3000" b="0" i="0" u="none" strike="noStrike" cap="none">
+                <a:solidFill>
+                  <a:schemeClr val="dk1"/>
+                </a:solidFill>
+                <a:latin typeface="Old Standard TT" panose="00000500000000000000"/>
+                <a:ea typeface="Old Standard TT" panose="00000500000000000000"/>
+                <a:cs typeface="Old Standard TT" panose="00000500000000000000"/>
+                <a:sym typeface="Old Standard TT" panose="00000500000000000000"/>
+              </a:defRPr>
+            </a:lvl1pPr>
+            <a:lvl2pPr marR="0" lvl="1" algn="l" rtl="0">
+              <a:lnSpc>
+                <a:spcPct val="100000"/>
+              </a:lnSpc>
+              <a:spcBef>
+                <a:spcPts val="0"/>
+              </a:spcBef>
+              <a:spcAft>
+                <a:spcPts val="0"/>
+              </a:spcAft>
+              <a:buClr>
+                <a:schemeClr val="dk1"/>
+              </a:buClr>
+              <a:buSzPts val="3000"/>
+              <a:buFont typeface="Old Standard TT" panose="00000500000000000000"/>
+              <a:buNone/>
+              <a:defRPr sz="3000" b="0" i="0" u="none" strike="noStrike" cap="none">
+                <a:solidFill>
+                  <a:schemeClr val="dk1"/>
+                </a:solidFill>
+                <a:latin typeface="Old Standard TT" panose="00000500000000000000"/>
+                <a:ea typeface="Old Standard TT" panose="00000500000000000000"/>
+                <a:cs typeface="Old Standard TT" panose="00000500000000000000"/>
+                <a:sym typeface="Old Standard TT" panose="00000500000000000000"/>
+              </a:defRPr>
+            </a:lvl2pPr>
+            <a:lvl3pPr marR="0" lvl="2" algn="l" rtl="0">
+              <a:lnSpc>
+                <a:spcPct val="100000"/>
+              </a:lnSpc>
+              <a:spcBef>
+                <a:spcPts val="0"/>
+              </a:spcBef>
+              <a:spcAft>
+                <a:spcPts val="0"/>
+              </a:spcAft>
+              <a:buClr>
+                <a:schemeClr val="dk1"/>
+              </a:buClr>
+              <a:buSzPts val="3000"/>
+              <a:buFont typeface="Old Standard TT" panose="00000500000000000000"/>
+              <a:buNone/>
+              <a:defRPr sz="3000" b="0" i="0" u="none" strike="noStrike" cap="none">
+                <a:solidFill>
+                  <a:schemeClr val="dk1"/>
+                </a:solidFill>
+                <a:latin typeface="Old Standard TT" panose="00000500000000000000"/>
+                <a:ea typeface="Old Standard TT" panose="00000500000000000000"/>
+                <a:cs typeface="Old Standard TT" panose="00000500000000000000"/>
+                <a:sym typeface="Old Standard TT" panose="00000500000000000000"/>
+              </a:defRPr>
+            </a:lvl3pPr>
+            <a:lvl4pPr marR="0" lvl="3" algn="l" rtl="0">
+              <a:lnSpc>
+                <a:spcPct val="100000"/>
+              </a:lnSpc>
+              <a:spcBef>
+                <a:spcPts val="0"/>
+              </a:spcBef>
+              <a:spcAft>
+                <a:spcPts val="0"/>
+              </a:spcAft>
+              <a:buClr>
+                <a:schemeClr val="dk1"/>
+              </a:buClr>
+              <a:buSzPts val="3000"/>
+              <a:buFont typeface="Old Standard TT" panose="00000500000000000000"/>
+              <a:buNone/>
+              <a:defRPr sz="3000" b="0" i="0" u="none" strike="noStrike" cap="none">
+                <a:solidFill>
+                  <a:schemeClr val="dk1"/>
+                </a:solidFill>
+                <a:latin typeface="Old Standard TT" panose="00000500000000000000"/>
+                <a:ea typeface="Old Standard TT" panose="00000500000000000000"/>
+                <a:cs typeface="Old Standard TT" panose="00000500000000000000"/>
+                <a:sym typeface="Old Standard TT" panose="00000500000000000000"/>
+              </a:defRPr>
+            </a:lvl4pPr>
+            <a:lvl5pPr marR="0" lvl="4" algn="l" rtl="0">
+              <a:lnSpc>
+                <a:spcPct val="100000"/>
+              </a:lnSpc>
+              <a:spcBef>
+                <a:spcPts val="0"/>
+              </a:spcBef>
+              <a:spcAft>
+                <a:spcPts val="0"/>
+              </a:spcAft>
+              <a:buClr>
+                <a:schemeClr val="dk1"/>
+              </a:buClr>
+              <a:buSzPts val="3000"/>
+              <a:buFont typeface="Old Standard TT" panose="00000500000000000000"/>
+              <a:buNone/>
+              <a:defRPr sz="3000" b="0" i="0" u="none" strike="noStrike" cap="none">
+                <a:solidFill>
+                  <a:schemeClr val="dk1"/>
+                </a:solidFill>
+                <a:latin typeface="Old Standard TT" panose="00000500000000000000"/>
+                <a:ea typeface="Old Standard TT" panose="00000500000000000000"/>
+                <a:cs typeface="Old Standard TT" panose="00000500000000000000"/>
+                <a:sym typeface="Old Standard TT" panose="00000500000000000000"/>
+              </a:defRPr>
+            </a:lvl5pPr>
+            <a:lvl6pPr marR="0" lvl="5" algn="l" rtl="0">
+              <a:lnSpc>
+                <a:spcPct val="100000"/>
+              </a:lnSpc>
+              <a:spcBef>
+                <a:spcPts val="0"/>
+              </a:spcBef>
+              <a:spcAft>
+                <a:spcPts val="0"/>
+              </a:spcAft>
+              <a:buClr>
+                <a:schemeClr val="dk1"/>
+              </a:buClr>
+              <a:buSzPts val="3000"/>
+              <a:buFont typeface="Old Standard TT" panose="00000500000000000000"/>
+              <a:buNone/>
+              <a:defRPr sz="3000" b="0" i="0" u="none" strike="noStrike" cap="none">
+                <a:solidFill>
+                  <a:schemeClr val="dk1"/>
+                </a:solidFill>
+                <a:latin typeface="Old Standard TT" panose="00000500000000000000"/>
+                <a:ea typeface="Old Standard TT" panose="00000500000000000000"/>
+                <a:cs typeface="Old Standard TT" panose="00000500000000000000"/>
+                <a:sym typeface="Old Standard TT" panose="00000500000000000000"/>
+              </a:defRPr>
+            </a:lvl6pPr>
+            <a:lvl7pPr marR="0" lvl="6" algn="l" rtl="0">
+              <a:lnSpc>
+                <a:spcPct val="100000"/>
+              </a:lnSpc>
+              <a:spcBef>
+                <a:spcPts val="0"/>
+              </a:spcBef>
+              <a:spcAft>
+                <a:spcPts val="0"/>
+              </a:spcAft>
+              <a:buClr>
+                <a:schemeClr val="dk1"/>
+              </a:buClr>
+              <a:buSzPts val="3000"/>
+              <a:buFont typeface="Old Standard TT" panose="00000500000000000000"/>
+              <a:buNone/>
+              <a:defRPr sz="3000" b="0" i="0" u="none" strike="noStrike" cap="none">
+                <a:solidFill>
+                  <a:schemeClr val="dk1"/>
+                </a:solidFill>
+                <a:latin typeface="Old Standard TT" panose="00000500000000000000"/>
+                <a:ea typeface="Old Standard TT" panose="00000500000000000000"/>
+                <a:cs typeface="Old Standard TT" panose="00000500000000000000"/>
+                <a:sym typeface="Old Standard TT" panose="00000500000000000000"/>
+              </a:defRPr>
+            </a:lvl7pPr>
+            <a:lvl8pPr marR="0" lvl="7" algn="l" rtl="0">
+              <a:lnSpc>
+                <a:spcPct val="100000"/>
+              </a:lnSpc>
+              <a:spcBef>
+                <a:spcPts val="0"/>
+              </a:spcBef>
+              <a:spcAft>
+                <a:spcPts val="0"/>
+              </a:spcAft>
+              <a:buClr>
+                <a:schemeClr val="dk1"/>
+              </a:buClr>
+              <a:buSzPts val="3000"/>
+              <a:buFont typeface="Old Standard TT" panose="00000500000000000000"/>
+              <a:buNone/>
+              <a:defRPr sz="3000" b="0" i="0" u="none" strike="noStrike" cap="none">
+                <a:solidFill>
+                  <a:schemeClr val="dk1"/>
+                </a:solidFill>
+                <a:latin typeface="Old Standard TT" panose="00000500000000000000"/>
+                <a:ea typeface="Old Standard TT" panose="00000500000000000000"/>
+                <a:cs typeface="Old Standard TT" panose="00000500000000000000"/>
+                <a:sym typeface="Old Standard TT" panose="00000500000000000000"/>
+              </a:defRPr>
+            </a:lvl8pPr>
+            <a:lvl9pPr marR="0" lvl="8" algn="l" rtl="0">
+              <a:lnSpc>
+                <a:spcPct val="100000"/>
+              </a:lnSpc>
+              <a:spcBef>
+                <a:spcPts val="0"/>
+              </a:spcBef>
+              <a:spcAft>
+                <a:spcPts val="0"/>
+              </a:spcAft>
+              <a:buClr>
+                <a:schemeClr val="dk1"/>
+              </a:buClr>
+              <a:buSzPts val="3000"/>
+              <a:buFont typeface="Old Standard TT" panose="00000500000000000000"/>
+              <a:buNone/>
+              <a:defRPr sz="3000" b="0" i="0" u="none" strike="noStrike" cap="none">
+                <a:solidFill>
+                  <a:schemeClr val="dk1"/>
+                </a:solidFill>
+                <a:latin typeface="Old Standard TT" panose="00000500000000000000"/>
+                <a:ea typeface="Old Standard TT" panose="00000500000000000000"/>
+                <a:cs typeface="Old Standard TT" panose="00000500000000000000"/>
+                <a:sym typeface="Old Standard TT" panose="00000500000000000000"/>
+              </a:defRPr>
+            </a:lvl9pPr>
+          </a:lstStyle>
+          <a:p>
+            <a:pPr marL="0" lvl="0" indent="0" algn="l" rtl="0">
+              <a:spcBef>
+                <a:spcPts val="0"/>
+              </a:spcBef>
+              <a:spcAft>
+                <a:spcPts val="0"/>
+              </a:spcAft>
+              <a:buNone/>
+            </a:pPr>
+            <a:r>
+              <a:rPr lang="en-US" sz="5400">
+                <a:latin typeface="Cambria" panose="02040503050406030204" charset="0"/>
+                <a:cs typeface="Cambria" panose="02040503050406030204" charset="0"/>
+              </a:rPr>
+              <a:t>Data Interpretation</a:t>
+            </a:r>
+            <a:endParaRPr lang="en-US" sz="5400">
+              <a:latin typeface="Cambria" panose="02040503050406030204" charset="0"/>
+              <a:cs typeface="Cambria" panose="02040503050406030204" charset="0"/>
+            </a:endParaRPr>
+          </a:p>
+        </p:txBody>
+      </p:sp>
+    </p:spTree>
+  </p:cSld>
+  <p:clrMapOvr>
+    <a:masterClrMapping/>
+  </p:clrMapOvr>
+</p:sld>
+</file>
+
+<file path=ppt/slides/slide8.xml><?xml version="1.0" encoding="utf-8"?>
+<p:sld xmlns:a="http://schemas.openxmlformats.org/drawingml/2006/main" xmlns:r="http://schemas.openxmlformats.org/officeDocument/2006/relationships" xmlns:p="http://schemas.openxmlformats.org/presentationml/2006/main">
+  <p:cSld>
+    <p:spTree>
+      <p:nvGrpSpPr>
+        <p:cNvPr id="1" name=""/>
+        <p:cNvGrpSpPr/>
+        <p:nvPr/>
+      </p:nvGrpSpPr>
+      <p:grpSpPr/>
+      <p:pic>
+        <p:nvPicPr>
+          <p:cNvPr id="5" name="Picture 4"/>
+          <p:cNvPicPr>
+            <a:picLocks noChangeAspect="1"/>
+          </p:cNvPicPr>
+          <p:nvPr/>
+        </p:nvPicPr>
+        <p:blipFill>
+          <a:blip r:embed="rId1">
+            <a:clrChange>
+              <a:clrFrom>
+                <a:srgbClr val="FFFFFF">
+                  <a:alpha val="100000"/>
+                </a:srgbClr>
+              </a:clrFrom>
+              <a:clrTo>
+                <a:srgbClr val="FFFFFF">
+                  <a:alpha val="100000"/>
+                  <a:alpha val="0"/>
+                </a:srgbClr>
+              </a:clrTo>
+            </a:clrChange>
+          </a:blip>
+          <a:stretch>
+            <a:fillRect/>
+          </a:stretch>
+        </p:blipFill>
+        <p:spPr>
+          <a:xfrm>
+            <a:off x="495935" y="163195"/>
+            <a:ext cx="4649470" cy="3407410"/>
+          </a:xfrm>
+          <a:prstGeom prst="rect">
+            <a:avLst/>
+          </a:prstGeom>
+        </p:spPr>
+      </p:pic>
+      <p:sp>
+        <p:nvSpPr>
+          <p:cNvPr id="7" name="Text Placeholder 6"/>
+          <p:cNvSpPr/>
+          <p:nvPr>
+            <p:ph type="body" idx="1"/>
+          </p:nvPr>
+        </p:nvSpPr>
+        <p:spPr>
+          <a:xfrm>
+            <a:off x="309880" y="3747135"/>
+            <a:ext cx="5478145" cy="1117600"/>
+          </a:xfrm>
+        </p:spPr>
+        <p:txBody>
+          <a:bodyPr/>
+          <a:p>
+            <a:pPr>
+              <a:buFont typeface="Arial" panose="020B0604020202020204" pitchFamily="34" charset="0"/>
+              <a:buChar char="•"/>
+            </a:pPr>
+            <a:r>
+              <a:rPr lang="en-US" sz="1600"/>
+              <a:t>The above shown dataframe tells us that there are</a:t>
+            </a:r>
+            <a:br>
+              <a:rPr lang="en-US" sz="1600"/>
+            </a:br>
+            <a:r>
+              <a:rPr lang="en-US" sz="1600"/>
+              <a:t>more number of single labelled data.</a:t>
+            </a:r>
+            <a:endParaRPr lang="en-US" sz="1600"/>
+          </a:p>
+          <a:p>
+            <a:pPr>
+              <a:buFont typeface="Arial" panose="020B0604020202020204" pitchFamily="34" charset="0"/>
+              <a:buChar char="•"/>
+            </a:pPr>
+            <a:r>
+              <a:rPr lang="en-US" sz="1600"/>
+              <a:t>Even though this is a multi-label problem.</a:t>
+            </a:r>
+            <a:endParaRPr lang="en-US" sz="1600"/>
+          </a:p>
+        </p:txBody>
+      </p:sp>
+      <p:pic>
+        <p:nvPicPr>
+          <p:cNvPr id="8" name="Picture 7"/>
+          <p:cNvPicPr>
+            <a:picLocks noChangeAspect="1"/>
+          </p:cNvPicPr>
+          <p:nvPr/>
+        </p:nvPicPr>
+        <p:blipFill>
+          <a:blip r:embed="rId2"/>
+          <a:stretch>
+            <a:fillRect/>
+          </a:stretch>
+        </p:blipFill>
+        <p:spPr>
+          <a:xfrm>
+            <a:off x="6007100" y="163195"/>
+            <a:ext cx="2461260" cy="4632960"/>
+          </a:xfrm>
+          <a:prstGeom prst="rect">
+            <a:avLst/>
+          </a:prstGeom>
+        </p:spPr>
+      </p:pic>
+    </p:spTree>
+  </p:cSld>
+  <p:clrMapOvr>
+    <a:masterClrMapping/>
+  </p:clrMapOvr>
+</p:sld>
+</file>
+
+<file path=ppt/slides/slide9.xml><?xml version="1.0" encoding="utf-8"?>
+<p:sld xmlns:a="http://schemas.openxmlformats.org/drawingml/2006/main" xmlns:r="http://schemas.openxmlformats.org/officeDocument/2006/relationships" xmlns:p="http://schemas.openxmlformats.org/presentationml/2006/main">
+  <p:cSld>
+    <p:spTree>
+      <p:nvGrpSpPr>
         <p:cNvPr id="112" name="Shape 112"/>
         <p:cNvGrpSpPr/>
         <p:nvPr/>
@@ -8580,52 +9206,6 @@
           <a:chExt cx="0" cy="0"/>
         </a:xfrm>
       </p:grpSpPr>
-      <p:sp>
-        <p:nvSpPr>
-          <p:cNvPr id="113" name="Google Shape;113;p22"/>
-          <p:cNvSpPr txBox="1"/>
-          <p:nvPr>
-            <p:ph type="title"/>
-          </p:nvPr>
-        </p:nvSpPr>
-        <p:spPr>
-          <a:xfrm>
-            <a:off x="311700" y="445025"/>
-            <a:ext cx="8520600" cy="613200"/>
-          </a:xfrm>
-          <a:prstGeom prst="rect">
-            <a:avLst/>
-          </a:prstGeom>
-        </p:spPr>
-        <p:txBody>
-          <a:bodyPr spcFirstLastPara="1" wrap="square" lIns="91425" tIns="91425" rIns="91425" bIns="91425" anchor="t" anchorCtr="0">
-            <a:noAutofit/>
-          </a:bodyPr>
-          <a:lstStyle/>
-          <a:p>
-            <a:pPr marL="0" lvl="0" indent="0" algn="l" rtl="0">
-              <a:spcBef>
-                <a:spcPts val="0"/>
-              </a:spcBef>
-              <a:spcAft>
-                <a:spcPts val="0"/>
-              </a:spcAft>
-              <a:buNone/>
-            </a:pPr>
-            <a:r>
-              <a:rPr lang="en-US">
-                <a:latin typeface="Cambria" panose="02040503050406030204" charset="0"/>
-                <a:cs typeface="Cambria" panose="02040503050406030204" charset="0"/>
-              </a:rPr>
-              <a:t>Data Interpretation</a:t>
-            </a:r>
-            <a:endParaRPr lang="en-US">
-              <a:latin typeface="Cambria" panose="02040503050406030204" charset="0"/>
-              <a:cs typeface="Cambria" panose="02040503050406030204" charset="0"/>
-            </a:endParaRPr>
-          </a:p>
-        </p:txBody>
-      </p:sp>
       <p:sp>
         <p:nvSpPr>
           <p:cNvPr id="114" name="Google Shape;114;p22"/>
@@ -8818,150 +9398,61 @@
           </a:prstGeom>
         </p:spPr>
       </p:pic>
-    </p:spTree>
-  </p:cSld>
-  <p:clrMapOvr>
-    <a:masterClrMapping/>
-  </p:clrMapOvr>
-</p:sld>
-</file>
-
-<file path=ppt/slides/slide8.xml><?xml version="1.0" encoding="utf-8"?>
-<p:sld xmlns:a="http://schemas.openxmlformats.org/drawingml/2006/main" xmlns:r="http://schemas.openxmlformats.org/officeDocument/2006/relationships" xmlns:p="http://schemas.openxmlformats.org/presentationml/2006/main">
-  <p:cSld>
-    <p:spTree>
-      <p:nvGrpSpPr>
-        <p:cNvPr id="1" name=""/>
-        <p:cNvGrpSpPr/>
-        <p:nvPr/>
-      </p:nvGrpSpPr>
-      <p:grpSpPr/>
       <p:sp>
         <p:nvSpPr>
-          <p:cNvPr id="2" name="Title 1"/>
-          <p:cNvSpPr/>
-          <p:nvPr>
-            <p:ph type="title"/>
-          </p:nvPr>
+          <p:cNvPr id="1" name="Text Box 0"/>
+          <p:cNvSpPr txBox="1"/>
+          <p:nvPr/>
         </p:nvSpPr>
-        <p:spPr/>
+        <p:spPr>
+          <a:xfrm>
+            <a:off x="5086985" y="1811020"/>
+            <a:ext cx="985520" cy="245110"/>
+          </a:xfrm>
+          <a:prstGeom prst="rect">
+            <a:avLst/>
+          </a:prstGeom>
+          <a:noFill/>
+        </p:spPr>
         <p:txBody>
-          <a:bodyPr/>
+          <a:bodyPr wrap="square" rtlCol="0">
+            <a:spAutoFit/>
+          </a:bodyPr>
           <a:p>
             <a:r>
-              <a:rPr lang="en-US"/>
-              <a:t>References</a:t>
-            </a:r>
-            <a:endParaRPr lang="en-US"/>
+              <a:rPr lang="en-US" sz="1000"/>
+              <a:t>Frequency</a:t>
+            </a:r>
+            <a:endParaRPr lang="en-US" sz="1000"/>
           </a:p>
         </p:txBody>
       </p:sp>
       <p:sp>
         <p:nvSpPr>
-          <p:cNvPr id="3" name="Text Placeholder 2"/>
-          <p:cNvSpPr/>
-          <p:nvPr>
-            <p:ph type="body" idx="1"/>
-          </p:nvPr>
+          <p:cNvPr id="3" name="Text Box 2"/>
+          <p:cNvSpPr txBox="1"/>
+          <p:nvPr/>
         </p:nvSpPr>
-        <p:spPr/>
+        <p:spPr>
+          <a:xfrm>
+            <a:off x="6873240" y="3317240"/>
+            <a:ext cx="985520" cy="245110"/>
+          </a:xfrm>
+          <a:prstGeom prst="rect">
+            <a:avLst/>
+          </a:prstGeom>
+          <a:noFill/>
+        </p:spPr>
         <p:txBody>
-          <a:bodyPr/>
+          <a:bodyPr wrap="square" rtlCol="0">
+            <a:spAutoFit/>
+          </a:bodyPr>
           <a:p>
-            <a:pPr>
-              <a:buSzPct val="45000"/>
-              <a:buFont typeface="Arial" panose="020B0604020202020204" pitchFamily="34" charset="0"/>
-              <a:buChar char="•"/>
-            </a:pPr>
-            <a:r>
-              <a:rPr lang="en-US" sz="1600"/>
-              <a:t>Methods for Hindi-English Code-Mixed Data     </a:t>
-            </a:r>
-            <a:br>
-              <a:rPr lang="en-US" sz="1600"/>
-            </a:br>
-            <a:r>
-              <a:rPr lang="en-US" sz="1600"/>
-              <a:t>		</a:t>
-            </a:r>
-            <a:r>
-              <a:rPr lang="en-US" sz="1085"/>
-              <a:t>https://www.aclweb.org/anthology/2020.trac-1.7.pdf </a:t>
-            </a:r>
-            <a:r>
-              <a:rPr lang="en-US" sz="1240"/>
-              <a:t>                                            </a:t>
-            </a:r>
-            <a:endParaRPr lang="en-US" sz="1240"/>
-          </a:p>
-          <a:p>
-            <a:pPr>
-              <a:buSzPct val="45000"/>
-              <a:buFont typeface="Arial" panose="020B0604020202020204" pitchFamily="34" charset="0"/>
-              <a:buChar char="•"/>
-            </a:pPr>
-            <a:r>
-              <a:rPr lang="en-US" sz="1600"/>
-              <a:t>Aggression-annotated Corpus of Hindi-English Code-mixed Data</a:t>
-            </a:r>
-            <a:br>
-              <a:rPr lang="en-US" sz="1600"/>
-            </a:br>
-            <a:r>
-              <a:rPr lang="en-US" sz="1600"/>
-              <a:t>Ritesh Kumar, Aishwarya N. Reganti, Akshit Bhatia, Tushar Maheshwari </a:t>
-            </a:r>
-            <a:br>
-              <a:rPr lang="en-US" sz="1600"/>
-            </a:br>
-            <a:r>
-              <a:rPr lang="en-US" sz="1600"/>
-              <a:t> 		</a:t>
-            </a:r>
-            <a:r>
-              <a:rPr lang="en-US" sz="1200"/>
-              <a:t>https://arxiv.org/ftp/arxiv/papers/1803/1803.09402.pdf        </a:t>
-            </a:r>
-            <a:endParaRPr lang="en-US" sz="1200"/>
-          </a:p>
-          <a:p>
-            <a:pPr>
-              <a:buSzPct val="45000"/>
-              <a:buFont typeface="Arial" panose="020B0604020202020204" pitchFamily="34" charset="0"/>
-              <a:buChar char="•"/>
-            </a:pPr>
-            <a:r>
-              <a:rPr lang="en-US" sz="1600"/>
-              <a:t>Detecting Offensive Tweets in Hindi-English Code-Switched Language  				</a:t>
-            </a:r>
-            <a:r>
-              <a:rPr lang="en-US" sz="1200"/>
-              <a:t>https://www.aclweb.org/anthology/W18-3504.pdf</a:t>
-            </a:r>
-            <a:endParaRPr lang="en-US" sz="1600"/>
-          </a:p>
-          <a:p>
-            <a:pPr>
-              <a:buSzPct val="45000"/>
-              <a:buFont typeface="Arial" panose="020B0604020202020204" pitchFamily="34" charset="0"/>
-              <a:buChar char="•"/>
-            </a:pPr>
-            <a:r>
-              <a:rPr lang="en-US" sz="1400"/>
-              <a:t>Hindi2Vec Language Modeling</a:t>
-            </a:r>
-            <a:br>
-              <a:rPr lang="en-US" sz="1400"/>
-            </a:br>
-            <a:r>
-              <a:rPr lang="en-US" sz="1400"/>
-              <a:t>		</a:t>
-            </a:r>
-            <a:r>
-              <a:rPr lang="en-US" sz="1200"/>
-              <a:t>https://github.com/NirantK/hindi2vec/blob/master/Hindi-Language-Modeling.ipynb</a:t>
-            </a:r>
-            <a:endParaRPr lang="en-US" sz="1200"/>
+            <a:r>
+              <a:rPr lang="en-US" sz="1000"/>
+              <a:t>Labels</a:t>
+            </a:r>
+            <a:endParaRPr lang="en-US" sz="1000"/>
           </a:p>
         </p:txBody>
       </p:sp>
